--- a/docs/deployment_guide/images/quickstart-cisco-ise-on-aws-architecture-diagram.pptx
+++ b/docs/deployment_guide/images/quickstart-cisco-ise-on-aws-architecture-diagram.pptx
@@ -226,7 +226,7 @@
           <a:p>
             <a:fld id="{49A7721D-1176-A640-AC48-B82F78C92D56}" type="datetimeFigureOut">
               <a:rPr lang="en-US" smtClean="0"/>
-              <a:t>10/8/22</a:t>
+              <a:t>10/13/22</a:t>
             </a:fld>
             <a:endParaRPr lang="en-US" dirty="0"/>
           </a:p>
@@ -403,7 +403,7 @@
           <a:p>
             <a:fld id="{C884A089-FB25-6D46-9D21-F0F04A18BCA8}" type="datetimeFigureOut">
               <a:rPr lang="en-US" smtClean="0"/>
-              <a:t>10/8/22</a:t>
+              <a:t>10/13/22</a:t>
             </a:fld>
             <a:endParaRPr lang="en-US" dirty="0"/>
           </a:p>
@@ -1213,7 +1213,7 @@
           <a:p>
             <a:fld id="{C764DE79-268F-4C1A-8933-263129D2AF90}" type="datetimeFigureOut">
               <a:rPr lang="en-US" dirty="0"/>
-              <a:t>10/8/22</a:t>
+              <a:t>10/13/22</a:t>
             </a:fld>
             <a:endParaRPr lang="en-US" dirty="0"/>
           </a:p>
@@ -1384,7 +1384,7 @@
           <a:p>
             <a:fld id="{C764DE79-268F-4C1A-8933-263129D2AF90}" type="datetimeFigureOut">
               <a:rPr lang="en-US" dirty="0"/>
-              <a:t>10/8/22</a:t>
+              <a:t>10/13/22</a:t>
             </a:fld>
             <a:endParaRPr lang="en-US" dirty="0"/>
           </a:p>
@@ -1565,7 +1565,7 @@
           <a:p>
             <a:fld id="{C764DE79-268F-4C1A-8933-263129D2AF90}" type="datetimeFigureOut">
               <a:rPr lang="en-US" dirty="0"/>
-              <a:t>10/8/22</a:t>
+              <a:t>10/13/22</a:t>
             </a:fld>
             <a:endParaRPr lang="en-US" dirty="0"/>
           </a:p>
@@ -1758,7 +1758,7 @@
           <a:p>
             <a:fld id="{C764DE79-268F-4C1A-8933-263129D2AF90}" type="datetimeFigureOut">
               <a:rPr lang="en-US" dirty="0"/>
-              <a:t>10/8/22</a:t>
+              <a:t>10/13/22</a:t>
             </a:fld>
             <a:endParaRPr lang="en-US" dirty="0"/>
           </a:p>
@@ -1929,7 +1929,7 @@
           <a:p>
             <a:fld id="{C764DE79-268F-4C1A-8933-263129D2AF90}" type="datetimeFigureOut">
               <a:rPr lang="en-US" dirty="0"/>
-              <a:t>10/8/22</a:t>
+              <a:t>10/13/22</a:t>
             </a:fld>
             <a:endParaRPr lang="en-US" dirty="0"/>
           </a:p>
@@ -2174,7 +2174,7 @@
           <a:p>
             <a:fld id="{C764DE79-268F-4C1A-8933-263129D2AF90}" type="datetimeFigureOut">
               <a:rPr lang="en-US" dirty="0"/>
-              <a:t>10/8/22</a:t>
+              <a:t>10/13/22</a:t>
             </a:fld>
             <a:endParaRPr lang="en-US" dirty="0"/>
           </a:p>
@@ -2407,7 +2407,7 @@
           <a:p>
             <a:fld id="{C764DE79-268F-4C1A-8933-263129D2AF90}" type="datetimeFigureOut">
               <a:rPr lang="en-US" dirty="0"/>
-              <a:t>10/8/22</a:t>
+              <a:t>10/13/22</a:t>
             </a:fld>
             <a:endParaRPr lang="en-US" dirty="0"/>
           </a:p>
@@ -2775,7 +2775,7 @@
           <a:p>
             <a:fld id="{C764DE79-268F-4C1A-8933-263129D2AF90}" type="datetimeFigureOut">
               <a:rPr lang="en-US" dirty="0"/>
-              <a:t>10/8/22</a:t>
+              <a:t>10/13/22</a:t>
             </a:fld>
             <a:endParaRPr lang="en-US" dirty="0"/>
           </a:p>
@@ -2894,7 +2894,7 @@
           <a:p>
             <a:fld id="{C764DE79-268F-4C1A-8933-263129D2AF90}" type="datetimeFigureOut">
               <a:rPr lang="en-US" dirty="0"/>
-              <a:t>10/8/22</a:t>
+              <a:t>10/13/22</a:t>
             </a:fld>
             <a:endParaRPr lang="en-US" dirty="0"/>
           </a:p>
@@ -3263,7 +3263,7 @@
           <a:p>
             <a:fld id="{C764DE79-268F-4C1A-8933-263129D2AF90}" type="datetimeFigureOut">
               <a:rPr lang="en-US" dirty="0"/>
-              <a:t>10/8/22</a:t>
+              <a:t>10/13/22</a:t>
             </a:fld>
             <a:endParaRPr lang="en-US" dirty="0"/>
           </a:p>
@@ -3797,7 +3797,7 @@
           <a:p>
             <a:fld id="{C764DE79-268F-4C1A-8933-263129D2AF90}" type="datetimeFigureOut">
               <a:rPr lang="en-US" dirty="0"/>
-              <a:t>10/8/22</a:t>
+              <a:t>10/13/22</a:t>
             </a:fld>
             <a:endParaRPr lang="en-US" dirty="0"/>
           </a:p>
@@ -8079,7 +8079,7 @@
         </p:blipFill>
         <p:spPr bwMode="auto">
           <a:xfrm>
-            <a:off x="6290387" y="5766400"/>
+            <a:off x="6290387" y="5754825"/>
             <a:ext cx="457200" cy="457200"/>
           </a:xfrm>
           <a:prstGeom prst="rect">
@@ -8110,100 +8110,6 @@
           </a:extLst>
         </p:spPr>
       </p:pic>
-      <p:cxnSp>
-        <p:nvCxnSpPr>
-          <p:cNvPr id="58" name="Straight Connector 57">
-            <a:extLst>
-              <a:ext uri="{FF2B5EF4-FFF2-40B4-BE49-F238E27FC236}">
-                <a16:creationId xmlns:a16="http://schemas.microsoft.com/office/drawing/2014/main" id="{CB17ACE4-DC72-CB4E-7901-6DFC0DA9E765}"/>
-              </a:ext>
-            </a:extLst>
-          </p:cNvPr>
-          <p:cNvCxnSpPr>
-            <a:cxnSpLocks/>
-          </p:cNvCxnSpPr>
-          <p:nvPr/>
-        </p:nvCxnSpPr>
-        <p:spPr>
-          <a:xfrm flipV="1">
-            <a:off x="3917960" y="5218852"/>
-            <a:ext cx="739559" cy="509483"/>
-          </a:xfrm>
-          <a:prstGeom prst="line">
-            <a:avLst/>
-          </a:prstGeom>
-          <a:ln w="9525" cap="flat" cmpd="sng" algn="ctr">
-            <a:solidFill>
-              <a:schemeClr val="accent4"/>
-            </a:solidFill>
-            <a:prstDash val="dash"/>
-            <a:round/>
-            <a:headEnd type="none" w="med" len="med"/>
-            <a:tailEnd type="none" w="med" len="med"/>
-          </a:ln>
-        </p:spPr>
-        <p:style>
-          <a:lnRef idx="0">
-            <a:scrgbClr r="0" g="0" b="0"/>
-          </a:lnRef>
-          <a:fillRef idx="0">
-            <a:scrgbClr r="0" g="0" b="0"/>
-          </a:fillRef>
-          <a:effectRef idx="0">
-            <a:scrgbClr r="0" g="0" b="0"/>
-          </a:effectRef>
-          <a:fontRef idx="minor">
-            <a:schemeClr val="tx1"/>
-          </a:fontRef>
-        </p:style>
-      </p:cxnSp>
-      <p:cxnSp>
-        <p:nvCxnSpPr>
-          <p:cNvPr id="60" name="Straight Connector 59">
-            <a:extLst>
-              <a:ext uri="{FF2B5EF4-FFF2-40B4-BE49-F238E27FC236}">
-                <a16:creationId xmlns:a16="http://schemas.microsoft.com/office/drawing/2014/main" id="{4CB714C8-0937-395E-8ED3-7003186ED865}"/>
-              </a:ext>
-            </a:extLst>
-          </p:cNvPr>
-          <p:cNvCxnSpPr>
-            <a:cxnSpLocks/>
-          </p:cNvCxnSpPr>
-          <p:nvPr/>
-        </p:nvCxnSpPr>
-        <p:spPr>
-          <a:xfrm flipH="1" flipV="1">
-            <a:off x="5472971" y="5249516"/>
-            <a:ext cx="746973" cy="488853"/>
-          </a:xfrm>
-          <a:prstGeom prst="line">
-            <a:avLst/>
-          </a:prstGeom>
-          <a:ln w="9525" cap="flat" cmpd="sng" algn="ctr">
-            <a:solidFill>
-              <a:schemeClr val="accent4"/>
-            </a:solidFill>
-            <a:prstDash val="dash"/>
-            <a:round/>
-            <a:headEnd type="none" w="med" len="med"/>
-            <a:tailEnd type="none" w="med" len="med"/>
-          </a:ln>
-        </p:spPr>
-        <p:style>
-          <a:lnRef idx="0">
-            <a:scrgbClr r="0" g="0" b="0"/>
-          </a:lnRef>
-          <a:fillRef idx="0">
-            <a:scrgbClr r="0" g="0" b="0"/>
-          </a:fillRef>
-          <a:effectRef idx="0">
-            <a:scrgbClr r="0" g="0" b="0"/>
-          </a:effectRef>
-          <a:fontRef idx="minor">
-            <a:schemeClr val="tx1"/>
-          </a:fontRef>
-        </p:style>
-      </p:cxnSp>
       <p:sp>
         <p:nvSpPr>
           <p:cNvPr id="56" name="TextBox 11">
@@ -8365,6 +8271,96 @@
           </a:p>
         </p:txBody>
       </p:sp>
+      <p:cxnSp>
+        <p:nvCxnSpPr>
+          <p:cNvPr id="59" name="Straight Arrow Connector 58">
+            <a:extLst>
+              <a:ext uri="{FF2B5EF4-FFF2-40B4-BE49-F238E27FC236}">
+                <a16:creationId xmlns:a16="http://schemas.microsoft.com/office/drawing/2014/main" id="{DAEF1FC5-85A6-EAC7-5158-9B0B6EA698D8}"/>
+              </a:ext>
+            </a:extLst>
+          </p:cNvPr>
+          <p:cNvCxnSpPr>
+            <a:cxnSpLocks/>
+          </p:cNvCxnSpPr>
+          <p:nvPr/>
+        </p:nvCxnSpPr>
+        <p:spPr>
+          <a:xfrm flipV="1">
+            <a:off x="3888740" y="5244465"/>
+            <a:ext cx="822156" cy="483870"/>
+          </a:xfrm>
+          <a:prstGeom prst="straightConnector1">
+            <a:avLst/>
+          </a:prstGeom>
+          <a:ln w="12700">
+            <a:solidFill>
+              <a:srgbClr val="545B64"/>
+            </a:solidFill>
+            <a:headEnd type="arrow" w="med" len="sm"/>
+            <a:tailEnd type="none" w="med" len="sm"/>
+          </a:ln>
+        </p:spPr>
+        <p:style>
+          <a:lnRef idx="1">
+            <a:schemeClr val="accent1"/>
+          </a:lnRef>
+          <a:fillRef idx="0">
+            <a:schemeClr val="accent1"/>
+          </a:fillRef>
+          <a:effectRef idx="0">
+            <a:schemeClr val="accent1"/>
+          </a:effectRef>
+          <a:fontRef idx="minor">
+            <a:schemeClr val="tx1"/>
+          </a:fontRef>
+        </p:style>
+      </p:cxnSp>
+      <p:cxnSp>
+        <p:nvCxnSpPr>
+          <p:cNvPr id="61" name="Straight Arrow Connector 60">
+            <a:extLst>
+              <a:ext uri="{FF2B5EF4-FFF2-40B4-BE49-F238E27FC236}">
+                <a16:creationId xmlns:a16="http://schemas.microsoft.com/office/drawing/2014/main" id="{497DDF8B-BE4A-E495-E843-F8DBC2C3E82B}"/>
+              </a:ext>
+            </a:extLst>
+          </p:cNvPr>
+          <p:cNvCxnSpPr>
+            <a:cxnSpLocks/>
+          </p:cNvCxnSpPr>
+          <p:nvPr/>
+        </p:nvCxnSpPr>
+        <p:spPr>
+          <a:xfrm flipH="1" flipV="1">
+            <a:off x="5346337" y="5244465"/>
+            <a:ext cx="944050" cy="568715"/>
+          </a:xfrm>
+          <a:prstGeom prst="straightConnector1">
+            <a:avLst/>
+          </a:prstGeom>
+          <a:ln w="12700">
+            <a:solidFill>
+              <a:srgbClr val="545B64"/>
+            </a:solidFill>
+            <a:headEnd type="arrow" w="med" len="sm"/>
+            <a:tailEnd type="none" w="med" len="sm"/>
+          </a:ln>
+        </p:spPr>
+        <p:style>
+          <a:lnRef idx="1">
+            <a:schemeClr val="accent1"/>
+          </a:lnRef>
+          <a:fillRef idx="0">
+            <a:schemeClr val="accent1"/>
+          </a:fillRef>
+          <a:effectRef idx="0">
+            <a:schemeClr val="accent1"/>
+          </a:effectRef>
+          <a:fontRef idx="minor">
+            <a:schemeClr val="tx1"/>
+          </a:fontRef>
+        </p:style>
+      </p:cxnSp>
     </p:spTree>
     <p:extLst>
       <p:ext uri="{BB962C8B-B14F-4D97-AF65-F5344CB8AC3E}">
@@ -11590,100 +11586,6 @@
           </a:extLst>
         </p:spPr>
       </p:pic>
-      <p:cxnSp>
-        <p:nvCxnSpPr>
-          <p:cNvPr id="58" name="Straight Connector 57">
-            <a:extLst>
-              <a:ext uri="{FF2B5EF4-FFF2-40B4-BE49-F238E27FC236}">
-                <a16:creationId xmlns:a16="http://schemas.microsoft.com/office/drawing/2014/main" id="{CB17ACE4-DC72-CB4E-7901-6DFC0DA9E765}"/>
-              </a:ext>
-            </a:extLst>
-          </p:cNvPr>
-          <p:cNvCxnSpPr>
-            <a:cxnSpLocks/>
-          </p:cNvCxnSpPr>
-          <p:nvPr/>
-        </p:nvCxnSpPr>
-        <p:spPr>
-          <a:xfrm flipV="1">
-            <a:off x="3062243" y="5211416"/>
-            <a:ext cx="801826" cy="502468"/>
-          </a:xfrm>
-          <a:prstGeom prst="line">
-            <a:avLst/>
-          </a:prstGeom>
-          <a:ln w="9525" cap="flat" cmpd="sng" algn="ctr">
-            <a:solidFill>
-              <a:schemeClr val="accent4"/>
-            </a:solidFill>
-            <a:prstDash val="dash"/>
-            <a:round/>
-            <a:headEnd type="none" w="med" len="med"/>
-            <a:tailEnd type="none" w="med" len="med"/>
-          </a:ln>
-        </p:spPr>
-        <p:style>
-          <a:lnRef idx="0">
-            <a:scrgbClr r="0" g="0" b="0"/>
-          </a:lnRef>
-          <a:fillRef idx="0">
-            <a:scrgbClr r="0" g="0" b="0"/>
-          </a:fillRef>
-          <a:effectRef idx="0">
-            <a:scrgbClr r="0" g="0" b="0"/>
-          </a:effectRef>
-          <a:fontRef idx="minor">
-            <a:schemeClr val="tx1"/>
-          </a:fontRef>
-        </p:style>
-      </p:cxnSp>
-      <p:cxnSp>
-        <p:nvCxnSpPr>
-          <p:cNvPr id="60" name="Straight Connector 59">
-            <a:extLst>
-              <a:ext uri="{FF2B5EF4-FFF2-40B4-BE49-F238E27FC236}">
-                <a16:creationId xmlns:a16="http://schemas.microsoft.com/office/drawing/2014/main" id="{4CB714C8-0937-395E-8ED3-7003186ED865}"/>
-              </a:ext>
-            </a:extLst>
-          </p:cNvPr>
-          <p:cNvCxnSpPr>
-            <a:cxnSpLocks/>
-          </p:cNvCxnSpPr>
-          <p:nvPr/>
-        </p:nvCxnSpPr>
-        <p:spPr>
-          <a:xfrm flipH="1" flipV="1">
-            <a:off x="4609371" y="5211416"/>
-            <a:ext cx="767714" cy="531346"/>
-          </a:xfrm>
-          <a:prstGeom prst="line">
-            <a:avLst/>
-          </a:prstGeom>
-          <a:ln w="9525" cap="flat" cmpd="sng" algn="ctr">
-            <a:solidFill>
-              <a:schemeClr val="accent4"/>
-            </a:solidFill>
-            <a:prstDash val="dash"/>
-            <a:round/>
-            <a:headEnd type="none" w="med" len="med"/>
-            <a:tailEnd type="none" w="med" len="med"/>
-          </a:ln>
-        </p:spPr>
-        <p:style>
-          <a:lnRef idx="0">
-            <a:scrgbClr r="0" g="0" b="0"/>
-          </a:lnRef>
-          <a:fillRef idx="0">
-            <a:scrgbClr r="0" g="0" b="0"/>
-          </a:fillRef>
-          <a:effectRef idx="0">
-            <a:scrgbClr r="0" g="0" b="0"/>
-          </a:effectRef>
-          <a:fontRef idx="minor">
-            <a:schemeClr val="tx1"/>
-          </a:fontRef>
-        </p:style>
-      </p:cxnSp>
       <p:pic>
         <p:nvPicPr>
           <p:cNvPr id="65" name="Graphic 13">
@@ -12639,39 +12541,32 @@
       </p:sp>
       <p:cxnSp>
         <p:nvCxnSpPr>
-          <p:cNvPr id="79" name="Elbow Connector 78">
+          <p:cNvPr id="59" name="Straight Arrow Connector 58">
             <a:extLst>
               <a:ext uri="{FF2B5EF4-FFF2-40B4-BE49-F238E27FC236}">
-                <a16:creationId xmlns:a16="http://schemas.microsoft.com/office/drawing/2014/main" id="{F1CC4093-CEDB-5FDD-406F-4769FB10ADA4}"/>
+                <a16:creationId xmlns:a16="http://schemas.microsoft.com/office/drawing/2014/main" id="{6664C3AE-1C6F-E17B-AD13-E2FBDA594E1E}"/>
               </a:ext>
             </a:extLst>
           </p:cNvPr>
           <p:cNvCxnSpPr>
             <a:cxnSpLocks/>
-            <a:stCxn id="65" idx="1"/>
-            <a:endCxn id="46" idx="2"/>
           </p:cNvCxnSpPr>
           <p:nvPr/>
         </p:nvCxnSpPr>
         <p:spPr>
-          <a:xfrm rot="10800000" flipV="1">
-            <a:off x="5651787" y="4354017"/>
-            <a:ext cx="3332823" cy="2226685"/>
+          <a:xfrm flipV="1">
+            <a:off x="2948940" y="5157850"/>
+            <a:ext cx="940288" cy="595885"/>
           </a:xfrm>
-          <a:prstGeom prst="bentConnector4">
-            <a:avLst>
-              <a:gd name="adj1" fmla="val 59448"/>
-              <a:gd name="adj2" fmla="val 110266"/>
-            </a:avLst>
+          <a:prstGeom prst="straightConnector1">
+            <a:avLst/>
           </a:prstGeom>
-          <a:ln>
+          <a:ln w="12700">
             <a:solidFill>
-              <a:schemeClr val="tx1">
-                <a:lumMod val="50000"/>
-                <a:lumOff val="50000"/>
-              </a:schemeClr>
+              <a:srgbClr val="545B64"/>
             </a:solidFill>
-            <a:tailEnd type="triangle"/>
+            <a:headEnd type="arrow" w="med" len="sm"/>
+            <a:tailEnd type="none" w="med" len="sm"/>
           </a:ln>
         </p:spPr>
         <p:style>
@@ -12691,39 +12586,32 @@
       </p:cxnSp>
       <p:cxnSp>
         <p:nvCxnSpPr>
-          <p:cNvPr id="88" name="Elbow Connector 87">
+          <p:cNvPr id="61" name="Straight Arrow Connector 60">
             <a:extLst>
               <a:ext uri="{FF2B5EF4-FFF2-40B4-BE49-F238E27FC236}">
-                <a16:creationId xmlns:a16="http://schemas.microsoft.com/office/drawing/2014/main" id="{0167282E-1964-5EEE-E9F8-DE9E8610B5A9}"/>
+                <a16:creationId xmlns:a16="http://schemas.microsoft.com/office/drawing/2014/main" id="{06C9DCD1-E613-B24E-1118-C81B75FDCAAE}"/>
               </a:ext>
             </a:extLst>
           </p:cNvPr>
           <p:cNvCxnSpPr>
             <a:cxnSpLocks/>
-            <a:stCxn id="65" idx="1"/>
-            <a:endCxn id="43" idx="2"/>
           </p:cNvCxnSpPr>
           <p:nvPr/>
         </p:nvCxnSpPr>
         <p:spPr>
-          <a:xfrm rot="10800000" flipV="1">
-            <a:off x="2797667" y="4354018"/>
-            <a:ext cx="6186942" cy="2224304"/>
+          <a:xfrm flipH="1" flipV="1">
+            <a:off x="4584039" y="5174375"/>
+            <a:ext cx="836515" cy="579360"/>
           </a:xfrm>
-          <a:prstGeom prst="bentConnector4">
-            <a:avLst>
-              <a:gd name="adj1" fmla="val 32248"/>
-              <a:gd name="adj2" fmla="val 110277"/>
-            </a:avLst>
+          <a:prstGeom prst="straightConnector1">
+            <a:avLst/>
           </a:prstGeom>
-          <a:ln>
+          <a:ln w="12700">
             <a:solidFill>
-              <a:schemeClr val="tx1">
-                <a:lumMod val="50000"/>
-                <a:lumOff val="50000"/>
-              </a:schemeClr>
+              <a:srgbClr val="545B64"/>
             </a:solidFill>
-            <a:tailEnd type="triangle"/>
+            <a:headEnd type="arrow" w="med" len="sm"/>
+            <a:tailEnd type="none" w="med" len="sm"/>
           </a:ln>
         </p:spPr>
         <p:style>
@@ -12743,36 +12631,33 @@
       </p:cxnSp>
       <p:cxnSp>
         <p:nvCxnSpPr>
-          <p:cNvPr id="95" name="Elbow Connector 94">
+          <p:cNvPr id="74" name="Straight Arrow Connector 73">
             <a:extLst>
               <a:ext uri="{FF2B5EF4-FFF2-40B4-BE49-F238E27FC236}">
-                <a16:creationId xmlns:a16="http://schemas.microsoft.com/office/drawing/2014/main" id="{C3DCB4D7-E257-59BF-14D0-71543885C726}"/>
+                <a16:creationId xmlns:a16="http://schemas.microsoft.com/office/drawing/2014/main" id="{E0234B2F-384A-2C08-AECC-C90BED034A6D}"/>
               </a:ext>
             </a:extLst>
           </p:cNvPr>
           <p:cNvCxnSpPr>
             <a:cxnSpLocks/>
+            <a:endCxn id="68" idx="1"/>
           </p:cNvCxnSpPr>
           <p:nvPr/>
         </p:nvCxnSpPr>
         <p:spPr>
-          <a:xfrm rot="10800000" flipV="1">
-            <a:off x="7011747" y="5051167"/>
-            <a:ext cx="1972866" cy="1"/>
+          <a:xfrm>
+            <a:off x="6996546" y="5038470"/>
+            <a:ext cx="1988063" cy="0"/>
           </a:xfrm>
-          <a:prstGeom prst="bentConnector3">
-            <a:avLst>
-              <a:gd name="adj1" fmla="val 50000"/>
-            </a:avLst>
+          <a:prstGeom prst="straightConnector1">
+            <a:avLst/>
           </a:prstGeom>
-          <a:ln>
+          <a:ln w="12700">
             <a:solidFill>
-              <a:schemeClr val="tx1">
-                <a:lumMod val="50000"/>
-                <a:lumOff val="50000"/>
-              </a:schemeClr>
+              <a:srgbClr val="545B64"/>
             </a:solidFill>
-            <a:tailEnd type="triangle"/>
+            <a:headEnd type="arrow" w="med" len="sm"/>
+            <a:tailEnd type="none" w="med" len="sm"/>
           </a:ln>
         </p:spPr>
         <p:style>
@@ -12792,37 +12677,33 @@
       </p:cxnSp>
       <p:cxnSp>
         <p:nvCxnSpPr>
-          <p:cNvPr id="98" name="Elbow Connector 97">
+          <p:cNvPr id="75" name="Straight Arrow Connector 74">
             <a:extLst>
               <a:ext uri="{FF2B5EF4-FFF2-40B4-BE49-F238E27FC236}">
-                <a16:creationId xmlns:a16="http://schemas.microsoft.com/office/drawing/2014/main" id="{814B73B2-FB64-F1B0-8BF5-A4B95D86FAF6}"/>
+                <a16:creationId xmlns:a16="http://schemas.microsoft.com/office/drawing/2014/main" id="{E7833B82-A6A3-E3ED-C1E9-1FB97F9CCE9F}"/>
               </a:ext>
             </a:extLst>
           </p:cNvPr>
           <p:cNvCxnSpPr>
             <a:cxnSpLocks/>
-            <a:stCxn id="70" idx="1"/>
+            <a:endCxn id="70" idx="1"/>
           </p:cNvCxnSpPr>
           <p:nvPr/>
         </p:nvCxnSpPr>
         <p:spPr>
-          <a:xfrm rot="10800000">
-            <a:off x="7002779" y="5660770"/>
-            <a:ext cx="1994530" cy="1"/>
+          <a:xfrm>
+            <a:off x="6991037" y="5660770"/>
+            <a:ext cx="2006272" cy="0"/>
           </a:xfrm>
-          <a:prstGeom prst="bentConnector3">
-            <a:avLst>
-              <a:gd name="adj1" fmla="val 50000"/>
-            </a:avLst>
+          <a:prstGeom prst="straightConnector1">
+            <a:avLst/>
           </a:prstGeom>
-          <a:ln>
+          <a:ln w="12700">
             <a:solidFill>
-              <a:schemeClr val="tx1">
-                <a:lumMod val="50000"/>
-                <a:lumOff val="50000"/>
-              </a:schemeClr>
+              <a:srgbClr val="545B64"/>
             </a:solidFill>
-            <a:tailEnd type="triangle"/>
+            <a:headEnd type="arrow" w="med" len="sm"/>
+            <a:tailEnd type="none" w="med" len="sm"/>
           </a:ln>
         </p:spPr>
         <p:style>
@@ -12842,37 +12723,37 @@
       </p:cxnSp>
       <p:cxnSp>
         <p:nvCxnSpPr>
-          <p:cNvPr id="110" name="Elbow Connector 109">
+          <p:cNvPr id="76" name="Elbow Connector 75">
             <a:extLst>
               <a:ext uri="{FF2B5EF4-FFF2-40B4-BE49-F238E27FC236}">
-                <a16:creationId xmlns:a16="http://schemas.microsoft.com/office/drawing/2014/main" id="{0638C9D3-934C-E2A5-65FD-6AA1D1278340}"/>
+                <a16:creationId xmlns:a16="http://schemas.microsoft.com/office/drawing/2014/main" id="{0185F922-1858-76AE-7BD0-3D20CABEF32E}"/>
               </a:ext>
             </a:extLst>
           </p:cNvPr>
           <p:cNvCxnSpPr>
             <a:cxnSpLocks/>
-            <a:endCxn id="16" idx="1"/>
+            <a:stCxn id="43" idx="2"/>
+            <a:endCxn id="65" idx="1"/>
           </p:cNvCxnSpPr>
           <p:nvPr/>
         </p:nvCxnSpPr>
         <p:spPr>
-          <a:xfrm flipV="1">
-            <a:off x="10816561" y="5224248"/>
-            <a:ext cx="1295759" cy="1098270"/>
+          <a:xfrm rot="5400000" flipH="1" flipV="1">
+            <a:off x="4778986" y="2372699"/>
+            <a:ext cx="2224304" cy="6186942"/>
           </a:xfrm>
-          <a:prstGeom prst="bentConnector3">
+          <a:prstGeom prst="bentConnector4">
             <a:avLst>
-              <a:gd name="adj1" fmla="val 46334"/>
+              <a:gd name="adj1" fmla="val -10277"/>
+              <a:gd name="adj2" fmla="val 67851"/>
             </a:avLst>
           </a:prstGeom>
-          <a:ln>
+          <a:ln w="12700">
             <a:solidFill>
-              <a:schemeClr val="tx1">
-                <a:lumMod val="50000"/>
-                <a:lumOff val="50000"/>
-              </a:schemeClr>
+              <a:srgbClr val="545B64"/>
             </a:solidFill>
-            <a:tailEnd type="triangle"/>
+            <a:headEnd type="arrow" w="med" len="sm"/>
+            <a:tailEnd type="none" w="med" len="sm"/>
           </a:ln>
         </p:spPr>
         <p:style>
@@ -12892,10 +12773,106 @@
       </p:cxnSp>
       <p:cxnSp>
         <p:nvCxnSpPr>
-          <p:cNvPr id="193" name="Elbow Connector 192">
+          <p:cNvPr id="77" name="Elbow Connector 76">
             <a:extLst>
               <a:ext uri="{FF2B5EF4-FFF2-40B4-BE49-F238E27FC236}">
-                <a16:creationId xmlns:a16="http://schemas.microsoft.com/office/drawing/2014/main" id="{32EDE456-1482-1D19-475C-3686DCABEF65}"/>
+                <a16:creationId xmlns:a16="http://schemas.microsoft.com/office/drawing/2014/main" id="{56E2E5CF-E360-C4E0-1C91-211AA3D46F6A}"/>
+              </a:ext>
+            </a:extLst>
+          </p:cNvPr>
+          <p:cNvCxnSpPr>
+            <a:cxnSpLocks/>
+            <a:stCxn id="46" idx="2"/>
+            <a:endCxn id="65" idx="1"/>
+          </p:cNvCxnSpPr>
+          <p:nvPr/>
+        </p:nvCxnSpPr>
+        <p:spPr>
+          <a:xfrm rot="5400000" flipH="1" flipV="1">
+            <a:off x="6204854" y="3800949"/>
+            <a:ext cx="2226685" cy="3332823"/>
+          </a:xfrm>
+          <a:prstGeom prst="bentConnector4">
+            <a:avLst>
+              <a:gd name="adj1" fmla="val -10266"/>
+              <a:gd name="adj2" fmla="val 40077"/>
+            </a:avLst>
+          </a:prstGeom>
+          <a:ln w="12700">
+            <a:solidFill>
+              <a:srgbClr val="545B64"/>
+            </a:solidFill>
+            <a:headEnd type="arrow" w="med" len="sm"/>
+            <a:tailEnd type="none" w="med" len="sm"/>
+          </a:ln>
+        </p:spPr>
+        <p:style>
+          <a:lnRef idx="1">
+            <a:schemeClr val="accent1"/>
+          </a:lnRef>
+          <a:fillRef idx="0">
+            <a:schemeClr val="accent1"/>
+          </a:fillRef>
+          <a:effectRef idx="0">
+            <a:schemeClr val="accent1"/>
+          </a:effectRef>
+          <a:fontRef idx="minor">
+            <a:schemeClr val="tx1"/>
+          </a:fontRef>
+        </p:style>
+      </p:cxnSp>
+      <p:cxnSp>
+        <p:nvCxnSpPr>
+          <p:cNvPr id="80" name="Elbow Connector 79">
+            <a:extLst>
+              <a:ext uri="{FF2B5EF4-FFF2-40B4-BE49-F238E27FC236}">
+                <a16:creationId xmlns:a16="http://schemas.microsoft.com/office/drawing/2014/main" id="{3D3713E9-9433-8949-8FEC-DF9009DC8DB2}"/>
+              </a:ext>
+            </a:extLst>
+          </p:cNvPr>
+          <p:cNvCxnSpPr>
+            <a:cxnSpLocks/>
+            <a:endCxn id="16" idx="1"/>
+          </p:cNvCxnSpPr>
+          <p:nvPr/>
+        </p:nvCxnSpPr>
+        <p:spPr>
+          <a:xfrm flipV="1">
+            <a:off x="10816559" y="5224248"/>
+            <a:ext cx="1295761" cy="1101677"/>
+          </a:xfrm>
+          <a:prstGeom prst="bentConnector3">
+            <a:avLst/>
+          </a:prstGeom>
+          <a:ln w="12700">
+            <a:solidFill>
+              <a:srgbClr val="545B64"/>
+            </a:solidFill>
+            <a:headEnd type="none" w="med" len="sm"/>
+            <a:tailEnd type="arrow" w="med" len="sm"/>
+          </a:ln>
+        </p:spPr>
+        <p:style>
+          <a:lnRef idx="1">
+            <a:schemeClr val="accent1"/>
+          </a:lnRef>
+          <a:fillRef idx="0">
+            <a:schemeClr val="accent1"/>
+          </a:fillRef>
+          <a:effectRef idx="0">
+            <a:schemeClr val="accent1"/>
+          </a:effectRef>
+          <a:fontRef idx="minor">
+            <a:schemeClr val="tx1"/>
+          </a:fontRef>
+        </p:style>
+      </p:cxnSp>
+      <p:cxnSp>
+        <p:nvCxnSpPr>
+          <p:cNvPr id="84" name="Straight Arrow Connector 83">
+            <a:extLst>
+              <a:ext uri="{FF2B5EF4-FFF2-40B4-BE49-F238E27FC236}">
+                <a16:creationId xmlns:a16="http://schemas.microsoft.com/office/drawing/2014/main" id="{D03BCD79-CD28-1752-EB80-FB336A616714}"/>
               </a:ext>
             </a:extLst>
           </p:cNvPr>
@@ -12907,22 +12884,18 @@
         </p:nvCxnSpPr>
         <p:spPr>
           <a:xfrm flipV="1">
-            <a:off x="10816561" y="6317719"/>
-            <a:ext cx="1301992" cy="4799"/>
+            <a:off x="10834432" y="6317719"/>
+            <a:ext cx="1284121" cy="8206"/>
           </a:xfrm>
-          <a:prstGeom prst="bentConnector3">
-            <a:avLst>
-              <a:gd name="adj1" fmla="val 50000"/>
-            </a:avLst>
+          <a:prstGeom prst="straightConnector1">
+            <a:avLst/>
           </a:prstGeom>
-          <a:ln>
+          <a:ln w="12700">
             <a:solidFill>
-              <a:schemeClr val="tx1">
-                <a:lumMod val="50000"/>
-                <a:lumOff val="50000"/>
-              </a:schemeClr>
+              <a:srgbClr val="545B64"/>
             </a:solidFill>
-            <a:tailEnd type="triangle"/>
+            <a:headEnd type="none" w="med" len="sm"/>
+            <a:tailEnd type="arrow" w="med" len="sm"/>
           </a:ln>
         </p:spPr>
         <p:style>
@@ -15806,7 +15779,7 @@
         </p:nvGrpSpPr>
         <p:grpSpPr>
           <a:xfrm>
-            <a:off x="11161977" y="4735679"/>
+            <a:off x="11161977" y="4799179"/>
             <a:ext cx="2292350" cy="1035274"/>
             <a:chOff x="5799214" y="5995980"/>
             <a:chExt cx="2292350" cy="1035274"/>
@@ -16119,7 +16092,7 @@
         </p:nvGrpSpPr>
         <p:grpSpPr>
           <a:xfrm>
-            <a:off x="11196003" y="6160033"/>
+            <a:off x="11196003" y="6172733"/>
             <a:ext cx="2268537" cy="869451"/>
             <a:chOff x="2223484" y="1075236"/>
             <a:chExt cx="2268537" cy="869451"/>
@@ -16407,100 +16380,6 @@
           </a:extLst>
         </p:spPr>
       </p:pic>
-      <p:cxnSp>
-        <p:nvCxnSpPr>
-          <p:cNvPr id="58" name="Straight Connector 57">
-            <a:extLst>
-              <a:ext uri="{FF2B5EF4-FFF2-40B4-BE49-F238E27FC236}">
-                <a16:creationId xmlns:a16="http://schemas.microsoft.com/office/drawing/2014/main" id="{CB17ACE4-DC72-CB4E-7901-6DFC0DA9E765}"/>
-              </a:ext>
-            </a:extLst>
-          </p:cNvPr>
-          <p:cNvCxnSpPr>
-            <a:cxnSpLocks/>
-          </p:cNvCxnSpPr>
-          <p:nvPr/>
-        </p:nvCxnSpPr>
-        <p:spPr>
-          <a:xfrm flipV="1">
-            <a:off x="3062243" y="5211416"/>
-            <a:ext cx="801826" cy="502468"/>
-          </a:xfrm>
-          <a:prstGeom prst="line">
-            <a:avLst/>
-          </a:prstGeom>
-          <a:ln w="9525" cap="flat" cmpd="sng" algn="ctr">
-            <a:solidFill>
-              <a:schemeClr val="accent4"/>
-            </a:solidFill>
-            <a:prstDash val="dash"/>
-            <a:round/>
-            <a:headEnd type="none" w="med" len="med"/>
-            <a:tailEnd type="none" w="med" len="med"/>
-          </a:ln>
-        </p:spPr>
-        <p:style>
-          <a:lnRef idx="0">
-            <a:scrgbClr r="0" g="0" b="0"/>
-          </a:lnRef>
-          <a:fillRef idx="0">
-            <a:scrgbClr r="0" g="0" b="0"/>
-          </a:fillRef>
-          <a:effectRef idx="0">
-            <a:scrgbClr r="0" g="0" b="0"/>
-          </a:effectRef>
-          <a:fontRef idx="minor">
-            <a:schemeClr val="tx1"/>
-          </a:fontRef>
-        </p:style>
-      </p:cxnSp>
-      <p:cxnSp>
-        <p:nvCxnSpPr>
-          <p:cNvPr id="60" name="Straight Connector 59">
-            <a:extLst>
-              <a:ext uri="{FF2B5EF4-FFF2-40B4-BE49-F238E27FC236}">
-                <a16:creationId xmlns:a16="http://schemas.microsoft.com/office/drawing/2014/main" id="{4CB714C8-0937-395E-8ED3-7003186ED865}"/>
-              </a:ext>
-            </a:extLst>
-          </p:cNvPr>
-          <p:cNvCxnSpPr>
-            <a:cxnSpLocks/>
-          </p:cNvCxnSpPr>
-          <p:nvPr/>
-        </p:nvCxnSpPr>
-        <p:spPr>
-          <a:xfrm flipH="1" flipV="1">
-            <a:off x="4609371" y="5211416"/>
-            <a:ext cx="767714" cy="531346"/>
-          </a:xfrm>
-          <a:prstGeom prst="line">
-            <a:avLst/>
-          </a:prstGeom>
-          <a:ln w="9525" cap="flat" cmpd="sng" algn="ctr">
-            <a:solidFill>
-              <a:schemeClr val="accent4"/>
-            </a:solidFill>
-            <a:prstDash val="dash"/>
-            <a:round/>
-            <a:headEnd type="none" w="med" len="med"/>
-            <a:tailEnd type="none" w="med" len="med"/>
-          </a:ln>
-        </p:spPr>
-        <p:style>
-          <a:lnRef idx="0">
-            <a:scrgbClr r="0" g="0" b="0"/>
-          </a:lnRef>
-          <a:fillRef idx="0">
-            <a:scrgbClr r="0" g="0" b="0"/>
-          </a:fillRef>
-          <a:effectRef idx="0">
-            <a:scrgbClr r="0" g="0" b="0"/>
-          </a:effectRef>
-          <a:fontRef idx="minor">
-            <a:schemeClr val="tx1"/>
-          </a:fontRef>
-        </p:style>
-      </p:cxnSp>
       <p:pic>
         <p:nvPicPr>
           <p:cNvPr id="65" name="Graphic 13">
@@ -16868,7 +16747,7 @@
         <p:spPr bwMode="auto">
           <a:xfrm>
             <a:off x="9430066" y="5323951"/>
-            <a:ext cx="2018954" cy="430887"/>
+            <a:ext cx="1604964" cy="430887"/>
           </a:xfrm>
           <a:prstGeom prst="rect">
             <a:avLst/>
@@ -17310,7 +17189,7 @@
         <p:spPr bwMode="auto">
           <a:xfrm>
             <a:off x="9455466" y="6607999"/>
-            <a:ext cx="2018954" cy="261610"/>
+            <a:ext cx="1848804" cy="261610"/>
           </a:xfrm>
           <a:prstGeom prst="rect">
             <a:avLst/>
@@ -17454,158 +17333,6 @@
           </a:p>
         </p:txBody>
       </p:sp>
-      <p:cxnSp>
-        <p:nvCxnSpPr>
-          <p:cNvPr id="88" name="Elbow Connector 87">
-            <a:extLst>
-              <a:ext uri="{FF2B5EF4-FFF2-40B4-BE49-F238E27FC236}">
-                <a16:creationId xmlns:a16="http://schemas.microsoft.com/office/drawing/2014/main" id="{0167282E-1964-5EEE-E9F8-DE9E8610B5A9}"/>
-              </a:ext>
-            </a:extLst>
-          </p:cNvPr>
-          <p:cNvCxnSpPr>
-            <a:cxnSpLocks/>
-            <a:stCxn id="65" idx="1"/>
-            <a:endCxn id="43" idx="2"/>
-          </p:cNvCxnSpPr>
-          <p:nvPr/>
-        </p:nvCxnSpPr>
-        <p:spPr>
-          <a:xfrm rot="10800000" flipV="1">
-            <a:off x="2797667" y="4781530"/>
-            <a:ext cx="6186942" cy="1796792"/>
-          </a:xfrm>
-          <a:prstGeom prst="bentConnector4">
-            <a:avLst>
-              <a:gd name="adj1" fmla="val 22459"/>
-              <a:gd name="adj2" fmla="val 112723"/>
-            </a:avLst>
-          </a:prstGeom>
-          <a:ln>
-            <a:solidFill>
-              <a:schemeClr val="tx1">
-                <a:lumMod val="50000"/>
-                <a:lumOff val="50000"/>
-              </a:schemeClr>
-            </a:solidFill>
-            <a:tailEnd type="triangle"/>
-          </a:ln>
-        </p:spPr>
-        <p:style>
-          <a:lnRef idx="1">
-            <a:schemeClr val="accent1"/>
-          </a:lnRef>
-          <a:fillRef idx="0">
-            <a:schemeClr val="accent1"/>
-          </a:fillRef>
-          <a:effectRef idx="0">
-            <a:schemeClr val="accent1"/>
-          </a:effectRef>
-          <a:fontRef idx="minor">
-            <a:schemeClr val="tx1"/>
-          </a:fontRef>
-        </p:style>
-      </p:cxnSp>
-      <p:cxnSp>
-        <p:nvCxnSpPr>
-          <p:cNvPr id="95" name="Elbow Connector 94">
-            <a:extLst>
-              <a:ext uri="{FF2B5EF4-FFF2-40B4-BE49-F238E27FC236}">
-                <a16:creationId xmlns:a16="http://schemas.microsoft.com/office/drawing/2014/main" id="{C3DCB4D7-E257-59BF-14D0-71543885C726}"/>
-              </a:ext>
-            </a:extLst>
-          </p:cNvPr>
-          <p:cNvCxnSpPr>
-            <a:cxnSpLocks/>
-          </p:cNvCxnSpPr>
-          <p:nvPr/>
-        </p:nvCxnSpPr>
-        <p:spPr>
-          <a:xfrm>
-            <a:off x="10764371" y="5488037"/>
-            <a:ext cx="1265486" cy="1252375"/>
-          </a:xfrm>
-          <a:prstGeom prst="bentConnector3">
-            <a:avLst>
-              <a:gd name="adj1" fmla="val 62220"/>
-            </a:avLst>
-          </a:prstGeom>
-          <a:ln>
-            <a:solidFill>
-              <a:schemeClr val="tx1">
-                <a:lumMod val="50000"/>
-                <a:lumOff val="50000"/>
-              </a:schemeClr>
-            </a:solidFill>
-            <a:tailEnd type="triangle"/>
-          </a:ln>
-        </p:spPr>
-        <p:style>
-          <a:lnRef idx="1">
-            <a:schemeClr val="accent1"/>
-          </a:lnRef>
-          <a:fillRef idx="0">
-            <a:schemeClr val="accent1"/>
-          </a:fillRef>
-          <a:effectRef idx="0">
-            <a:schemeClr val="accent1"/>
-          </a:effectRef>
-          <a:fontRef idx="minor">
-            <a:schemeClr val="tx1"/>
-          </a:fontRef>
-        </p:style>
-      </p:cxnSp>
-      <p:cxnSp>
-        <p:nvCxnSpPr>
-          <p:cNvPr id="110" name="Elbow Connector 109">
-            <a:extLst>
-              <a:ext uri="{FF2B5EF4-FFF2-40B4-BE49-F238E27FC236}">
-                <a16:creationId xmlns:a16="http://schemas.microsoft.com/office/drawing/2014/main" id="{0638C9D3-934C-E2A5-65FD-6AA1D1278340}"/>
-              </a:ext>
-            </a:extLst>
-          </p:cNvPr>
-          <p:cNvCxnSpPr>
-            <a:cxnSpLocks/>
-            <a:stCxn id="118" idx="3"/>
-            <a:endCxn id="24" idx="1"/>
-          </p:cNvCxnSpPr>
-          <p:nvPr/>
-        </p:nvCxnSpPr>
-        <p:spPr>
-          <a:xfrm>
-            <a:off x="7875721" y="4055653"/>
-            <a:ext cx="579611" cy="1703"/>
-          </a:xfrm>
-          <a:prstGeom prst="bentConnector3">
-            <a:avLst>
-              <a:gd name="adj1" fmla="val 50000"/>
-            </a:avLst>
-          </a:prstGeom>
-          <a:ln>
-            <a:solidFill>
-              <a:schemeClr val="tx1">
-                <a:lumMod val="50000"/>
-                <a:lumOff val="50000"/>
-              </a:schemeClr>
-            </a:solidFill>
-            <a:tailEnd type="triangle"/>
-          </a:ln>
-        </p:spPr>
-        <p:style>
-          <a:lnRef idx="1">
-            <a:schemeClr val="accent1"/>
-          </a:lnRef>
-          <a:fillRef idx="0">
-            <a:schemeClr val="accent1"/>
-          </a:fillRef>
-          <a:effectRef idx="0">
-            <a:schemeClr val="accent1"/>
-          </a:effectRef>
-          <a:fontRef idx="minor">
-            <a:schemeClr val="tx1"/>
-          </a:fontRef>
-        </p:style>
-      </p:cxnSp>
       <p:pic>
         <p:nvPicPr>
           <p:cNvPr id="118" name="Graphic 13">
@@ -17666,57 +17393,6 @@
           </a:extLst>
         </p:spPr>
       </p:pic>
-      <p:cxnSp>
-        <p:nvCxnSpPr>
-          <p:cNvPr id="141" name="Elbow Connector 140">
-            <a:extLst>
-              <a:ext uri="{FF2B5EF4-FFF2-40B4-BE49-F238E27FC236}">
-                <a16:creationId xmlns:a16="http://schemas.microsoft.com/office/drawing/2014/main" id="{78F3B970-C2C2-0343-3C1D-92FA1199DD32}"/>
-              </a:ext>
-            </a:extLst>
-          </p:cNvPr>
-          <p:cNvCxnSpPr>
-            <a:cxnSpLocks/>
-            <a:stCxn id="5" idx="2"/>
-            <a:endCxn id="118" idx="0"/>
-          </p:cNvCxnSpPr>
-          <p:nvPr/>
-        </p:nvCxnSpPr>
-        <p:spPr>
-          <a:xfrm rot="16200000" flipH="1">
-            <a:off x="7391433" y="3571365"/>
-            <a:ext cx="509404" cy="1972"/>
-          </a:xfrm>
-          <a:prstGeom prst="bentConnector3">
-            <a:avLst>
-              <a:gd name="adj1" fmla="val 50000"/>
-            </a:avLst>
-          </a:prstGeom>
-          <a:ln>
-            <a:solidFill>
-              <a:schemeClr val="tx1">
-                <a:lumMod val="50000"/>
-                <a:lumOff val="50000"/>
-              </a:schemeClr>
-            </a:solidFill>
-            <a:tailEnd type="triangle"/>
-          </a:ln>
-        </p:spPr>
-        <p:style>
-          <a:lnRef idx="1">
-            <a:schemeClr val="accent1"/>
-          </a:lnRef>
-          <a:fillRef idx="0">
-            <a:schemeClr val="accent1"/>
-          </a:fillRef>
-          <a:effectRef idx="0">
-            <a:schemeClr val="accent1"/>
-          </a:effectRef>
-          <a:fontRef idx="minor">
-            <a:schemeClr val="tx1"/>
-          </a:fontRef>
-        </p:style>
-      </p:cxnSp>
       <p:sp>
         <p:nvSpPr>
           <p:cNvPr id="75" name="TextBox 9">
@@ -17891,10 +17567,297 @@
       </p:sp>
       <p:cxnSp>
         <p:nvCxnSpPr>
-          <p:cNvPr id="80" name="Elbow Connector 79">
+          <p:cNvPr id="74" name="Straight Arrow Connector 73">
             <a:extLst>
               <a:ext uri="{FF2B5EF4-FFF2-40B4-BE49-F238E27FC236}">
-                <a16:creationId xmlns:a16="http://schemas.microsoft.com/office/drawing/2014/main" id="{21E000BB-581D-7EF1-6B1D-B45A8D5E82E3}"/>
+                <a16:creationId xmlns:a16="http://schemas.microsoft.com/office/drawing/2014/main" id="{075CDC11-7350-9260-84F8-83F5C46A33B3}"/>
+              </a:ext>
+            </a:extLst>
+          </p:cNvPr>
+          <p:cNvCxnSpPr>
+            <a:cxnSpLocks/>
+            <a:stCxn id="5" idx="2"/>
+            <a:endCxn id="118" idx="0"/>
+          </p:cNvCxnSpPr>
+          <p:nvPr/>
+        </p:nvCxnSpPr>
+        <p:spPr>
+          <a:xfrm>
+            <a:off x="7645149" y="3317649"/>
+            <a:ext cx="1972" cy="509404"/>
+          </a:xfrm>
+          <a:prstGeom prst="straightConnector1">
+            <a:avLst/>
+          </a:prstGeom>
+          <a:ln w="12700">
+            <a:solidFill>
+              <a:srgbClr val="545B64"/>
+            </a:solidFill>
+            <a:headEnd type="none" w="med" len="sm"/>
+            <a:tailEnd type="arrow" w="med" len="sm"/>
+          </a:ln>
+        </p:spPr>
+        <p:style>
+          <a:lnRef idx="1">
+            <a:schemeClr val="accent1"/>
+          </a:lnRef>
+          <a:fillRef idx="0">
+            <a:schemeClr val="accent1"/>
+          </a:fillRef>
+          <a:effectRef idx="0">
+            <a:schemeClr val="accent1"/>
+          </a:effectRef>
+          <a:fontRef idx="minor">
+            <a:schemeClr val="tx1"/>
+          </a:fontRef>
+        </p:style>
+      </p:cxnSp>
+      <p:cxnSp>
+        <p:nvCxnSpPr>
+          <p:cNvPr id="76" name="Elbow Connector 75">
+            <a:extLst>
+              <a:ext uri="{FF2B5EF4-FFF2-40B4-BE49-F238E27FC236}">
+                <a16:creationId xmlns:a16="http://schemas.microsoft.com/office/drawing/2014/main" id="{60215F6B-F7D5-02AF-225D-D650D3AE1299}"/>
+              </a:ext>
+            </a:extLst>
+          </p:cNvPr>
+          <p:cNvCxnSpPr>
+            <a:cxnSpLocks/>
+            <a:stCxn id="65" idx="1"/>
+            <a:endCxn id="43" idx="2"/>
+          </p:cNvCxnSpPr>
+          <p:nvPr/>
+        </p:nvCxnSpPr>
+        <p:spPr>
+          <a:xfrm rot="10800000" flipV="1">
+            <a:off x="2797667" y="4781530"/>
+            <a:ext cx="6186942" cy="1796792"/>
+          </a:xfrm>
+          <a:prstGeom prst="bentConnector4">
+            <a:avLst>
+              <a:gd name="adj1" fmla="val 22502"/>
+              <a:gd name="adj2" fmla="val 112723"/>
+            </a:avLst>
+          </a:prstGeom>
+          <a:ln w="12700">
+            <a:solidFill>
+              <a:srgbClr val="545B64"/>
+            </a:solidFill>
+            <a:headEnd type="none" w="med" len="sm"/>
+            <a:tailEnd type="arrow" w="med" len="sm"/>
+          </a:ln>
+        </p:spPr>
+        <p:style>
+          <a:lnRef idx="1">
+            <a:schemeClr val="accent1"/>
+          </a:lnRef>
+          <a:fillRef idx="0">
+            <a:schemeClr val="accent1"/>
+          </a:fillRef>
+          <a:effectRef idx="0">
+            <a:schemeClr val="accent1"/>
+          </a:effectRef>
+          <a:fontRef idx="minor">
+            <a:schemeClr val="tx1"/>
+          </a:fontRef>
+        </p:style>
+      </p:cxnSp>
+      <p:cxnSp>
+        <p:nvCxnSpPr>
+          <p:cNvPr id="77" name="Straight Arrow Connector 76">
+            <a:extLst>
+              <a:ext uri="{FF2B5EF4-FFF2-40B4-BE49-F238E27FC236}">
+                <a16:creationId xmlns:a16="http://schemas.microsoft.com/office/drawing/2014/main" id="{74774594-9E5B-CE16-64B2-4DB1C0ED41A3}"/>
+              </a:ext>
+            </a:extLst>
+          </p:cNvPr>
+          <p:cNvCxnSpPr>
+            <a:cxnSpLocks/>
+          </p:cNvCxnSpPr>
+          <p:nvPr/>
+        </p:nvCxnSpPr>
+        <p:spPr>
+          <a:xfrm flipH="1">
+            <a:off x="3004873" y="5184955"/>
+            <a:ext cx="885347" cy="552871"/>
+          </a:xfrm>
+          <a:prstGeom prst="straightConnector1">
+            <a:avLst/>
+          </a:prstGeom>
+          <a:ln w="12700">
+            <a:solidFill>
+              <a:srgbClr val="545B64"/>
+            </a:solidFill>
+            <a:headEnd type="none" w="med" len="sm"/>
+            <a:tailEnd type="arrow" w="med" len="sm"/>
+          </a:ln>
+        </p:spPr>
+        <p:style>
+          <a:lnRef idx="1">
+            <a:schemeClr val="accent1"/>
+          </a:lnRef>
+          <a:fillRef idx="0">
+            <a:schemeClr val="accent1"/>
+          </a:fillRef>
+          <a:effectRef idx="0">
+            <a:schemeClr val="accent1"/>
+          </a:effectRef>
+          <a:fontRef idx="minor">
+            <a:schemeClr val="tx1"/>
+          </a:fontRef>
+        </p:style>
+      </p:cxnSp>
+      <p:cxnSp>
+        <p:nvCxnSpPr>
+          <p:cNvPr id="83" name="Straight Arrow Connector 82">
+            <a:extLst>
+              <a:ext uri="{FF2B5EF4-FFF2-40B4-BE49-F238E27FC236}">
+                <a16:creationId xmlns:a16="http://schemas.microsoft.com/office/drawing/2014/main" id="{246EB834-86CC-2FBC-9A0C-01E4ECFBAFCC}"/>
+              </a:ext>
+            </a:extLst>
+          </p:cNvPr>
+          <p:cNvCxnSpPr>
+            <a:cxnSpLocks/>
+            <a:stCxn id="118" idx="3"/>
+            <a:endCxn id="24" idx="1"/>
+          </p:cNvCxnSpPr>
+          <p:nvPr/>
+        </p:nvCxnSpPr>
+        <p:spPr>
+          <a:xfrm>
+            <a:off x="7875721" y="4055653"/>
+            <a:ext cx="579611" cy="1703"/>
+          </a:xfrm>
+          <a:prstGeom prst="straightConnector1">
+            <a:avLst/>
+          </a:prstGeom>
+          <a:ln w="12700">
+            <a:solidFill>
+              <a:srgbClr val="545B64"/>
+            </a:solidFill>
+            <a:headEnd type="none" w="med" len="sm"/>
+            <a:tailEnd type="arrow" w="med" len="sm"/>
+          </a:ln>
+        </p:spPr>
+        <p:style>
+          <a:lnRef idx="1">
+            <a:schemeClr val="accent1"/>
+          </a:lnRef>
+          <a:fillRef idx="0">
+            <a:schemeClr val="accent1"/>
+          </a:fillRef>
+          <a:effectRef idx="0">
+            <a:schemeClr val="accent1"/>
+          </a:effectRef>
+          <a:fontRef idx="minor">
+            <a:schemeClr val="tx1"/>
+          </a:fontRef>
+        </p:style>
+      </p:cxnSp>
+      <p:cxnSp>
+        <p:nvCxnSpPr>
+          <p:cNvPr id="84" name="Elbow Connector 83">
+            <a:extLst>
+              <a:ext uri="{FF2B5EF4-FFF2-40B4-BE49-F238E27FC236}">
+                <a16:creationId xmlns:a16="http://schemas.microsoft.com/office/drawing/2014/main" id="{98B38769-7CA3-4940-F0F9-B6118C4A6D1C}"/>
+              </a:ext>
+            </a:extLst>
+          </p:cNvPr>
+          <p:cNvCxnSpPr>
+            <a:cxnSpLocks/>
+            <a:stCxn id="73" idx="3"/>
+            <a:endCxn id="16" idx="1"/>
+          </p:cNvCxnSpPr>
+          <p:nvPr/>
+        </p:nvCxnSpPr>
+        <p:spPr>
+          <a:xfrm flipV="1">
+            <a:off x="11304270" y="5538837"/>
+            <a:ext cx="743632" cy="1199967"/>
+          </a:xfrm>
+          <a:prstGeom prst="bentConnector3">
+            <a:avLst>
+              <a:gd name="adj1" fmla="val 50000"/>
+            </a:avLst>
+          </a:prstGeom>
+          <a:ln w="12700">
+            <a:solidFill>
+              <a:srgbClr val="545B64"/>
+            </a:solidFill>
+            <a:headEnd type="none" w="med" len="sm"/>
+            <a:tailEnd type="arrow" w="med" len="sm"/>
+          </a:ln>
+        </p:spPr>
+        <p:style>
+          <a:lnRef idx="1">
+            <a:schemeClr val="accent1"/>
+          </a:lnRef>
+          <a:fillRef idx="0">
+            <a:schemeClr val="accent1"/>
+          </a:fillRef>
+          <a:effectRef idx="0">
+            <a:schemeClr val="accent1"/>
+          </a:effectRef>
+          <a:fontRef idx="minor">
+            <a:schemeClr val="tx1"/>
+          </a:fontRef>
+        </p:style>
+      </p:cxnSp>
+      <p:cxnSp>
+        <p:nvCxnSpPr>
+          <p:cNvPr id="85" name="Elbow Connector 84">
+            <a:extLst>
+              <a:ext uri="{FF2B5EF4-FFF2-40B4-BE49-F238E27FC236}">
+                <a16:creationId xmlns:a16="http://schemas.microsoft.com/office/drawing/2014/main" id="{B1E8E8F5-7523-8835-AFFE-6976E7618047}"/>
+              </a:ext>
+            </a:extLst>
+          </p:cNvPr>
+          <p:cNvCxnSpPr>
+            <a:cxnSpLocks/>
+            <a:stCxn id="69" idx="3"/>
+            <a:endCxn id="27" idx="1"/>
+          </p:cNvCxnSpPr>
+          <p:nvPr/>
+        </p:nvCxnSpPr>
+        <p:spPr>
+          <a:xfrm>
+            <a:off x="11035030" y="5539395"/>
+            <a:ext cx="994827" cy="1201017"/>
+          </a:xfrm>
+          <a:prstGeom prst="bentConnector3">
+            <a:avLst>
+              <a:gd name="adj1" fmla="val 64043"/>
+            </a:avLst>
+          </a:prstGeom>
+          <a:ln w="12700">
+            <a:solidFill>
+              <a:srgbClr val="545B64"/>
+            </a:solidFill>
+            <a:headEnd type="none" w="med" len="sm"/>
+            <a:tailEnd type="arrow" w="med" len="sm"/>
+          </a:ln>
+        </p:spPr>
+        <p:style>
+          <a:lnRef idx="1">
+            <a:schemeClr val="accent1"/>
+          </a:lnRef>
+          <a:fillRef idx="0">
+            <a:schemeClr val="accent1"/>
+          </a:fillRef>
+          <a:effectRef idx="0">
+            <a:schemeClr val="accent1"/>
+          </a:effectRef>
+          <a:fontRef idx="minor">
+            <a:schemeClr val="tx1"/>
+          </a:fontRef>
+        </p:style>
+      </p:cxnSp>
+      <p:cxnSp>
+        <p:nvCxnSpPr>
+          <p:cNvPr id="114" name="Elbow Connector 113">
+            <a:extLst>
+              <a:ext uri="{FF2B5EF4-FFF2-40B4-BE49-F238E27FC236}">
+                <a16:creationId xmlns:a16="http://schemas.microsoft.com/office/drawing/2014/main" id="{1A5FAC60-3CA3-F377-229D-535F4EA63DD9}"/>
               </a:ext>
             </a:extLst>
           </p:cNvPr>
@@ -17916,14 +17879,12 @@
               <a:gd name="adj2" fmla="val 120507"/>
             </a:avLst>
           </a:prstGeom>
-          <a:ln>
+          <a:ln w="12700">
             <a:solidFill>
-              <a:schemeClr val="tx1">
-                <a:lumMod val="50000"/>
-                <a:lumOff val="50000"/>
-              </a:schemeClr>
+              <a:srgbClr val="545B64"/>
             </a:solidFill>
-            <a:tailEnd type="triangle"/>
+            <a:headEnd type="none" w="med" len="sm"/>
+            <a:tailEnd type="arrow" w="med" len="sm"/>
           </a:ln>
         </p:spPr>
         <p:style>
@@ -17943,88 +17904,32 @@
       </p:cxnSp>
       <p:cxnSp>
         <p:nvCxnSpPr>
-          <p:cNvPr id="90" name="Elbow Connector 89">
+          <p:cNvPr id="122" name="Straight Arrow Connector 121">
             <a:extLst>
               <a:ext uri="{FF2B5EF4-FFF2-40B4-BE49-F238E27FC236}">
-                <a16:creationId xmlns:a16="http://schemas.microsoft.com/office/drawing/2014/main" id="{9AEA3CD7-4A00-B85C-F239-597DBC6C790D}"/>
+                <a16:creationId xmlns:a16="http://schemas.microsoft.com/office/drawing/2014/main" id="{48AB22B8-2CD1-DD4C-8D05-81E740D590E9}"/>
               </a:ext>
             </a:extLst>
           </p:cNvPr>
           <p:cNvCxnSpPr>
             <a:cxnSpLocks/>
-            <a:endCxn id="27" idx="1"/>
           </p:cNvCxnSpPr>
           <p:nvPr/>
         </p:nvCxnSpPr>
         <p:spPr>
-          <a:xfrm flipV="1">
-            <a:off x="11185790" y="6727712"/>
-            <a:ext cx="844067" cy="11092"/>
+          <a:xfrm>
+            <a:off x="4628730" y="5182575"/>
+            <a:ext cx="809947" cy="572263"/>
           </a:xfrm>
-          <a:prstGeom prst="bentConnector3">
-            <a:avLst>
-              <a:gd name="adj1" fmla="val 50000"/>
-            </a:avLst>
+          <a:prstGeom prst="straightConnector1">
+            <a:avLst/>
           </a:prstGeom>
-          <a:ln>
+          <a:ln w="12700">
             <a:solidFill>
-              <a:schemeClr val="tx1">
-                <a:lumMod val="50000"/>
-                <a:lumOff val="50000"/>
-              </a:schemeClr>
+              <a:srgbClr val="545B64"/>
             </a:solidFill>
-            <a:tailEnd type="triangle"/>
-          </a:ln>
-        </p:spPr>
-        <p:style>
-          <a:lnRef idx="1">
-            <a:schemeClr val="accent1"/>
-          </a:lnRef>
-          <a:fillRef idx="0">
-            <a:schemeClr val="accent1"/>
-          </a:fillRef>
-          <a:effectRef idx="0">
-            <a:schemeClr val="accent1"/>
-          </a:effectRef>
-          <a:fontRef idx="minor">
-            <a:schemeClr val="tx1"/>
-          </a:fontRef>
-        </p:style>
-      </p:cxnSp>
-      <p:cxnSp>
-        <p:nvCxnSpPr>
-          <p:cNvPr id="94" name="Elbow Connector 93">
-            <a:extLst>
-              <a:ext uri="{FF2B5EF4-FFF2-40B4-BE49-F238E27FC236}">
-                <a16:creationId xmlns:a16="http://schemas.microsoft.com/office/drawing/2014/main" id="{13B48893-E7EE-24F0-E41A-038D19B2EF52}"/>
-              </a:ext>
-            </a:extLst>
-          </p:cNvPr>
-          <p:cNvCxnSpPr>
-            <a:cxnSpLocks/>
-            <a:stCxn id="73" idx="3"/>
-            <a:endCxn id="16" idx="1"/>
-          </p:cNvCxnSpPr>
-          <p:nvPr/>
-        </p:nvCxnSpPr>
-        <p:spPr>
-          <a:xfrm flipV="1">
-            <a:off x="11474420" y="5475337"/>
-            <a:ext cx="573482" cy="1263467"/>
-          </a:xfrm>
-          <a:prstGeom prst="bentConnector3">
-            <a:avLst>
-              <a:gd name="adj1" fmla="val 12727"/>
-            </a:avLst>
-          </a:prstGeom>
-          <a:ln>
-            <a:solidFill>
-              <a:schemeClr val="tx1">
-                <a:lumMod val="50000"/>
-                <a:lumOff val="50000"/>
-              </a:schemeClr>
-            </a:solidFill>
-            <a:tailEnd type="triangle"/>
+            <a:headEnd type="none" w="med" len="sm"/>
+            <a:tailEnd type="arrow" w="med" len="sm"/>
           </a:ln>
         </p:spPr>
         <p:style>

--- a/docs/deployment_guide/images/quickstart-cisco-ise-on-aws-architecture-diagram.pptx
+++ b/docs/deployment_guide/images/quickstart-cisco-ise-on-aws-architecture-diagram.pptx
@@ -8,8 +8,7 @@
     <p:sldId id="257" r:id="rId2"/>
     <p:sldId id="260" r:id="rId3"/>
     <p:sldId id="262" r:id="rId4"/>
-    <p:sldId id="261" r:id="rId5"/>
-    <p:sldId id="259" r:id="rId6"/>
+    <p:sldId id="265" r:id="rId5"/>
   </p:sldIdLst>
   <p:sldSz cx="14630400" cy="14630400"/>
   <p:notesSz cx="6858000" cy="9144000"/>
@@ -146,8 +145,8 @@
 <p:cmLst xmlns:a="http://schemas.openxmlformats.org/drawingml/2006/main" xmlns:r="http://schemas.openxmlformats.org/officeDocument/2006/relationships" xmlns:p="http://schemas.openxmlformats.org/presentationml/2006/main">
   <p:cm authorId="1" dt="2022-11-01T09:39:54.763" idx="1">
     <p:pos x="10" y="10"/>
-    <p:text>quickstart-cisco-ise-on-aws-architecture-diagram.png</p:text>
-    <p:extLst>
+    <p:text>aws-architecture-DeploymentStateMachine.png</p:text>
+    <p:extLst mod="1">
       <p:ext uri="{C676402C-5697-4E1C-873F-D02D1690AC5C}">
         <p15:threadingInfo xmlns:p15="http://schemas.microsoft.com/office/powerpoint/2012/main" timeZoneBias="240"/>
       </p:ext>
@@ -160,8 +159,8 @@
 <p:cmLst xmlns:a="http://schemas.openxmlformats.org/drawingml/2006/main" xmlns:r="http://schemas.openxmlformats.org/officeDocument/2006/relationships" xmlns:p="http://schemas.openxmlformats.org/presentationml/2006/main">
   <p:cm authorId="1" dt="2022-11-01T09:39:54.763" idx="1">
     <p:pos x="10" y="10"/>
-    <p:text>quickstart-cisco-ise-on-aws-architecture-diagram.png</p:text>
-    <p:extLst>
+    <p:text>aws-architecture-DeploymentStateMachine.png</p:text>
+    <p:extLst mod="1">
       <p:ext uri="{C676402C-5697-4E1C-873F-D02D1690AC5C}">
         <p15:threadingInfo xmlns:p15="http://schemas.microsoft.com/office/powerpoint/2012/main" timeZoneBias="240"/>
       </p:ext>
@@ -174,22 +173,8 @@
 <p:cmLst xmlns:a="http://schemas.openxmlformats.org/drawingml/2006/main" xmlns:r="http://schemas.openxmlformats.org/officeDocument/2006/relationships" xmlns:p="http://schemas.openxmlformats.org/presentationml/2006/main">
   <p:cm authorId="1" dt="2022-11-01T09:39:54.763" idx="1">
     <p:pos x="10" y="10"/>
-    <p:text>quickstart-cisco-ise-on-aws-architecture-diagram.png</p:text>
-    <p:extLst>
-      <p:ext uri="{C676402C-5697-4E1C-873F-D02D1690AC5C}">
-        <p15:threadingInfo xmlns:p15="http://schemas.microsoft.com/office/powerpoint/2012/main" timeZoneBias="240"/>
-      </p:ext>
-    </p:extLst>
-  </p:cm>
-</p:cmLst>
-</file>
-
-<file path=ppt/comments/comment5.xml><?xml version="1.0" encoding="utf-8"?>
-<p:cmLst xmlns:a="http://schemas.openxmlformats.org/drawingml/2006/main" xmlns:r="http://schemas.openxmlformats.org/officeDocument/2006/relationships" xmlns:p="http://schemas.openxmlformats.org/presentationml/2006/main">
-  <p:cm authorId="1" dt="2022-11-01T09:42:03.550" idx="3">
-    <p:pos x="10" y="10"/>
-    <p:text>quickstart-cisco-ise-on-aws-architecture-FailoverStateMachine.png</p:text>
-    <p:extLst>
+    <p:text>aws-architecture-FailoverStateMachine.png</p:text>
+    <p:extLst mod="1">
       <p:ext uri="{C676402C-5697-4E1C-873F-D02D1690AC5C}">
         <p15:threadingInfo xmlns:p15="http://schemas.microsoft.com/office/powerpoint/2012/main" timeZoneBias="240"/>
       </p:ext>
@@ -329,7 +314,7 @@
           <a:p>
             <a:fld id="{67B29D9A-71F8-4AE8-9BC0-98DBCD8DFFBB}" type="datetimeFigureOut">
               <a:rPr lang="en-US" smtClean="0"/>
-              <a:t>11/1/2022</a:t>
+              <a:t>11/3/2022</a:t>
             </a:fld>
             <a:endParaRPr lang="en-US"/>
           </a:p>
@@ -499,7 +484,7 @@
           <a:p>
             <a:fld id="{67B29D9A-71F8-4AE8-9BC0-98DBCD8DFFBB}" type="datetimeFigureOut">
               <a:rPr lang="en-US" smtClean="0"/>
-              <a:t>11/1/2022</a:t>
+              <a:t>11/3/2022</a:t>
             </a:fld>
             <a:endParaRPr lang="en-US"/>
           </a:p>
@@ -679,7 +664,7 @@
           <a:p>
             <a:fld id="{67B29D9A-71F8-4AE8-9BC0-98DBCD8DFFBB}" type="datetimeFigureOut">
               <a:rPr lang="en-US" smtClean="0"/>
-              <a:t>11/1/2022</a:t>
+              <a:t>11/3/2022</a:t>
             </a:fld>
             <a:endParaRPr lang="en-US"/>
           </a:p>
@@ -849,7 +834,7 @@
           <a:p>
             <a:fld id="{67B29D9A-71F8-4AE8-9BC0-98DBCD8DFFBB}" type="datetimeFigureOut">
               <a:rPr lang="en-US" smtClean="0"/>
-              <a:t>11/1/2022</a:t>
+              <a:t>11/3/2022</a:t>
             </a:fld>
             <a:endParaRPr lang="en-US"/>
           </a:p>
@@ -1093,7 +1078,7 @@
           <a:p>
             <a:fld id="{67B29D9A-71F8-4AE8-9BC0-98DBCD8DFFBB}" type="datetimeFigureOut">
               <a:rPr lang="en-US" smtClean="0"/>
-              <a:t>11/1/2022</a:t>
+              <a:t>11/3/2022</a:t>
             </a:fld>
             <a:endParaRPr lang="en-US"/>
           </a:p>
@@ -1325,7 +1310,7 @@
           <a:p>
             <a:fld id="{67B29D9A-71F8-4AE8-9BC0-98DBCD8DFFBB}" type="datetimeFigureOut">
               <a:rPr lang="en-US" smtClean="0"/>
-              <a:t>11/1/2022</a:t>
+              <a:t>11/3/2022</a:t>
             </a:fld>
             <a:endParaRPr lang="en-US"/>
           </a:p>
@@ -1692,7 +1677,7 @@
           <a:p>
             <a:fld id="{67B29D9A-71F8-4AE8-9BC0-98DBCD8DFFBB}" type="datetimeFigureOut">
               <a:rPr lang="en-US" smtClean="0"/>
-              <a:t>11/1/2022</a:t>
+              <a:t>11/3/2022</a:t>
             </a:fld>
             <a:endParaRPr lang="en-US"/>
           </a:p>
@@ -1810,7 +1795,7 @@
           <a:p>
             <a:fld id="{67B29D9A-71F8-4AE8-9BC0-98DBCD8DFFBB}" type="datetimeFigureOut">
               <a:rPr lang="en-US" smtClean="0"/>
-              <a:t>11/1/2022</a:t>
+              <a:t>11/3/2022</a:t>
             </a:fld>
             <a:endParaRPr lang="en-US"/>
           </a:p>
@@ -1905,7 +1890,7 @@
           <a:p>
             <a:fld id="{67B29D9A-71F8-4AE8-9BC0-98DBCD8DFFBB}" type="datetimeFigureOut">
               <a:rPr lang="en-US" smtClean="0"/>
-              <a:t>11/1/2022</a:t>
+              <a:t>11/3/2022</a:t>
             </a:fld>
             <a:endParaRPr lang="en-US"/>
           </a:p>
@@ -2182,7 +2167,7 @@
           <a:p>
             <a:fld id="{67B29D9A-71F8-4AE8-9BC0-98DBCD8DFFBB}" type="datetimeFigureOut">
               <a:rPr lang="en-US" smtClean="0"/>
-              <a:t>11/1/2022</a:t>
+              <a:t>11/3/2022</a:t>
             </a:fld>
             <a:endParaRPr lang="en-US"/>
           </a:p>
@@ -2439,7 +2424,7 @@
           <a:p>
             <a:fld id="{67B29D9A-71F8-4AE8-9BC0-98DBCD8DFFBB}" type="datetimeFigureOut">
               <a:rPr lang="en-US" smtClean="0"/>
-              <a:t>11/1/2022</a:t>
+              <a:t>11/3/2022</a:t>
             </a:fld>
             <a:endParaRPr lang="en-US"/>
           </a:p>
@@ -2652,7 +2637,7 @@
           <a:p>
             <a:fld id="{67B29D9A-71F8-4AE8-9BC0-98DBCD8DFFBB}" type="datetimeFigureOut">
               <a:rPr lang="en-US" smtClean="0"/>
-              <a:t>11/1/2022</a:t>
+              <a:t>11/3/2022</a:t>
             </a:fld>
             <a:endParaRPr lang="en-US"/>
           </a:p>
@@ -3781,7 +3766,7 @@
         <p:spPr bwMode="auto">
           <a:xfrm>
             <a:off x="2532421" y="4480591"/>
-            <a:ext cx="1005840" cy="261610"/>
+            <a:ext cx="1005840" cy="430887"/>
           </a:xfrm>
           <a:prstGeom prst="rect">
             <a:avLst/>
@@ -3920,7 +3905,7 @@
                 <a:ea typeface="Amazon Ember" panose="020B0603020204020204" pitchFamily="34" charset="0"/>
                 <a:cs typeface="Arial" panose="020B0604020202020204" pitchFamily="34" charset="0"/>
               </a:rPr>
-              <a:t>ISE primary node</a:t>
+              <a:t>Cisco ISE primary node</a:t>
             </a:r>
           </a:p>
         </p:txBody>
@@ -4975,7 +4960,7 @@
                 <a:ea typeface="Amazon Ember" panose="020B0603020204020204" pitchFamily="34" charset="0"/>
                 <a:cs typeface="Arial" panose="020B0604020202020204" pitchFamily="34" charset="0"/>
               </a:rPr>
-              <a:t>ISE secondary node</a:t>
+              <a:t>Cisco ISE secondary node</a:t>
             </a:r>
           </a:p>
         </p:txBody>
@@ -11208,7 +11193,7 @@
         <p:spPr bwMode="auto">
           <a:xfrm>
             <a:off x="2532421" y="4480591"/>
-            <a:ext cx="1005840" cy="261610"/>
+            <a:ext cx="1005840" cy="430887"/>
           </a:xfrm>
           <a:prstGeom prst="rect">
             <a:avLst/>
@@ -11347,7 +11332,7 @@
                 <a:ea typeface="Amazon Ember" panose="020B0603020204020204" pitchFamily="34" charset="0"/>
                 <a:cs typeface="Arial" panose="020B0604020202020204" pitchFamily="34" charset="0"/>
               </a:rPr>
-              <a:t>ISE primary node</a:t>
+              <a:t>Cisco ISE primary node</a:t>
             </a:r>
           </a:p>
         </p:txBody>
@@ -12402,7 +12387,7 @@
                 <a:ea typeface="Amazon Ember" panose="020B0603020204020204" pitchFamily="34" charset="0"/>
                 <a:cs typeface="Arial" panose="020B0604020202020204" pitchFamily="34" charset="0"/>
               </a:rPr>
-              <a:t>ISE secondary node</a:t>
+              <a:t>Cisco ISE secondary node</a:t>
             </a:r>
           </a:p>
         </p:txBody>
@@ -14134,7 +14119,7 @@
         <p:spPr>
           <a:xfrm>
             <a:off x="914470" y="914470"/>
-            <a:ext cx="10972800" cy="5852160"/>
+            <a:ext cx="10881360" cy="5852160"/>
           </a:xfrm>
           <a:prstGeom prst="rect">
             <a:avLst/>
@@ -14773,7 +14758,7 @@
         <p:spPr bwMode="auto">
           <a:xfrm>
             <a:off x="2532421" y="4480591"/>
-            <a:ext cx="1005840" cy="261610"/>
+            <a:ext cx="1005840" cy="430887"/>
           </a:xfrm>
           <a:prstGeom prst="rect">
             <a:avLst/>
@@ -14912,7 +14897,7 @@
                 <a:ea typeface="Amazon Ember" panose="020B0603020204020204" pitchFamily="34" charset="0"/>
                 <a:cs typeface="Arial" panose="020B0604020202020204" pitchFamily="34" charset="0"/>
               </a:rPr>
-              <a:t>ISE primary node</a:t>
+              <a:t>Cisco ISE primary node</a:t>
             </a:r>
           </a:p>
         </p:txBody>
@@ -15967,7 +15952,7 @@
                 <a:ea typeface="Amazon Ember" panose="020B0603020204020204" pitchFamily="34" charset="0"/>
                 <a:cs typeface="Arial" panose="020B0604020202020204" pitchFamily="34" charset="0"/>
               </a:rPr>
-              <a:t>ISE secondary node</a:t>
+              <a:t>Cisco ISE secondary node</a:t>
             </a:r>
           </a:p>
         </p:txBody>
@@ -16107,7 +16092,7 @@
         <p:spPr>
           <a:xfrm>
             <a:off x="9230420" y="1743751"/>
-            <a:ext cx="2103120" cy="3476235"/>
+            <a:ext cx="2011680" cy="3476235"/>
           </a:xfrm>
           <a:prstGeom prst="rect">
             <a:avLst/>
@@ -17427,164 +17412,6 @@
           </a:p>
         </p:txBody>
       </p:sp>
-      <p:sp>
-        <p:nvSpPr>
-          <p:cNvPr id="86" name="Freeform 23">
-            <a:extLst>
-              <a:ext uri="{FF2B5EF4-FFF2-40B4-BE49-F238E27FC236}">
-                <a16:creationId xmlns:a16="http://schemas.microsoft.com/office/drawing/2014/main" id="{E91ACBD6-DB6E-406A-86E4-9A277471EF32}"/>
-              </a:ext>
-            </a:extLst>
-          </p:cNvPr>
-          <p:cNvSpPr/>
-          <p:nvPr/>
-        </p:nvSpPr>
-        <p:spPr bwMode="auto">
-          <a:xfrm rot="16200000">
-            <a:off x="10114819" y="4824509"/>
-            <a:ext cx="293722" cy="1359498"/>
-          </a:xfrm>
-          <a:custGeom>
-            <a:avLst/>
-            <a:gdLst>
-              <a:gd name="connsiteX0" fmla="*/ 0 w 622300"/>
-              <a:gd name="connsiteY0" fmla="*/ 0 h 1574800"/>
-              <a:gd name="connsiteX1" fmla="*/ 622300 w 622300"/>
-              <a:gd name="connsiteY1" fmla="*/ 0 h 1574800"/>
-              <a:gd name="connsiteX2" fmla="*/ 622300 w 622300"/>
-              <a:gd name="connsiteY2" fmla="*/ 1574800 h 1574800"/>
-              <a:gd name="connsiteX3" fmla="*/ 482600 w 622300"/>
-              <a:gd name="connsiteY3" fmla="*/ 1574800 h 1574800"/>
-              <a:gd name="connsiteX4" fmla="*/ 0 w 622300"/>
-              <a:gd name="connsiteY4" fmla="*/ 1574800 h 1574800"/>
-            </a:gdLst>
-            <a:ahLst/>
-            <a:cxnLst>
-              <a:cxn ang="0">
-                <a:pos x="connsiteX0" y="connsiteY0"/>
-              </a:cxn>
-              <a:cxn ang="0">
-                <a:pos x="connsiteX1" y="connsiteY1"/>
-              </a:cxn>
-              <a:cxn ang="0">
-                <a:pos x="connsiteX2" y="connsiteY2"/>
-              </a:cxn>
-              <a:cxn ang="0">
-                <a:pos x="connsiteX3" y="connsiteY3"/>
-              </a:cxn>
-              <a:cxn ang="0">
-                <a:pos x="connsiteX4" y="connsiteY4"/>
-              </a:cxn>
-            </a:cxnLst>
-            <a:rect l="l" t="t" r="r" b="b"/>
-            <a:pathLst>
-              <a:path w="622300" h="1574800">
-                <a:moveTo>
-                  <a:pt x="0" y="0"/>
-                </a:moveTo>
-                <a:lnTo>
-                  <a:pt x="622300" y="0"/>
-                </a:lnTo>
-                <a:lnTo>
-                  <a:pt x="622300" y="1574800"/>
-                </a:lnTo>
-                <a:lnTo>
-                  <a:pt x="482600" y="1574800"/>
-                </a:lnTo>
-                <a:lnTo>
-                  <a:pt x="0" y="1574800"/>
-                </a:lnTo>
-              </a:path>
-            </a:pathLst>
-          </a:custGeom>
-          <a:noFill/>
-          <a:ln w="12700">
-            <a:solidFill>
-              <a:schemeClr val="tx2"/>
-            </a:solidFill>
-            <a:headEnd type="arrow"/>
-            <a:tailEnd type="arrow"/>
-          </a:ln>
-        </p:spPr>
-        <p:style>
-          <a:lnRef idx="2">
-            <a:schemeClr val="accent1">
-              <a:shade val="50000"/>
-            </a:schemeClr>
-          </a:lnRef>
-          <a:fillRef idx="1">
-            <a:schemeClr val="accent1"/>
-          </a:fillRef>
-          <a:effectRef idx="0">
-            <a:schemeClr val="accent1"/>
-          </a:effectRef>
-          <a:fontRef idx="minor">
-            <a:schemeClr val="lt1"/>
-          </a:fontRef>
-        </p:style>
-        <p:txBody>
-          <a:bodyPr anchor="ctr"/>
-          <a:lstStyle/>
-          <a:p>
-            <a:pPr algn="ctr" eaLnBrk="1" fontAlgn="auto" hangingPunct="1">
-              <a:spcBef>
-                <a:spcPts val="0"/>
-              </a:spcBef>
-              <a:spcAft>
-                <a:spcPts val="0"/>
-              </a:spcAft>
-              <a:defRPr/>
-            </a:pPr>
-            <a:endParaRPr lang="en-US" dirty="0"/>
-          </a:p>
-        </p:txBody>
-      </p:sp>
-      <p:cxnSp>
-        <p:nvCxnSpPr>
-          <p:cNvPr id="87" name="Straight Arrow Connector 86">
-            <a:extLst>
-              <a:ext uri="{FF2B5EF4-FFF2-40B4-BE49-F238E27FC236}">
-                <a16:creationId xmlns:a16="http://schemas.microsoft.com/office/drawing/2014/main" id="{C2133D59-AC3C-46F0-AD65-8EC622D007CE}"/>
-              </a:ext>
-            </a:extLst>
-          </p:cNvPr>
-          <p:cNvCxnSpPr>
-            <a:cxnSpLocks/>
-            <a:endCxn id="52" idx="2"/>
-          </p:cNvCxnSpPr>
-          <p:nvPr/>
-        </p:nvCxnSpPr>
-        <p:spPr bwMode="auto">
-          <a:xfrm flipH="1" flipV="1">
-            <a:off x="10281980" y="5219986"/>
-            <a:ext cx="2" cy="139860"/>
-          </a:xfrm>
-          <a:prstGeom prst="straightConnector1">
-            <a:avLst/>
-          </a:prstGeom>
-          <a:ln w="12700">
-            <a:solidFill>
-              <a:srgbClr val="545B64"/>
-            </a:solidFill>
-            <a:headEnd type="none" w="med" len="sm"/>
-            <a:tailEnd type="none" w="med" len="sm"/>
-          </a:ln>
-        </p:spPr>
-        <p:style>
-          <a:lnRef idx="1">
-            <a:schemeClr val="accent1"/>
-          </a:lnRef>
-          <a:fillRef idx="0">
-            <a:schemeClr val="accent1"/>
-          </a:fillRef>
-          <a:effectRef idx="0">
-            <a:schemeClr val="accent1"/>
-          </a:effectRef>
-          <a:fontRef idx="minor">
-            <a:schemeClr val="tx1"/>
-          </a:fontRef>
-        </p:style>
-      </p:cxnSp>
       <p:pic>
         <p:nvPicPr>
           <p:cNvPr id="50" name="Graphic 17">
@@ -18121,4680 +17948,28 @@
           </a:fontRef>
         </p:style>
       </p:cxnSp>
-    </p:spTree>
-    <p:extLst>
-      <p:ext uri="{BB962C8B-B14F-4D97-AF65-F5344CB8AC3E}">
-        <p14:creationId xmlns:p14="http://schemas.microsoft.com/office/powerpoint/2010/main" val="661255608"/>
-      </p:ext>
-    </p:extLst>
-  </p:cSld>
-  <p:clrMapOvr>
-    <a:masterClrMapping/>
-  </p:clrMapOvr>
-</p:sld>
-</file>
-
-<file path=ppt/slides/slide5.xml><?xml version="1.0" encoding="utf-8"?>
-<p:sld xmlns:a="http://schemas.openxmlformats.org/drawingml/2006/main" xmlns:r="http://schemas.openxmlformats.org/officeDocument/2006/relationships" xmlns:p="http://schemas.openxmlformats.org/presentationml/2006/main">
-  <p:cSld>
-    <p:spTree>
-      <p:nvGrpSpPr>
-        <p:cNvPr id="1" name=""/>
-        <p:cNvGrpSpPr/>
-        <p:nvPr/>
-      </p:nvGrpSpPr>
-      <p:grpSpPr>
-        <a:xfrm>
-          <a:off x="0" y="0"/>
-          <a:ext cx="0" cy="0"/>
-          <a:chOff x="0" y="0"/>
-          <a:chExt cx="0" cy="0"/>
-        </a:xfrm>
-      </p:grpSpPr>
-      <p:sp>
-        <p:nvSpPr>
-          <p:cNvPr id="4" name="Rectangle 3">
-            <a:extLst>
-              <a:ext uri="{FF2B5EF4-FFF2-40B4-BE49-F238E27FC236}">
-                <a16:creationId xmlns:a16="http://schemas.microsoft.com/office/drawing/2014/main" id="{E06EE015-4C1F-4FEE-96CA-F6000709771B}"/>
-              </a:ext>
-            </a:extLst>
-          </p:cNvPr>
-          <p:cNvSpPr/>
-          <p:nvPr/>
-        </p:nvSpPr>
-        <p:spPr>
-          <a:xfrm>
-            <a:off x="1927860" y="4958715"/>
-            <a:ext cx="1737360" cy="1661160"/>
-          </a:xfrm>
-          <a:prstGeom prst="rect">
-            <a:avLst/>
-          </a:prstGeom>
-          <a:solidFill>
-            <a:srgbClr val="007CBC">
-              <a:alpha val="9804"/>
-            </a:srgbClr>
-          </a:solidFill>
-          <a:ln w="12700">
-            <a:noFill/>
-            <a:prstDash val="dash"/>
-          </a:ln>
-        </p:spPr>
-        <p:style>
-          <a:lnRef idx="2">
-            <a:schemeClr val="accent1">
-              <a:shade val="50000"/>
-            </a:schemeClr>
-          </a:lnRef>
-          <a:fillRef idx="1">
-            <a:schemeClr val="accent1"/>
-          </a:fillRef>
-          <a:effectRef idx="0">
-            <a:schemeClr val="accent1"/>
-          </a:effectRef>
-          <a:fontRef idx="minor">
-            <a:schemeClr val="lt1"/>
-          </a:fontRef>
-        </p:style>
-        <p:txBody>
-          <a:bodyPr lIns="502920"/>
-          <a:lstStyle/>
-          <a:p>
-            <a:pPr>
-              <a:defRPr/>
-            </a:pPr>
-            <a:r>
-              <a:rPr lang="en-US" sz="1200" dirty="0">
-                <a:solidFill>
-                  <a:srgbClr val="5B9CD5"/>
-                </a:solidFill>
-                <a:latin typeface="Arial" panose="020B0604020202020204" pitchFamily="34" charset="0"/>
-                <a:cs typeface="Arial" panose="020B0604020202020204" pitchFamily="34" charset="0"/>
-              </a:rPr>
-              <a:t>Private subnet</a:t>
-            </a:r>
-          </a:p>
-        </p:txBody>
-      </p:sp>
-      <p:sp>
-        <p:nvSpPr>
-          <p:cNvPr id="5" name="Rectangle 4">
-            <a:extLst>
-              <a:ext uri="{FF2B5EF4-FFF2-40B4-BE49-F238E27FC236}">
-                <a16:creationId xmlns:a16="http://schemas.microsoft.com/office/drawing/2014/main" id="{3EE0E02A-41F9-43FE-A14D-D5530117574B}"/>
-              </a:ext>
-            </a:extLst>
-          </p:cNvPr>
-          <p:cNvSpPr/>
-          <p:nvPr/>
-        </p:nvSpPr>
-        <p:spPr>
-          <a:xfrm>
-            <a:off x="4808220" y="3404235"/>
-            <a:ext cx="1737360" cy="1371600"/>
-          </a:xfrm>
-          <a:prstGeom prst="rect">
-            <a:avLst/>
-          </a:prstGeom>
-          <a:solidFill>
-            <a:srgbClr val="1D8900">
-              <a:alpha val="9804"/>
-            </a:srgbClr>
-          </a:solidFill>
-          <a:ln w="12700">
-            <a:noFill/>
-            <a:prstDash val="dash"/>
-          </a:ln>
-        </p:spPr>
-        <p:style>
-          <a:lnRef idx="2">
-            <a:schemeClr val="accent1">
-              <a:shade val="50000"/>
-            </a:schemeClr>
-          </a:lnRef>
-          <a:fillRef idx="1">
-            <a:schemeClr val="accent1"/>
-          </a:fillRef>
-          <a:effectRef idx="0">
-            <a:schemeClr val="accent1"/>
-          </a:effectRef>
-          <a:fontRef idx="minor">
-            <a:schemeClr val="lt1"/>
-          </a:fontRef>
-        </p:style>
-        <p:txBody>
-          <a:bodyPr lIns="502920"/>
-          <a:lstStyle/>
-          <a:p>
-            <a:pPr>
-              <a:defRPr/>
-            </a:pPr>
-            <a:r>
-              <a:rPr lang="en-US" sz="1200" dirty="0">
-                <a:solidFill>
-                  <a:srgbClr val="1E8900"/>
-                </a:solidFill>
-                <a:latin typeface="Arial" panose="020B0604020202020204" pitchFamily="34" charset="0"/>
-                <a:cs typeface="Arial" panose="020B0604020202020204" pitchFamily="34" charset="0"/>
-              </a:rPr>
-              <a:t>Public subnet</a:t>
-            </a:r>
-          </a:p>
-        </p:txBody>
-      </p:sp>
-      <p:sp>
-        <p:nvSpPr>
-          <p:cNvPr id="6" name="Rectangle 5">
-            <a:extLst>
-              <a:ext uri="{FF2B5EF4-FFF2-40B4-BE49-F238E27FC236}">
-                <a16:creationId xmlns:a16="http://schemas.microsoft.com/office/drawing/2014/main" id="{92DF594F-1EF1-48F9-AA2F-D51C083C0C97}"/>
-              </a:ext>
-            </a:extLst>
-          </p:cNvPr>
-          <p:cNvSpPr/>
-          <p:nvPr/>
-        </p:nvSpPr>
-        <p:spPr>
-          <a:xfrm>
-            <a:off x="4808220" y="4958715"/>
-            <a:ext cx="1737360" cy="1661160"/>
-          </a:xfrm>
-          <a:prstGeom prst="rect">
-            <a:avLst/>
-          </a:prstGeom>
-          <a:solidFill>
-            <a:srgbClr val="007CBC">
-              <a:alpha val="9804"/>
-            </a:srgbClr>
-          </a:solidFill>
-          <a:ln w="12700">
-            <a:noFill/>
-            <a:prstDash val="dash"/>
-          </a:ln>
-        </p:spPr>
-        <p:style>
-          <a:lnRef idx="2">
-            <a:schemeClr val="accent1">
-              <a:shade val="50000"/>
-            </a:schemeClr>
-          </a:lnRef>
-          <a:fillRef idx="1">
-            <a:schemeClr val="accent1"/>
-          </a:fillRef>
-          <a:effectRef idx="0">
-            <a:schemeClr val="accent1"/>
-          </a:effectRef>
-          <a:fontRef idx="minor">
-            <a:schemeClr val="lt1"/>
-          </a:fontRef>
-        </p:style>
-        <p:txBody>
-          <a:bodyPr lIns="502920"/>
-          <a:lstStyle/>
-          <a:p>
-            <a:pPr>
-              <a:defRPr/>
-            </a:pPr>
-            <a:r>
-              <a:rPr lang="en-US" sz="1200" dirty="0">
-                <a:solidFill>
-                  <a:srgbClr val="5B9CD5"/>
-                </a:solidFill>
-                <a:latin typeface="Arial" panose="020B0604020202020204" pitchFamily="34" charset="0"/>
-                <a:cs typeface="Arial" panose="020B0604020202020204" pitchFamily="34" charset="0"/>
-              </a:rPr>
-              <a:t>Private subnet</a:t>
-            </a:r>
-          </a:p>
-        </p:txBody>
-      </p:sp>
-      <p:sp>
-        <p:nvSpPr>
-          <p:cNvPr id="7" name="Rectangle 6">
-            <a:extLst>
-              <a:ext uri="{FF2B5EF4-FFF2-40B4-BE49-F238E27FC236}">
-                <a16:creationId xmlns:a16="http://schemas.microsoft.com/office/drawing/2014/main" id="{A8F9548E-E714-4D4E-B46A-1C071A371B03}"/>
-              </a:ext>
-            </a:extLst>
-          </p:cNvPr>
-          <p:cNvSpPr/>
-          <p:nvPr/>
-        </p:nvSpPr>
-        <p:spPr>
-          <a:xfrm>
-            <a:off x="1927860" y="3404235"/>
-            <a:ext cx="1737360" cy="1371600"/>
-          </a:xfrm>
-          <a:prstGeom prst="rect">
-            <a:avLst/>
-          </a:prstGeom>
-          <a:solidFill>
-            <a:srgbClr val="1D8900">
-              <a:alpha val="9804"/>
-            </a:srgbClr>
-          </a:solidFill>
-          <a:ln w="12700">
-            <a:noFill/>
-            <a:prstDash val="dash"/>
-          </a:ln>
-        </p:spPr>
-        <p:style>
-          <a:lnRef idx="2">
-            <a:schemeClr val="accent1">
-              <a:shade val="50000"/>
-            </a:schemeClr>
-          </a:lnRef>
-          <a:fillRef idx="1">
-            <a:schemeClr val="accent1"/>
-          </a:fillRef>
-          <a:effectRef idx="0">
-            <a:schemeClr val="accent1"/>
-          </a:effectRef>
-          <a:fontRef idx="minor">
-            <a:schemeClr val="lt1"/>
-          </a:fontRef>
-        </p:style>
-        <p:txBody>
-          <a:bodyPr lIns="502920"/>
-          <a:lstStyle/>
-          <a:p>
-            <a:pPr>
-              <a:defRPr/>
-            </a:pPr>
-            <a:r>
-              <a:rPr lang="en-US" sz="1200" dirty="0">
-                <a:solidFill>
-                  <a:srgbClr val="1E8900"/>
-                </a:solidFill>
-                <a:latin typeface="Arial" panose="020B0604020202020204" pitchFamily="34" charset="0"/>
-                <a:cs typeface="Arial" panose="020B0604020202020204" pitchFamily="34" charset="0"/>
-              </a:rPr>
-              <a:t>Public subnet</a:t>
-            </a:r>
-          </a:p>
-        </p:txBody>
-      </p:sp>
-      <p:sp>
-        <p:nvSpPr>
-          <p:cNvPr id="8" name="TextBox 17">
-            <a:extLst>
-              <a:ext uri="{FF2B5EF4-FFF2-40B4-BE49-F238E27FC236}">
-                <a16:creationId xmlns:a16="http://schemas.microsoft.com/office/drawing/2014/main" id="{42A8A50F-0733-4ACD-8E37-D1BD896A800F}"/>
-              </a:ext>
-            </a:extLst>
-          </p:cNvPr>
-          <p:cNvSpPr txBox="1">
-            <a:spLocks noChangeArrowheads="1"/>
-          </p:cNvSpPr>
-          <p:nvPr/>
-        </p:nvSpPr>
-        <p:spPr bwMode="auto">
-          <a:xfrm>
-            <a:off x="2178793" y="4318635"/>
-            <a:ext cx="1234766" cy="261610"/>
-          </a:xfrm>
-          <a:prstGeom prst="rect">
-            <a:avLst/>
-          </a:prstGeom>
-          <a:noFill/>
-          <a:ln>
-            <a:noFill/>
-          </a:ln>
-          <a:extLst>
-            <a:ext uri="{909E8E84-426E-40DD-AFC4-6F175D3DCCD1}">
-              <a14:hiddenFill xmlns:a14="http://schemas.microsoft.com/office/drawing/2010/main">
-                <a:solidFill>
-                  <a:srgbClr val="FFFFFF"/>
-                </a:solidFill>
-              </a14:hiddenFill>
-            </a:ext>
-            <a:ext uri="{91240B29-F687-4F45-9708-019B960494DF}">
-              <a14:hiddenLine xmlns:a14="http://schemas.microsoft.com/office/drawing/2010/main" w="9525">
-                <a:solidFill>
-                  <a:srgbClr val="000000"/>
-                </a:solidFill>
-                <a:miter lim="800000"/>
-                <a:headEnd/>
-                <a:tailEnd/>
-              </a14:hiddenLine>
-            </a:ext>
-          </a:extLst>
-        </p:spPr>
-        <p:txBody>
-          <a:bodyPr wrap="square">
-            <a:spAutoFit/>
-          </a:bodyPr>
-          <a:lstStyle>
-            <a:lvl1pPr>
-              <a:defRPr>
-                <a:solidFill>
-                  <a:schemeClr val="tx1"/>
-                </a:solidFill>
-                <a:latin typeface="Calibri" panose="020F0502020204030204" pitchFamily="34" charset="0"/>
-              </a:defRPr>
-            </a:lvl1pPr>
-            <a:lvl2pPr marL="742950" indent="-285750">
-              <a:defRPr>
-                <a:solidFill>
-                  <a:schemeClr val="tx1"/>
-                </a:solidFill>
-                <a:latin typeface="Calibri" panose="020F0502020204030204" pitchFamily="34" charset="0"/>
-              </a:defRPr>
-            </a:lvl2pPr>
-            <a:lvl3pPr marL="1143000" indent="-228600">
-              <a:defRPr>
-                <a:solidFill>
-                  <a:schemeClr val="tx1"/>
-                </a:solidFill>
-                <a:latin typeface="Calibri" panose="020F0502020204030204" pitchFamily="34" charset="0"/>
-              </a:defRPr>
-            </a:lvl3pPr>
-            <a:lvl4pPr marL="1600200" indent="-228600">
-              <a:defRPr>
-                <a:solidFill>
-                  <a:schemeClr val="tx1"/>
-                </a:solidFill>
-                <a:latin typeface="Calibri" panose="020F0502020204030204" pitchFamily="34" charset="0"/>
-              </a:defRPr>
-            </a:lvl4pPr>
-            <a:lvl5pPr marL="2057400" indent="-228600">
-              <a:defRPr>
-                <a:solidFill>
-                  <a:schemeClr val="tx1"/>
-                </a:solidFill>
-                <a:latin typeface="Calibri" panose="020F0502020204030204" pitchFamily="34" charset="0"/>
-              </a:defRPr>
-            </a:lvl5pPr>
-            <a:lvl6pPr marL="2514600" indent="-228600" eaLnBrk="0" fontAlgn="base" hangingPunct="0">
-              <a:spcBef>
-                <a:spcPct val="0"/>
-              </a:spcBef>
-              <a:spcAft>
-                <a:spcPct val="0"/>
-              </a:spcAft>
-              <a:defRPr>
-                <a:solidFill>
-                  <a:schemeClr val="tx1"/>
-                </a:solidFill>
-                <a:latin typeface="Calibri" panose="020F0502020204030204" pitchFamily="34" charset="0"/>
-              </a:defRPr>
-            </a:lvl6pPr>
-            <a:lvl7pPr marL="2971800" indent="-228600" eaLnBrk="0" fontAlgn="base" hangingPunct="0">
-              <a:spcBef>
-                <a:spcPct val="0"/>
-              </a:spcBef>
-              <a:spcAft>
-                <a:spcPct val="0"/>
-              </a:spcAft>
-              <a:defRPr>
-                <a:solidFill>
-                  <a:schemeClr val="tx1"/>
-                </a:solidFill>
-                <a:latin typeface="Calibri" panose="020F0502020204030204" pitchFamily="34" charset="0"/>
-              </a:defRPr>
-            </a:lvl7pPr>
-            <a:lvl8pPr marL="3429000" indent="-228600" eaLnBrk="0" fontAlgn="base" hangingPunct="0">
-              <a:spcBef>
-                <a:spcPct val="0"/>
-              </a:spcBef>
-              <a:spcAft>
-                <a:spcPct val="0"/>
-              </a:spcAft>
-              <a:defRPr>
-                <a:solidFill>
-                  <a:schemeClr val="tx1"/>
-                </a:solidFill>
-                <a:latin typeface="Calibri" panose="020F0502020204030204" pitchFamily="34" charset="0"/>
-              </a:defRPr>
-            </a:lvl8pPr>
-            <a:lvl9pPr marL="3886200" indent="-228600" eaLnBrk="0" fontAlgn="base" hangingPunct="0">
-              <a:spcBef>
-                <a:spcPct val="0"/>
-              </a:spcBef>
-              <a:spcAft>
-                <a:spcPct val="0"/>
-              </a:spcAft>
-              <a:defRPr>
-                <a:solidFill>
-                  <a:schemeClr val="tx1"/>
-                </a:solidFill>
-                <a:latin typeface="Calibri" panose="020F0502020204030204" pitchFamily="34" charset="0"/>
-              </a:defRPr>
-            </a:lvl9pPr>
-          </a:lstStyle>
-          <a:p>
-            <a:pPr algn="ctr" eaLnBrk="1" hangingPunct="1"/>
-            <a:r>
-              <a:rPr lang="en-US" altLang="en-US" sz="1100" dirty="0">
-                <a:latin typeface="Arial" panose="020B0604020202020204" pitchFamily="34" charset="0"/>
-                <a:ea typeface="Amazon Ember" panose="020B0603020204020204" pitchFamily="34" charset="0"/>
-                <a:cs typeface="Arial" panose="020B0604020202020204" pitchFamily="34" charset="0"/>
-              </a:rPr>
-              <a:t>NAT gateway</a:t>
-            </a:r>
-          </a:p>
-        </p:txBody>
-      </p:sp>
-      <p:pic>
-        <p:nvPicPr>
-          <p:cNvPr id="9" name="Graphic 35">
-            <a:extLst>
-              <a:ext uri="{FF2B5EF4-FFF2-40B4-BE49-F238E27FC236}">
-                <a16:creationId xmlns:a16="http://schemas.microsoft.com/office/drawing/2014/main" id="{C5DF3EF5-0758-41B0-AC7C-3F5928E88C6D}"/>
-              </a:ext>
-            </a:extLst>
-          </p:cNvPr>
-          <p:cNvPicPr>
-            <a:picLocks noChangeAspect="1" noChangeArrowheads="1"/>
-          </p:cNvPicPr>
-          <p:nvPr/>
-        </p:nvPicPr>
-        <p:blipFill>
-          <a:blip r:embed="rId2">
-            <a:extLst>
-              <a:ext uri="{28A0092B-C50C-407E-A947-70E740481C1C}">
-                <a14:useLocalDpi xmlns:a14="http://schemas.microsoft.com/office/drawing/2010/main" val="0"/>
-              </a:ext>
-            </a:extLst>
-          </a:blip>
-          <a:srcRect/>
-          <a:stretch>
-            <a:fillRect/>
-          </a:stretch>
-        </p:blipFill>
-        <p:spPr bwMode="auto">
-          <a:xfrm>
-            <a:off x="2567940" y="3861435"/>
-            <a:ext cx="457200" cy="457200"/>
-          </a:xfrm>
-          <a:prstGeom prst="rect">
-            <a:avLst/>
-          </a:prstGeom>
-          <a:noFill/>
-          <a:ln>
-            <a:noFill/>
-          </a:ln>
-          <a:extLst>
-            <a:ext uri="{909E8E84-426E-40DD-AFC4-6F175D3DCCD1}">
-              <a14:hiddenFill xmlns:a14="http://schemas.microsoft.com/office/drawing/2010/main">
-                <a:solidFill>
-                  <a:srgbClr val="FFFFFF"/>
-                </a:solidFill>
-              </a14:hiddenFill>
-            </a:ext>
-            <a:ext uri="{91240B29-F687-4F45-9708-019B960494DF}">
-              <a14:hiddenLine xmlns:a14="http://schemas.microsoft.com/office/drawing/2010/main" w="9525">
-                <a:solidFill>
-                  <a:srgbClr val="000000"/>
-                </a:solidFill>
-                <a:miter lim="800000"/>
-                <a:headEnd/>
-                <a:tailEnd/>
-              </a14:hiddenLine>
-            </a:ext>
-          </a:extLst>
-        </p:spPr>
-      </p:pic>
-      <p:sp>
-        <p:nvSpPr>
-          <p:cNvPr id="10" name="TextBox 17">
-            <a:extLst>
-              <a:ext uri="{FF2B5EF4-FFF2-40B4-BE49-F238E27FC236}">
-                <a16:creationId xmlns:a16="http://schemas.microsoft.com/office/drawing/2014/main" id="{0A05D2B3-146D-4CCF-8C5D-475D9F0CDFB9}"/>
-              </a:ext>
-            </a:extLst>
-          </p:cNvPr>
-          <p:cNvSpPr txBox="1">
-            <a:spLocks noChangeArrowheads="1"/>
-          </p:cNvSpPr>
-          <p:nvPr/>
-        </p:nvSpPr>
-        <p:spPr bwMode="auto">
-          <a:xfrm>
-            <a:off x="5062629" y="4318635"/>
-            <a:ext cx="1234766" cy="261610"/>
-          </a:xfrm>
-          <a:prstGeom prst="rect">
-            <a:avLst/>
-          </a:prstGeom>
-          <a:noFill/>
-          <a:ln>
-            <a:noFill/>
-          </a:ln>
-          <a:extLst>
-            <a:ext uri="{909E8E84-426E-40DD-AFC4-6F175D3DCCD1}">
-              <a14:hiddenFill xmlns:a14="http://schemas.microsoft.com/office/drawing/2010/main">
-                <a:solidFill>
-                  <a:srgbClr val="FFFFFF"/>
-                </a:solidFill>
-              </a14:hiddenFill>
-            </a:ext>
-            <a:ext uri="{91240B29-F687-4F45-9708-019B960494DF}">
-              <a14:hiddenLine xmlns:a14="http://schemas.microsoft.com/office/drawing/2010/main" w="9525">
-                <a:solidFill>
-                  <a:srgbClr val="000000"/>
-                </a:solidFill>
-                <a:miter lim="800000"/>
-                <a:headEnd/>
-                <a:tailEnd/>
-              </a14:hiddenLine>
-            </a:ext>
-          </a:extLst>
-        </p:spPr>
-        <p:txBody>
-          <a:bodyPr wrap="square">
-            <a:spAutoFit/>
-          </a:bodyPr>
-          <a:lstStyle>
-            <a:lvl1pPr>
-              <a:defRPr>
-                <a:solidFill>
-                  <a:schemeClr val="tx1"/>
-                </a:solidFill>
-                <a:latin typeface="Calibri" panose="020F0502020204030204" pitchFamily="34" charset="0"/>
-              </a:defRPr>
-            </a:lvl1pPr>
-            <a:lvl2pPr marL="742950" indent="-285750">
-              <a:defRPr>
-                <a:solidFill>
-                  <a:schemeClr val="tx1"/>
-                </a:solidFill>
-                <a:latin typeface="Calibri" panose="020F0502020204030204" pitchFamily="34" charset="0"/>
-              </a:defRPr>
-            </a:lvl2pPr>
-            <a:lvl3pPr marL="1143000" indent="-228600">
-              <a:defRPr>
-                <a:solidFill>
-                  <a:schemeClr val="tx1"/>
-                </a:solidFill>
-                <a:latin typeface="Calibri" panose="020F0502020204030204" pitchFamily="34" charset="0"/>
-              </a:defRPr>
-            </a:lvl3pPr>
-            <a:lvl4pPr marL="1600200" indent="-228600">
-              <a:defRPr>
-                <a:solidFill>
-                  <a:schemeClr val="tx1"/>
-                </a:solidFill>
-                <a:latin typeface="Calibri" panose="020F0502020204030204" pitchFamily="34" charset="0"/>
-              </a:defRPr>
-            </a:lvl4pPr>
-            <a:lvl5pPr marL="2057400" indent="-228600">
-              <a:defRPr>
-                <a:solidFill>
-                  <a:schemeClr val="tx1"/>
-                </a:solidFill>
-                <a:latin typeface="Calibri" panose="020F0502020204030204" pitchFamily="34" charset="0"/>
-              </a:defRPr>
-            </a:lvl5pPr>
-            <a:lvl6pPr marL="2514600" indent="-228600" eaLnBrk="0" fontAlgn="base" hangingPunct="0">
-              <a:spcBef>
-                <a:spcPct val="0"/>
-              </a:spcBef>
-              <a:spcAft>
-                <a:spcPct val="0"/>
-              </a:spcAft>
-              <a:defRPr>
-                <a:solidFill>
-                  <a:schemeClr val="tx1"/>
-                </a:solidFill>
-                <a:latin typeface="Calibri" panose="020F0502020204030204" pitchFamily="34" charset="0"/>
-              </a:defRPr>
-            </a:lvl6pPr>
-            <a:lvl7pPr marL="2971800" indent="-228600" eaLnBrk="0" fontAlgn="base" hangingPunct="0">
-              <a:spcBef>
-                <a:spcPct val="0"/>
-              </a:spcBef>
-              <a:spcAft>
-                <a:spcPct val="0"/>
-              </a:spcAft>
-              <a:defRPr>
-                <a:solidFill>
-                  <a:schemeClr val="tx1"/>
-                </a:solidFill>
-                <a:latin typeface="Calibri" panose="020F0502020204030204" pitchFamily="34" charset="0"/>
-              </a:defRPr>
-            </a:lvl7pPr>
-            <a:lvl8pPr marL="3429000" indent="-228600" eaLnBrk="0" fontAlgn="base" hangingPunct="0">
-              <a:spcBef>
-                <a:spcPct val="0"/>
-              </a:spcBef>
-              <a:spcAft>
-                <a:spcPct val="0"/>
-              </a:spcAft>
-              <a:defRPr>
-                <a:solidFill>
-                  <a:schemeClr val="tx1"/>
-                </a:solidFill>
-                <a:latin typeface="Calibri" panose="020F0502020204030204" pitchFamily="34" charset="0"/>
-              </a:defRPr>
-            </a:lvl8pPr>
-            <a:lvl9pPr marL="3886200" indent="-228600" eaLnBrk="0" fontAlgn="base" hangingPunct="0">
-              <a:spcBef>
-                <a:spcPct val="0"/>
-              </a:spcBef>
-              <a:spcAft>
-                <a:spcPct val="0"/>
-              </a:spcAft>
-              <a:defRPr>
-                <a:solidFill>
-                  <a:schemeClr val="tx1"/>
-                </a:solidFill>
-                <a:latin typeface="Calibri" panose="020F0502020204030204" pitchFamily="34" charset="0"/>
-              </a:defRPr>
-            </a:lvl9pPr>
-          </a:lstStyle>
-          <a:p>
-            <a:pPr algn="ctr" eaLnBrk="1" hangingPunct="1"/>
-            <a:r>
-              <a:rPr lang="en-US" altLang="en-US" sz="1100" dirty="0">
-                <a:latin typeface="Arial" panose="020B0604020202020204" pitchFamily="34" charset="0"/>
-                <a:ea typeface="Amazon Ember" panose="020B0603020204020204" pitchFamily="34" charset="0"/>
-                <a:cs typeface="Arial" panose="020B0604020202020204" pitchFamily="34" charset="0"/>
-              </a:rPr>
-              <a:t>NAT gateway</a:t>
-            </a:r>
-          </a:p>
-        </p:txBody>
-      </p:sp>
-      <p:pic>
-        <p:nvPicPr>
-          <p:cNvPr id="11" name="Graphic 35">
-            <a:extLst>
-              <a:ext uri="{FF2B5EF4-FFF2-40B4-BE49-F238E27FC236}">
-                <a16:creationId xmlns:a16="http://schemas.microsoft.com/office/drawing/2014/main" id="{77D5FF53-C906-4CBB-90CC-328E12DD1F9B}"/>
-              </a:ext>
-            </a:extLst>
-          </p:cNvPr>
-          <p:cNvPicPr>
-            <a:picLocks noChangeAspect="1" noChangeArrowheads="1"/>
-          </p:cNvPicPr>
-          <p:nvPr/>
-        </p:nvPicPr>
-        <p:blipFill>
-          <a:blip r:embed="rId2">
-            <a:extLst>
-              <a:ext uri="{28A0092B-C50C-407E-A947-70E740481C1C}">
-                <a14:useLocalDpi xmlns:a14="http://schemas.microsoft.com/office/drawing/2010/main" val="0"/>
-              </a:ext>
-            </a:extLst>
-          </a:blip>
-          <a:srcRect/>
-          <a:stretch>
-            <a:fillRect/>
-          </a:stretch>
-        </p:blipFill>
-        <p:spPr bwMode="auto">
-          <a:xfrm>
-            <a:off x="5448300" y="3861435"/>
-            <a:ext cx="457200" cy="457200"/>
-          </a:xfrm>
-          <a:prstGeom prst="rect">
-            <a:avLst/>
-          </a:prstGeom>
-          <a:noFill/>
-          <a:ln>
-            <a:noFill/>
-          </a:ln>
-          <a:extLst>
-            <a:ext uri="{909E8E84-426E-40DD-AFC4-6F175D3DCCD1}">
-              <a14:hiddenFill xmlns:a14="http://schemas.microsoft.com/office/drawing/2010/main">
-                <a:solidFill>
-                  <a:srgbClr val="FFFFFF"/>
-                </a:solidFill>
-              </a14:hiddenFill>
-            </a:ext>
-            <a:ext uri="{91240B29-F687-4F45-9708-019B960494DF}">
-              <a14:hiddenLine xmlns:a14="http://schemas.microsoft.com/office/drawing/2010/main" w="9525">
-                <a:solidFill>
-                  <a:srgbClr val="000000"/>
-                </a:solidFill>
-                <a:miter lim="800000"/>
-                <a:headEnd/>
-                <a:tailEnd/>
-              </a14:hiddenLine>
-            </a:ext>
-          </a:extLst>
-        </p:spPr>
-      </p:pic>
-      <p:grpSp>
-        <p:nvGrpSpPr>
-          <p:cNvPr id="12" name="Group 11">
-            <a:extLst>
-              <a:ext uri="{FF2B5EF4-FFF2-40B4-BE49-F238E27FC236}">
-                <a16:creationId xmlns:a16="http://schemas.microsoft.com/office/drawing/2014/main" id="{4EFDC638-D44A-4485-87AD-9CD9320940C5}"/>
-              </a:ext>
-            </a:extLst>
-          </p:cNvPr>
-          <p:cNvGrpSpPr/>
-          <p:nvPr/>
-        </p:nvGrpSpPr>
-        <p:grpSpPr>
-          <a:xfrm>
-            <a:off x="8688937" y="2714004"/>
-            <a:ext cx="1682079" cy="850465"/>
-            <a:chOff x="9801356" y="2028991"/>
-            <a:chExt cx="1682079" cy="850465"/>
-          </a:xfrm>
-        </p:grpSpPr>
-        <p:pic>
-          <p:nvPicPr>
-            <p:cNvPr id="13" name="Graphic 21">
-              <a:extLst>
-                <a:ext uri="{FF2B5EF4-FFF2-40B4-BE49-F238E27FC236}">
-                  <a16:creationId xmlns:a16="http://schemas.microsoft.com/office/drawing/2014/main" id="{71BF0155-6E19-49EC-B1A1-D34D87C779A1}"/>
-                </a:ext>
-              </a:extLst>
-            </p:cNvPr>
-            <p:cNvPicPr>
-              <a:picLocks noChangeAspect="1" noChangeArrowheads="1"/>
-            </p:cNvPicPr>
-            <p:nvPr/>
-          </p:nvPicPr>
-          <p:blipFill>
-            <a:blip r:embed="rId3">
-              <a:extLst>
-                <a:ext uri="{28A0092B-C50C-407E-A947-70E740481C1C}">
-                  <a14:useLocalDpi xmlns:a14="http://schemas.microsoft.com/office/drawing/2010/main" val="0"/>
-                </a:ext>
-              </a:extLst>
-            </a:blip>
-            <a:srcRect/>
-            <a:stretch>
-              <a:fillRect/>
-            </a:stretch>
-          </p:blipFill>
-          <p:spPr bwMode="auto">
-            <a:xfrm>
-              <a:off x="10340340" y="2028991"/>
-              <a:ext cx="595099" cy="595099"/>
-            </a:xfrm>
-            <a:prstGeom prst="rect">
-              <a:avLst/>
-            </a:prstGeom>
-            <a:noFill/>
-            <a:ln>
-              <a:noFill/>
-            </a:ln>
-            <a:extLst>
-              <a:ext uri="{909E8E84-426E-40DD-AFC4-6F175D3DCCD1}">
-                <a14:hiddenFill xmlns:a14="http://schemas.microsoft.com/office/drawing/2010/main">
-                  <a:solidFill>
-                    <a:srgbClr val="FFFFFF"/>
-                  </a:solidFill>
-                </a14:hiddenFill>
-              </a:ext>
-              <a:ext uri="{91240B29-F687-4F45-9708-019B960494DF}">
-                <a14:hiddenLine xmlns:a14="http://schemas.microsoft.com/office/drawing/2010/main" w="9525">
-                  <a:solidFill>
-                    <a:srgbClr val="000000"/>
-                  </a:solidFill>
-                  <a:miter lim="800000"/>
-                  <a:headEnd/>
-                  <a:tailEnd/>
-                </a14:hiddenLine>
-              </a:ext>
-            </a:extLst>
-          </p:spPr>
-        </p:pic>
-        <p:sp>
-          <p:nvSpPr>
-            <p:cNvPr id="14" name="TextBox 12">
-              <a:extLst>
-                <a:ext uri="{FF2B5EF4-FFF2-40B4-BE49-F238E27FC236}">
-                  <a16:creationId xmlns:a16="http://schemas.microsoft.com/office/drawing/2014/main" id="{EC66C6E7-0CF9-47BF-9DE0-231D9B181C83}"/>
-                </a:ext>
-              </a:extLst>
-            </p:cNvPr>
-            <p:cNvSpPr txBox="1">
-              <a:spLocks noChangeArrowheads="1"/>
-            </p:cNvSpPr>
-            <p:nvPr/>
-          </p:nvSpPr>
-          <p:spPr bwMode="auto">
-            <a:xfrm>
-              <a:off x="9801356" y="2602457"/>
-              <a:ext cx="1682079" cy="276999"/>
-            </a:xfrm>
-            <a:prstGeom prst="rect">
-              <a:avLst/>
-            </a:prstGeom>
-            <a:noFill/>
-            <a:ln>
-              <a:noFill/>
-            </a:ln>
-            <a:extLst>
-              <a:ext uri="{909E8E84-426E-40DD-AFC4-6F175D3DCCD1}">
-                <a14:hiddenFill xmlns:a14="http://schemas.microsoft.com/office/drawing/2010/main">
-                  <a:solidFill>
-                    <a:srgbClr val="FFFFFF"/>
-                  </a:solidFill>
-                </a14:hiddenFill>
-              </a:ext>
-              <a:ext uri="{91240B29-F687-4F45-9708-019B960494DF}">
-                <a14:hiddenLine xmlns:a14="http://schemas.microsoft.com/office/drawing/2010/main" w="9525">
-                  <a:solidFill>
-                    <a:srgbClr val="000000"/>
-                  </a:solidFill>
-                  <a:miter lim="800000"/>
-                  <a:headEnd/>
-                  <a:tailEnd/>
-                </a14:hiddenLine>
-              </a:ext>
-            </a:extLst>
-          </p:spPr>
-          <p:txBody>
-            <a:bodyPr wrap="square">
-              <a:spAutoFit/>
-            </a:bodyPr>
-            <a:lstStyle>
-              <a:lvl1pPr>
-                <a:defRPr>
-                  <a:solidFill>
-                    <a:schemeClr val="tx1"/>
-                  </a:solidFill>
-                  <a:latin typeface="Calibri" panose="020F0502020204030204" pitchFamily="34" charset="0"/>
-                </a:defRPr>
-              </a:lvl1pPr>
-              <a:lvl2pPr marL="742950" indent="-285750">
-                <a:defRPr>
-                  <a:solidFill>
-                    <a:schemeClr val="tx1"/>
-                  </a:solidFill>
-                  <a:latin typeface="Calibri" panose="020F0502020204030204" pitchFamily="34" charset="0"/>
-                </a:defRPr>
-              </a:lvl2pPr>
-              <a:lvl3pPr marL="1143000" indent="-228600">
-                <a:defRPr>
-                  <a:solidFill>
-                    <a:schemeClr val="tx1"/>
-                  </a:solidFill>
-                  <a:latin typeface="Calibri" panose="020F0502020204030204" pitchFamily="34" charset="0"/>
-                </a:defRPr>
-              </a:lvl3pPr>
-              <a:lvl4pPr marL="1600200" indent="-228600">
-                <a:defRPr>
-                  <a:solidFill>
-                    <a:schemeClr val="tx1"/>
-                  </a:solidFill>
-                  <a:latin typeface="Calibri" panose="020F0502020204030204" pitchFamily="34" charset="0"/>
-                </a:defRPr>
-              </a:lvl4pPr>
-              <a:lvl5pPr marL="2057400" indent="-228600">
-                <a:defRPr>
-                  <a:solidFill>
-                    <a:schemeClr val="tx1"/>
-                  </a:solidFill>
-                  <a:latin typeface="Calibri" panose="020F0502020204030204" pitchFamily="34" charset="0"/>
-                </a:defRPr>
-              </a:lvl5pPr>
-              <a:lvl6pPr marL="2514600" indent="-228600" eaLnBrk="0" fontAlgn="base" hangingPunct="0">
-                <a:spcBef>
-                  <a:spcPct val="0"/>
-                </a:spcBef>
-                <a:spcAft>
-                  <a:spcPct val="0"/>
-                </a:spcAft>
-                <a:defRPr>
-                  <a:solidFill>
-                    <a:schemeClr val="tx1"/>
-                  </a:solidFill>
-                  <a:latin typeface="Calibri" panose="020F0502020204030204" pitchFamily="34" charset="0"/>
-                </a:defRPr>
-              </a:lvl6pPr>
-              <a:lvl7pPr marL="2971800" indent="-228600" eaLnBrk="0" fontAlgn="base" hangingPunct="0">
-                <a:spcBef>
-                  <a:spcPct val="0"/>
-                </a:spcBef>
-                <a:spcAft>
-                  <a:spcPct val="0"/>
-                </a:spcAft>
-                <a:defRPr>
-                  <a:solidFill>
-                    <a:schemeClr val="tx1"/>
-                  </a:solidFill>
-                  <a:latin typeface="Calibri" panose="020F0502020204030204" pitchFamily="34" charset="0"/>
-                </a:defRPr>
-              </a:lvl7pPr>
-              <a:lvl8pPr marL="3429000" indent="-228600" eaLnBrk="0" fontAlgn="base" hangingPunct="0">
-                <a:spcBef>
-                  <a:spcPct val="0"/>
-                </a:spcBef>
-                <a:spcAft>
-                  <a:spcPct val="0"/>
-                </a:spcAft>
-                <a:defRPr>
-                  <a:solidFill>
-                    <a:schemeClr val="tx1"/>
-                  </a:solidFill>
-                  <a:latin typeface="Calibri" panose="020F0502020204030204" pitchFamily="34" charset="0"/>
-                </a:defRPr>
-              </a:lvl8pPr>
-              <a:lvl9pPr marL="3886200" indent="-228600" eaLnBrk="0" fontAlgn="base" hangingPunct="0">
-                <a:spcBef>
-                  <a:spcPct val="0"/>
-                </a:spcBef>
-                <a:spcAft>
-                  <a:spcPct val="0"/>
-                </a:spcAft>
-                <a:defRPr>
-                  <a:solidFill>
-                    <a:schemeClr val="tx1"/>
-                  </a:solidFill>
-                  <a:latin typeface="Calibri" panose="020F0502020204030204" pitchFamily="34" charset="0"/>
-                </a:defRPr>
-              </a:lvl9pPr>
-            </a:lstStyle>
-            <a:p>
-              <a:pPr algn="ctr" eaLnBrk="1" hangingPunct="1"/>
-              <a:r>
-                <a:rPr lang="en-US" altLang="en-US" sz="1200" dirty="0">
-                  <a:latin typeface="Arial" panose="020B0604020202020204" pitchFamily="34" charset="0"/>
-                  <a:ea typeface="Amazon Ember" panose="020B0603020204020204" pitchFamily="34" charset="0"/>
-                  <a:cs typeface="Arial" panose="020B0604020202020204" pitchFamily="34" charset="0"/>
-                </a:rPr>
-                <a:t>Route 53</a:t>
-              </a:r>
-            </a:p>
-          </p:txBody>
-        </p:sp>
-      </p:grpSp>
-      <p:pic>
-        <p:nvPicPr>
-          <p:cNvPr id="15" name="Graphic 14">
-            <a:extLst>
-              <a:ext uri="{FF2B5EF4-FFF2-40B4-BE49-F238E27FC236}">
-                <a16:creationId xmlns:a16="http://schemas.microsoft.com/office/drawing/2014/main" id="{C046EBB9-41C0-4F6A-B822-65FFF6D9B8E8}"/>
-              </a:ext>
-            </a:extLst>
-          </p:cNvPr>
-          <p:cNvPicPr>
-            <a:picLocks noChangeAspect="1"/>
-          </p:cNvPicPr>
-          <p:nvPr/>
-        </p:nvPicPr>
-        <p:blipFill>
-          <a:blip r:embed="rId4">
-            <a:extLst>
-              <a:ext uri="{96DAC541-7B7A-43D3-8B79-37D633B846F1}">
-                <asvg:svgBlip xmlns:asvg="http://schemas.microsoft.com/office/drawing/2016/SVG/main" r:embed="rId5"/>
-              </a:ext>
-            </a:extLst>
-          </a:blip>
-          <a:stretch>
-            <a:fillRect/>
-          </a:stretch>
-        </p:blipFill>
-        <p:spPr>
-          <a:xfrm>
-            <a:off x="1927860" y="3404235"/>
-            <a:ext cx="381000" cy="381000"/>
-          </a:xfrm>
-          <a:prstGeom prst="rect">
-            <a:avLst/>
-          </a:prstGeom>
-        </p:spPr>
-      </p:pic>
-      <p:pic>
-        <p:nvPicPr>
-          <p:cNvPr id="16" name="Graphic 15">
-            <a:extLst>
-              <a:ext uri="{FF2B5EF4-FFF2-40B4-BE49-F238E27FC236}">
-                <a16:creationId xmlns:a16="http://schemas.microsoft.com/office/drawing/2014/main" id="{272E8A05-7DA2-4B99-B62B-1B13C5B14A6A}"/>
-              </a:ext>
-            </a:extLst>
-          </p:cNvPr>
-          <p:cNvPicPr>
-            <a:picLocks noChangeAspect="1"/>
-          </p:cNvPicPr>
-          <p:nvPr/>
-        </p:nvPicPr>
-        <p:blipFill>
-          <a:blip r:embed="rId4">
-            <a:extLst>
-              <a:ext uri="{96DAC541-7B7A-43D3-8B79-37D633B846F1}">
-                <asvg:svgBlip xmlns:asvg="http://schemas.microsoft.com/office/drawing/2016/SVG/main" r:embed="rId5"/>
-              </a:ext>
-            </a:extLst>
-          </a:blip>
-          <a:stretch>
-            <a:fillRect/>
-          </a:stretch>
-        </p:blipFill>
-        <p:spPr>
-          <a:xfrm>
-            <a:off x="4808220" y="3404235"/>
-            <a:ext cx="381000" cy="381000"/>
-          </a:xfrm>
-          <a:prstGeom prst="rect">
-            <a:avLst/>
-          </a:prstGeom>
-        </p:spPr>
-      </p:pic>
-      <p:pic>
-        <p:nvPicPr>
-          <p:cNvPr id="17" name="Graphic 16">
-            <a:extLst>
-              <a:ext uri="{FF2B5EF4-FFF2-40B4-BE49-F238E27FC236}">
-                <a16:creationId xmlns:a16="http://schemas.microsoft.com/office/drawing/2014/main" id="{C7720341-44DD-431D-8A1A-E2605064E636}"/>
-              </a:ext>
-            </a:extLst>
-          </p:cNvPr>
-          <p:cNvPicPr>
-            <a:picLocks noChangeAspect="1"/>
-          </p:cNvPicPr>
-          <p:nvPr/>
-        </p:nvPicPr>
-        <p:blipFill>
-          <a:blip r:embed="rId6">
-            <a:extLst>
-              <a:ext uri="{96DAC541-7B7A-43D3-8B79-37D633B846F1}">
-                <asvg:svgBlip xmlns:asvg="http://schemas.microsoft.com/office/drawing/2016/SVG/main" r:embed="rId7"/>
-              </a:ext>
-            </a:extLst>
-          </a:blip>
-          <a:stretch>
-            <a:fillRect/>
-          </a:stretch>
-        </p:blipFill>
-        <p:spPr>
-          <a:xfrm>
-            <a:off x="1927860" y="4958715"/>
-            <a:ext cx="381000" cy="381000"/>
-          </a:xfrm>
-          <a:prstGeom prst="rect">
-            <a:avLst/>
-          </a:prstGeom>
-        </p:spPr>
-      </p:pic>
-      <p:pic>
-        <p:nvPicPr>
-          <p:cNvPr id="18" name="Graphic 17">
-            <a:extLst>
-              <a:ext uri="{FF2B5EF4-FFF2-40B4-BE49-F238E27FC236}">
-                <a16:creationId xmlns:a16="http://schemas.microsoft.com/office/drawing/2014/main" id="{F14D7E01-691A-49AA-A69D-5605678518FE}"/>
-              </a:ext>
-            </a:extLst>
-          </p:cNvPr>
-          <p:cNvPicPr>
-            <a:picLocks noChangeAspect="1"/>
-          </p:cNvPicPr>
-          <p:nvPr/>
-        </p:nvPicPr>
-        <p:blipFill>
-          <a:blip r:embed="rId6">
-            <a:extLst>
-              <a:ext uri="{96DAC541-7B7A-43D3-8B79-37D633B846F1}">
-                <asvg:svgBlip xmlns:asvg="http://schemas.microsoft.com/office/drawing/2016/SVG/main" r:embed="rId7"/>
-              </a:ext>
-            </a:extLst>
-          </a:blip>
-          <a:stretch>
-            <a:fillRect/>
-          </a:stretch>
-        </p:blipFill>
-        <p:spPr>
-          <a:xfrm>
-            <a:off x="4808220" y="4958715"/>
-            <a:ext cx="381000" cy="381000"/>
-          </a:xfrm>
-          <a:prstGeom prst="rect">
-            <a:avLst/>
-          </a:prstGeom>
-        </p:spPr>
-      </p:pic>
-      <p:sp>
-        <p:nvSpPr>
-          <p:cNvPr id="19" name="Rectangle 18">
-            <a:extLst>
-              <a:ext uri="{FF2B5EF4-FFF2-40B4-BE49-F238E27FC236}">
-                <a16:creationId xmlns:a16="http://schemas.microsoft.com/office/drawing/2014/main" id="{3FB97421-F50E-49A4-8858-BBE62808D677}"/>
-              </a:ext>
-            </a:extLst>
-          </p:cNvPr>
-          <p:cNvSpPr/>
-          <p:nvPr/>
-        </p:nvSpPr>
-        <p:spPr>
-          <a:xfrm>
-            <a:off x="1005840" y="1269999"/>
-            <a:ext cx="12189460" cy="6184901"/>
-          </a:xfrm>
-          <a:prstGeom prst="rect">
-            <a:avLst/>
-          </a:prstGeom>
-          <a:noFill/>
-          <a:ln w="12700">
-            <a:solidFill>
-              <a:schemeClr val="tx1"/>
-            </a:solidFill>
-          </a:ln>
-        </p:spPr>
-        <p:style>
-          <a:lnRef idx="2">
-            <a:schemeClr val="accent1">
-              <a:shade val="50000"/>
-            </a:schemeClr>
-          </a:lnRef>
-          <a:fillRef idx="1">
-            <a:schemeClr val="accent1"/>
-          </a:fillRef>
-          <a:effectRef idx="0">
-            <a:schemeClr val="accent1"/>
-          </a:effectRef>
-          <a:fontRef idx="minor">
-            <a:schemeClr val="lt1"/>
-          </a:fontRef>
-        </p:style>
-        <p:txBody>
-          <a:bodyPr lIns="502920" tIns="91440"/>
-          <a:lstStyle/>
-          <a:p>
-            <a:pPr eaLnBrk="1" fontAlgn="auto" hangingPunct="1">
-              <a:spcBef>
-                <a:spcPts val="0"/>
-              </a:spcBef>
-              <a:spcAft>
-                <a:spcPts val="0"/>
-              </a:spcAft>
-              <a:defRPr/>
-            </a:pPr>
-            <a:r>
-              <a:rPr lang="en-US" sz="1200" dirty="0">
-                <a:solidFill>
-                  <a:sysClr val="windowText" lastClr="000000"/>
-                </a:solidFill>
-                <a:latin typeface="Arial" panose="020B0604020202020204" pitchFamily="34" charset="0"/>
-                <a:cs typeface="Arial" panose="020B0604020202020204" pitchFamily="34" charset="0"/>
-              </a:rPr>
-              <a:t>AWS Cloud</a:t>
-            </a:r>
-          </a:p>
-        </p:txBody>
-      </p:sp>
-      <p:pic>
-        <p:nvPicPr>
-          <p:cNvPr id="20" name="Graphic 19">
-            <a:extLst>
-              <a:ext uri="{FF2B5EF4-FFF2-40B4-BE49-F238E27FC236}">
-                <a16:creationId xmlns:a16="http://schemas.microsoft.com/office/drawing/2014/main" id="{09F2E0AF-935F-4D61-A299-FE1DACAFFD1C}"/>
-              </a:ext>
-            </a:extLst>
-          </p:cNvPr>
-          <p:cNvPicPr>
-            <a:picLocks noChangeAspect="1"/>
-          </p:cNvPicPr>
-          <p:nvPr/>
-        </p:nvPicPr>
-        <p:blipFill>
-          <a:blip r:embed="rId8">
-            <a:extLst>
-              <a:ext uri="{96DAC541-7B7A-43D3-8B79-37D633B846F1}">
-                <asvg:svgBlip xmlns:asvg="http://schemas.microsoft.com/office/drawing/2016/SVG/main" r:embed="rId9"/>
-              </a:ext>
-            </a:extLst>
-          </a:blip>
-          <a:srcRect/>
-          <a:stretch/>
-        </p:blipFill>
-        <p:spPr>
-          <a:xfrm>
-            <a:off x="1005840" y="1270000"/>
-            <a:ext cx="381000" cy="381000"/>
-          </a:xfrm>
-          <a:prstGeom prst="rect">
-            <a:avLst/>
-          </a:prstGeom>
-        </p:spPr>
-      </p:pic>
-      <p:sp>
-        <p:nvSpPr>
-          <p:cNvPr id="21" name="Rectangle 20">
-            <a:extLst>
-              <a:ext uri="{FF2B5EF4-FFF2-40B4-BE49-F238E27FC236}">
-                <a16:creationId xmlns:a16="http://schemas.microsoft.com/office/drawing/2014/main" id="{6D224052-E7F6-40BB-9FAF-353528C629F9}"/>
-              </a:ext>
-            </a:extLst>
-          </p:cNvPr>
-          <p:cNvSpPr/>
-          <p:nvPr/>
-        </p:nvSpPr>
-        <p:spPr>
-          <a:xfrm>
-            <a:off x="1272540" y="2553416"/>
-            <a:ext cx="6976110" cy="4476068"/>
-          </a:xfrm>
-          <a:prstGeom prst="rect">
-            <a:avLst/>
-          </a:prstGeom>
-          <a:noFill/>
-          <a:ln w="12700">
-            <a:solidFill>
-              <a:srgbClr val="1E8900"/>
-            </a:solidFill>
-          </a:ln>
-        </p:spPr>
-        <p:style>
-          <a:lnRef idx="2">
-            <a:schemeClr val="accent1">
-              <a:shade val="50000"/>
-            </a:schemeClr>
-          </a:lnRef>
-          <a:fillRef idx="1">
-            <a:schemeClr val="accent1"/>
-          </a:fillRef>
-          <a:effectRef idx="0">
-            <a:schemeClr val="accent1"/>
-          </a:effectRef>
-          <a:fontRef idx="minor">
-            <a:schemeClr val="lt1"/>
-          </a:fontRef>
-        </p:style>
-        <p:txBody>
-          <a:bodyPr lIns="502920" tIns="91440"/>
-          <a:lstStyle/>
-          <a:p>
-            <a:pPr eaLnBrk="1" fontAlgn="auto" hangingPunct="1">
-              <a:spcBef>
-                <a:spcPts val="0"/>
-              </a:spcBef>
-              <a:spcAft>
-                <a:spcPts val="0"/>
-              </a:spcAft>
-              <a:defRPr/>
-            </a:pPr>
-            <a:r>
-              <a:rPr lang="en-US" sz="1200" dirty="0">
-                <a:ln w="0"/>
-                <a:solidFill>
-                  <a:srgbClr val="1E8900"/>
-                </a:solidFill>
-                <a:latin typeface="Arial" panose="020B0604020202020204" pitchFamily="34" charset="0"/>
-                <a:cs typeface="Arial" panose="020B0604020202020204" pitchFamily="34" charset="0"/>
-              </a:rPr>
-              <a:t>VPC</a:t>
-            </a:r>
-          </a:p>
-        </p:txBody>
-      </p:sp>
-      <p:pic>
-        <p:nvPicPr>
-          <p:cNvPr id="22" name="Graphic 21">
-            <a:extLst>
-              <a:ext uri="{FF2B5EF4-FFF2-40B4-BE49-F238E27FC236}">
-                <a16:creationId xmlns:a16="http://schemas.microsoft.com/office/drawing/2014/main" id="{011052A5-4A9E-473E-9E6B-04FCAEF000F5}"/>
-              </a:ext>
-            </a:extLst>
-          </p:cNvPr>
-          <p:cNvPicPr>
-            <a:picLocks noChangeAspect="1"/>
-          </p:cNvPicPr>
-          <p:nvPr/>
-        </p:nvPicPr>
-        <p:blipFill>
-          <a:blip r:embed="rId10">
-            <a:extLst>
-              <a:ext uri="{96DAC541-7B7A-43D3-8B79-37D633B846F1}">
-                <asvg:svgBlip xmlns:asvg="http://schemas.microsoft.com/office/drawing/2016/SVG/main" r:embed="rId11"/>
-              </a:ext>
-            </a:extLst>
-          </a:blip>
-          <a:stretch>
-            <a:fillRect/>
-          </a:stretch>
-        </p:blipFill>
-        <p:spPr>
-          <a:xfrm>
-            <a:off x="1272540" y="2567940"/>
-            <a:ext cx="381000" cy="381000"/>
-          </a:xfrm>
-          <a:prstGeom prst="rect">
-            <a:avLst/>
-          </a:prstGeom>
-        </p:spPr>
-      </p:pic>
-      <p:grpSp>
-        <p:nvGrpSpPr>
-          <p:cNvPr id="23" name="Group 22">
-            <a:extLst>
-              <a:ext uri="{FF2B5EF4-FFF2-40B4-BE49-F238E27FC236}">
-                <a16:creationId xmlns:a16="http://schemas.microsoft.com/office/drawing/2014/main" id="{027597D0-EE72-43DA-A22D-01CB3399B686}"/>
-              </a:ext>
-            </a:extLst>
-          </p:cNvPr>
-          <p:cNvGrpSpPr/>
-          <p:nvPr/>
-        </p:nvGrpSpPr>
-        <p:grpSpPr>
-          <a:xfrm>
-            <a:off x="10092498" y="2705611"/>
-            <a:ext cx="1211772" cy="863483"/>
-            <a:chOff x="5402418" y="837826"/>
-            <a:chExt cx="1211772" cy="863483"/>
-          </a:xfrm>
-        </p:grpSpPr>
-        <p:pic>
-          <p:nvPicPr>
-            <p:cNvPr id="24" name="Graphic 8">
-              <a:extLst>
-                <a:ext uri="{FF2B5EF4-FFF2-40B4-BE49-F238E27FC236}">
-                  <a16:creationId xmlns:a16="http://schemas.microsoft.com/office/drawing/2014/main" id="{B97FEAAC-1D67-48A2-BE04-EA8CEDA18FE6}"/>
-                </a:ext>
-              </a:extLst>
-            </p:cNvPr>
-            <p:cNvPicPr>
-              <a:picLocks noChangeAspect="1" noChangeArrowheads="1"/>
-            </p:cNvPicPr>
-            <p:nvPr/>
-          </p:nvPicPr>
-          <p:blipFill>
-            <a:blip r:embed="rId12">
-              <a:extLst>
-                <a:ext uri="{28A0092B-C50C-407E-A947-70E740481C1C}">
-                  <a14:useLocalDpi xmlns:a14="http://schemas.microsoft.com/office/drawing/2010/main" val="0"/>
-                </a:ext>
-              </a:extLst>
-            </a:blip>
-            <a:srcRect/>
-            <a:stretch>
-              <a:fillRect/>
-            </a:stretch>
-          </p:blipFill>
-          <p:spPr bwMode="auto">
-            <a:xfrm>
-              <a:off x="5680936" y="837826"/>
-              <a:ext cx="595099" cy="595099"/>
-            </a:xfrm>
-            <a:prstGeom prst="rect">
-              <a:avLst/>
-            </a:prstGeom>
-            <a:noFill/>
-            <a:ln>
-              <a:noFill/>
-            </a:ln>
-            <a:extLst>
-              <a:ext uri="{909E8E84-426E-40DD-AFC4-6F175D3DCCD1}">
-                <a14:hiddenFill xmlns:a14="http://schemas.microsoft.com/office/drawing/2010/main">
-                  <a:solidFill>
-                    <a:srgbClr val="FFFFFF"/>
-                  </a:solidFill>
-                </a14:hiddenFill>
-              </a:ext>
-              <a:ext uri="{91240B29-F687-4F45-9708-019B960494DF}">
-                <a14:hiddenLine xmlns:a14="http://schemas.microsoft.com/office/drawing/2010/main" w="9525">
-                  <a:solidFill>
-                    <a:srgbClr val="000000"/>
-                  </a:solidFill>
-                  <a:miter lim="800000"/>
-                  <a:headEnd/>
-                  <a:tailEnd/>
-                </a14:hiddenLine>
-              </a:ext>
-            </a:extLst>
-          </p:spPr>
-        </p:pic>
-        <p:sp>
-          <p:nvSpPr>
-            <p:cNvPr id="25" name="TextBox 9">
-              <a:extLst>
-                <a:ext uri="{FF2B5EF4-FFF2-40B4-BE49-F238E27FC236}">
-                  <a16:creationId xmlns:a16="http://schemas.microsoft.com/office/drawing/2014/main" id="{26EF57DD-C66D-4AAD-A42C-58A8CAC4E40C}"/>
-                </a:ext>
-              </a:extLst>
-            </p:cNvPr>
-            <p:cNvSpPr txBox="1">
-              <a:spLocks noChangeArrowheads="1"/>
-            </p:cNvSpPr>
-            <p:nvPr/>
-          </p:nvSpPr>
-          <p:spPr bwMode="auto">
-            <a:xfrm>
-              <a:off x="5402418" y="1424310"/>
-              <a:ext cx="1211772" cy="276999"/>
-            </a:xfrm>
-            <a:prstGeom prst="rect">
-              <a:avLst/>
-            </a:prstGeom>
-            <a:noFill/>
-            <a:ln>
-              <a:noFill/>
-            </a:ln>
-            <a:extLst>
-              <a:ext uri="{909E8E84-426E-40DD-AFC4-6F175D3DCCD1}">
-                <a14:hiddenFill xmlns:a14="http://schemas.microsoft.com/office/drawing/2010/main">
-                  <a:solidFill>
-                    <a:srgbClr val="FFFFFF"/>
-                  </a:solidFill>
-                </a14:hiddenFill>
-              </a:ext>
-              <a:ext uri="{91240B29-F687-4F45-9708-019B960494DF}">
-                <a14:hiddenLine xmlns:a14="http://schemas.microsoft.com/office/drawing/2010/main" w="9525">
-                  <a:solidFill>
-                    <a:srgbClr val="000000"/>
-                  </a:solidFill>
-                  <a:miter lim="800000"/>
-                  <a:headEnd/>
-                  <a:tailEnd/>
-                </a14:hiddenLine>
-              </a:ext>
-            </a:extLst>
-          </p:spPr>
-          <p:txBody>
-            <a:bodyPr wrap="square">
-              <a:spAutoFit/>
-            </a:bodyPr>
-            <a:lstStyle>
-              <a:lvl1pPr>
-                <a:defRPr>
-                  <a:solidFill>
-                    <a:schemeClr val="tx1"/>
-                  </a:solidFill>
-                  <a:latin typeface="Calibri" panose="020F0502020204030204" pitchFamily="34" charset="0"/>
-                </a:defRPr>
-              </a:lvl1pPr>
-              <a:lvl2pPr marL="742950" indent="-285750">
-                <a:defRPr>
-                  <a:solidFill>
-                    <a:schemeClr val="tx1"/>
-                  </a:solidFill>
-                  <a:latin typeface="Calibri" panose="020F0502020204030204" pitchFamily="34" charset="0"/>
-                </a:defRPr>
-              </a:lvl2pPr>
-              <a:lvl3pPr marL="1143000" indent="-228600">
-                <a:defRPr>
-                  <a:solidFill>
-                    <a:schemeClr val="tx1"/>
-                  </a:solidFill>
-                  <a:latin typeface="Calibri" panose="020F0502020204030204" pitchFamily="34" charset="0"/>
-                </a:defRPr>
-              </a:lvl3pPr>
-              <a:lvl4pPr marL="1600200" indent="-228600">
-                <a:defRPr>
-                  <a:solidFill>
-                    <a:schemeClr val="tx1"/>
-                  </a:solidFill>
-                  <a:latin typeface="Calibri" panose="020F0502020204030204" pitchFamily="34" charset="0"/>
-                </a:defRPr>
-              </a:lvl4pPr>
-              <a:lvl5pPr marL="2057400" indent="-228600">
-                <a:defRPr>
-                  <a:solidFill>
-                    <a:schemeClr val="tx1"/>
-                  </a:solidFill>
-                  <a:latin typeface="Calibri" panose="020F0502020204030204" pitchFamily="34" charset="0"/>
-                </a:defRPr>
-              </a:lvl5pPr>
-              <a:lvl6pPr marL="2514600" indent="-228600" eaLnBrk="0" fontAlgn="base" hangingPunct="0">
-                <a:spcBef>
-                  <a:spcPct val="0"/>
-                </a:spcBef>
-                <a:spcAft>
-                  <a:spcPct val="0"/>
-                </a:spcAft>
-                <a:defRPr>
-                  <a:solidFill>
-                    <a:schemeClr val="tx1"/>
-                  </a:solidFill>
-                  <a:latin typeface="Calibri" panose="020F0502020204030204" pitchFamily="34" charset="0"/>
-                </a:defRPr>
-              </a:lvl6pPr>
-              <a:lvl7pPr marL="2971800" indent="-228600" eaLnBrk="0" fontAlgn="base" hangingPunct="0">
-                <a:spcBef>
-                  <a:spcPct val="0"/>
-                </a:spcBef>
-                <a:spcAft>
-                  <a:spcPct val="0"/>
-                </a:spcAft>
-                <a:defRPr>
-                  <a:solidFill>
-                    <a:schemeClr val="tx1"/>
-                  </a:solidFill>
-                  <a:latin typeface="Calibri" panose="020F0502020204030204" pitchFamily="34" charset="0"/>
-                </a:defRPr>
-              </a:lvl7pPr>
-              <a:lvl8pPr marL="3429000" indent="-228600" eaLnBrk="0" fontAlgn="base" hangingPunct="0">
-                <a:spcBef>
-                  <a:spcPct val="0"/>
-                </a:spcBef>
-                <a:spcAft>
-                  <a:spcPct val="0"/>
-                </a:spcAft>
-                <a:defRPr>
-                  <a:solidFill>
-                    <a:schemeClr val="tx1"/>
-                  </a:solidFill>
-                  <a:latin typeface="Calibri" panose="020F0502020204030204" pitchFamily="34" charset="0"/>
-                </a:defRPr>
-              </a:lvl8pPr>
-              <a:lvl9pPr marL="3886200" indent="-228600" eaLnBrk="0" fontAlgn="base" hangingPunct="0">
-                <a:spcBef>
-                  <a:spcPct val="0"/>
-                </a:spcBef>
-                <a:spcAft>
-                  <a:spcPct val="0"/>
-                </a:spcAft>
-                <a:defRPr>
-                  <a:solidFill>
-                    <a:schemeClr val="tx1"/>
-                  </a:solidFill>
-                  <a:latin typeface="Calibri" panose="020F0502020204030204" pitchFamily="34" charset="0"/>
-                </a:defRPr>
-              </a:lvl9pPr>
-            </a:lstStyle>
-            <a:p>
-              <a:pPr algn="ctr" eaLnBrk="1" hangingPunct="1"/>
-              <a:r>
-                <a:rPr lang="en-US" altLang="en-US" sz="1200" dirty="0">
-                  <a:latin typeface="Arial" panose="020B0604020202020204" pitchFamily="34" charset="0"/>
-                  <a:ea typeface="Amazon Ember" panose="020B0603020204020204" pitchFamily="34" charset="0"/>
-                  <a:cs typeface="Arial" panose="020B0604020202020204" pitchFamily="34" charset="0"/>
-                </a:rPr>
-                <a:t>Amazon S3</a:t>
-              </a:r>
-            </a:p>
-          </p:txBody>
-        </p:sp>
-      </p:grpSp>
-      <p:sp>
-        <p:nvSpPr>
-          <p:cNvPr id="26" name="Rectangle 25">
-            <a:extLst>
-              <a:ext uri="{FF2B5EF4-FFF2-40B4-BE49-F238E27FC236}">
-                <a16:creationId xmlns:a16="http://schemas.microsoft.com/office/drawing/2014/main" id="{9BF1AB93-8511-4871-8482-3DC619FAF6AC}"/>
-              </a:ext>
-            </a:extLst>
-          </p:cNvPr>
-          <p:cNvSpPr/>
-          <p:nvPr/>
-        </p:nvSpPr>
-        <p:spPr>
-          <a:xfrm>
-            <a:off x="4300548" y="1991995"/>
-            <a:ext cx="2689234" cy="5165703"/>
-          </a:xfrm>
-          <a:prstGeom prst="rect">
-            <a:avLst/>
-          </a:prstGeom>
-          <a:noFill/>
-          <a:ln w="12700">
-            <a:solidFill>
-              <a:srgbClr val="5B9CD5"/>
-            </a:solidFill>
-            <a:prstDash val="dash"/>
-          </a:ln>
-        </p:spPr>
-        <p:style>
-          <a:lnRef idx="2">
-            <a:schemeClr val="accent1">
-              <a:shade val="50000"/>
-            </a:schemeClr>
-          </a:lnRef>
-          <a:fillRef idx="1">
-            <a:schemeClr val="accent1"/>
-          </a:fillRef>
-          <a:effectRef idx="0">
-            <a:schemeClr val="accent1"/>
-          </a:effectRef>
-          <a:fontRef idx="minor">
-            <a:schemeClr val="lt1"/>
-          </a:fontRef>
-        </p:style>
-        <p:txBody>
-          <a:bodyPr tIns="91440"/>
-          <a:lstStyle/>
-          <a:p>
-            <a:pPr algn="ctr" eaLnBrk="1" fontAlgn="auto" hangingPunct="1">
-              <a:spcBef>
-                <a:spcPts val="0"/>
-              </a:spcBef>
-              <a:spcAft>
-                <a:spcPts val="0"/>
-              </a:spcAft>
-              <a:defRPr/>
-            </a:pPr>
-            <a:r>
-              <a:rPr lang="en-US" sz="1200">
-                <a:solidFill>
-                  <a:srgbClr val="5B9CD5"/>
-                </a:solidFill>
-                <a:latin typeface="Arial" panose="020B0604020202020204" pitchFamily="34" charset="0"/>
-                <a:cs typeface="Arial" panose="020B0604020202020204" pitchFamily="34" charset="0"/>
-              </a:rPr>
-              <a:t>Availability Zone 2</a:t>
-            </a:r>
-            <a:endParaRPr lang="en-US" sz="1200" dirty="0">
-              <a:solidFill>
-                <a:srgbClr val="5B9CD5"/>
-              </a:solidFill>
-              <a:latin typeface="Arial" panose="020B0604020202020204" pitchFamily="34" charset="0"/>
-              <a:cs typeface="Arial" panose="020B0604020202020204" pitchFamily="34" charset="0"/>
-            </a:endParaRPr>
-          </a:p>
-        </p:txBody>
-      </p:sp>
-      <p:sp>
-        <p:nvSpPr>
-          <p:cNvPr id="27" name="Rectangle 26">
-            <a:extLst>
-              <a:ext uri="{FF2B5EF4-FFF2-40B4-BE49-F238E27FC236}">
-                <a16:creationId xmlns:a16="http://schemas.microsoft.com/office/drawing/2014/main" id="{5C03F1CC-40E5-4868-8F51-BF584E8B8C9B}"/>
-              </a:ext>
-            </a:extLst>
-          </p:cNvPr>
-          <p:cNvSpPr/>
-          <p:nvPr/>
-        </p:nvSpPr>
-        <p:spPr>
-          <a:xfrm>
-            <a:off x="1414780" y="1991995"/>
-            <a:ext cx="2768494" cy="5165703"/>
-          </a:xfrm>
-          <a:prstGeom prst="rect">
-            <a:avLst/>
-          </a:prstGeom>
-          <a:noFill/>
-          <a:ln w="12700">
-            <a:solidFill>
-              <a:srgbClr val="5B9CD5"/>
-            </a:solidFill>
-            <a:prstDash val="dash"/>
-          </a:ln>
-        </p:spPr>
-        <p:style>
-          <a:lnRef idx="2">
-            <a:schemeClr val="accent1">
-              <a:shade val="50000"/>
-            </a:schemeClr>
-          </a:lnRef>
-          <a:fillRef idx="1">
-            <a:schemeClr val="accent1"/>
-          </a:fillRef>
-          <a:effectRef idx="0">
-            <a:schemeClr val="accent1"/>
-          </a:effectRef>
-          <a:fontRef idx="minor">
-            <a:schemeClr val="lt1"/>
-          </a:fontRef>
-        </p:style>
-        <p:txBody>
-          <a:bodyPr tIns="91440"/>
-          <a:lstStyle/>
-          <a:p>
-            <a:pPr algn="ctr" eaLnBrk="1" fontAlgn="auto" hangingPunct="1">
-              <a:spcBef>
-                <a:spcPts val="0"/>
-              </a:spcBef>
-              <a:spcAft>
-                <a:spcPts val="0"/>
-              </a:spcAft>
-              <a:defRPr/>
-            </a:pPr>
-            <a:r>
-              <a:rPr lang="en-US" sz="1200">
-                <a:solidFill>
-                  <a:srgbClr val="5B9CD5"/>
-                </a:solidFill>
-                <a:latin typeface="Arial" panose="020B0604020202020204" pitchFamily="34" charset="0"/>
-                <a:cs typeface="Arial" panose="020B0604020202020204" pitchFamily="34" charset="0"/>
-              </a:rPr>
-              <a:t>Availability Zone 1</a:t>
-            </a:r>
-            <a:endParaRPr lang="en-US" sz="1200" dirty="0">
-              <a:solidFill>
-                <a:srgbClr val="5B9CD5"/>
-              </a:solidFill>
-              <a:latin typeface="Arial" panose="020B0604020202020204" pitchFamily="34" charset="0"/>
-              <a:cs typeface="Arial" panose="020B0604020202020204" pitchFamily="34" charset="0"/>
-            </a:endParaRPr>
-          </a:p>
-        </p:txBody>
-      </p:sp>
-      <p:pic>
-        <p:nvPicPr>
-          <p:cNvPr id="28" name="Graphic 60">
-            <a:extLst>
-              <a:ext uri="{FF2B5EF4-FFF2-40B4-BE49-F238E27FC236}">
-                <a16:creationId xmlns:a16="http://schemas.microsoft.com/office/drawing/2014/main" id="{F5C63AB2-7B5A-446A-98B3-328879A6DA08}"/>
-              </a:ext>
-            </a:extLst>
-          </p:cNvPr>
-          <p:cNvPicPr>
-            <a:picLocks noChangeAspect="1" noChangeArrowheads="1"/>
-          </p:cNvPicPr>
-          <p:nvPr/>
-        </p:nvPicPr>
-        <p:blipFill>
-          <a:blip r:embed="rId13">
-            <a:extLst>
-              <a:ext uri="{28A0092B-C50C-407E-A947-70E740481C1C}">
-                <a14:useLocalDpi xmlns:a14="http://schemas.microsoft.com/office/drawing/2010/main" val="0"/>
-              </a:ext>
-            </a:extLst>
-          </a:blip>
-          <a:srcRect/>
-          <a:stretch>
-            <a:fillRect/>
-          </a:stretch>
-        </p:blipFill>
-        <p:spPr bwMode="auto">
-          <a:xfrm>
-            <a:off x="2567940" y="5690235"/>
-            <a:ext cx="457200" cy="457200"/>
-          </a:xfrm>
-          <a:prstGeom prst="rect">
-            <a:avLst/>
-          </a:prstGeom>
-          <a:noFill/>
-          <a:ln>
-            <a:noFill/>
-          </a:ln>
-          <a:extLst>
-            <a:ext uri="{909E8E84-426E-40DD-AFC4-6F175D3DCCD1}">
-              <a14:hiddenFill xmlns:a14="http://schemas.microsoft.com/office/drawing/2010/main">
-                <a:solidFill>
-                  <a:srgbClr val="FFFFFF"/>
-                </a:solidFill>
-              </a14:hiddenFill>
-            </a:ext>
-            <a:ext uri="{91240B29-F687-4F45-9708-019B960494DF}">
-              <a14:hiddenLine xmlns:a14="http://schemas.microsoft.com/office/drawing/2010/main" w="9525">
-                <a:solidFill>
-                  <a:srgbClr val="000000"/>
-                </a:solidFill>
-                <a:miter lim="800000"/>
-                <a:headEnd/>
-                <a:tailEnd/>
-              </a14:hiddenLine>
-            </a:ext>
-          </a:extLst>
-        </p:spPr>
-      </p:pic>
-      <p:sp>
-        <p:nvSpPr>
-          <p:cNvPr id="29" name="TextBox 16">
-            <a:extLst>
-              <a:ext uri="{FF2B5EF4-FFF2-40B4-BE49-F238E27FC236}">
-                <a16:creationId xmlns:a16="http://schemas.microsoft.com/office/drawing/2014/main" id="{F1F0B64E-96C3-4B61-89B1-0FAB12F6186B}"/>
-              </a:ext>
-            </a:extLst>
-          </p:cNvPr>
-          <p:cNvSpPr txBox="1">
-            <a:spLocks noChangeArrowheads="1"/>
-          </p:cNvSpPr>
-          <p:nvPr/>
-        </p:nvSpPr>
-        <p:spPr bwMode="auto">
-          <a:xfrm>
-            <a:off x="2239883" y="6147435"/>
-            <a:ext cx="1115568" cy="430887"/>
-          </a:xfrm>
-          <a:prstGeom prst="rect">
-            <a:avLst/>
-          </a:prstGeom>
-          <a:noFill/>
-          <a:ln>
-            <a:noFill/>
-          </a:ln>
-          <a:extLst>
-            <a:ext uri="{909E8E84-426E-40DD-AFC4-6F175D3DCCD1}">
-              <a14:hiddenFill xmlns:a14="http://schemas.microsoft.com/office/drawing/2010/main">
-                <a:solidFill>
-                  <a:srgbClr val="FFFFFF"/>
-                </a:solidFill>
-              </a14:hiddenFill>
-            </a:ext>
-            <a:ext uri="{91240B29-F687-4F45-9708-019B960494DF}">
-              <a14:hiddenLine xmlns:a14="http://schemas.microsoft.com/office/drawing/2010/main" w="9525">
-                <a:solidFill>
-                  <a:srgbClr val="000000"/>
-                </a:solidFill>
-                <a:miter lim="800000"/>
-                <a:headEnd/>
-                <a:tailEnd/>
-              </a14:hiddenLine>
-            </a:ext>
-          </a:extLst>
-        </p:spPr>
-        <p:txBody>
-          <a:bodyPr wrap="square" lIns="0" rIns="0">
-            <a:spAutoFit/>
-          </a:bodyPr>
-          <a:lstStyle>
-            <a:lvl1pPr>
-              <a:defRPr>
-                <a:solidFill>
-                  <a:schemeClr val="tx1"/>
-                </a:solidFill>
-                <a:latin typeface="Calibri" panose="020F0502020204030204" pitchFamily="34" charset="0"/>
-              </a:defRPr>
-            </a:lvl1pPr>
-            <a:lvl2pPr marL="742950" indent="-285750">
-              <a:defRPr>
-                <a:solidFill>
-                  <a:schemeClr val="tx1"/>
-                </a:solidFill>
-                <a:latin typeface="Calibri" panose="020F0502020204030204" pitchFamily="34" charset="0"/>
-              </a:defRPr>
-            </a:lvl2pPr>
-            <a:lvl3pPr marL="1143000" indent="-228600">
-              <a:defRPr>
-                <a:solidFill>
-                  <a:schemeClr val="tx1"/>
-                </a:solidFill>
-                <a:latin typeface="Calibri" panose="020F0502020204030204" pitchFamily="34" charset="0"/>
-              </a:defRPr>
-            </a:lvl3pPr>
-            <a:lvl4pPr marL="1600200" indent="-228600">
-              <a:defRPr>
-                <a:solidFill>
-                  <a:schemeClr val="tx1"/>
-                </a:solidFill>
-                <a:latin typeface="Calibri" panose="020F0502020204030204" pitchFamily="34" charset="0"/>
-              </a:defRPr>
-            </a:lvl4pPr>
-            <a:lvl5pPr marL="2057400" indent="-228600">
-              <a:defRPr>
-                <a:solidFill>
-                  <a:schemeClr val="tx1"/>
-                </a:solidFill>
-                <a:latin typeface="Calibri" panose="020F0502020204030204" pitchFamily="34" charset="0"/>
-              </a:defRPr>
-            </a:lvl5pPr>
-            <a:lvl6pPr marL="2514600" indent="-228600" eaLnBrk="0" fontAlgn="base" hangingPunct="0">
-              <a:spcBef>
-                <a:spcPct val="0"/>
-              </a:spcBef>
-              <a:spcAft>
-                <a:spcPct val="0"/>
-              </a:spcAft>
-              <a:defRPr>
-                <a:solidFill>
-                  <a:schemeClr val="tx1"/>
-                </a:solidFill>
-                <a:latin typeface="Calibri" panose="020F0502020204030204" pitchFamily="34" charset="0"/>
-              </a:defRPr>
-            </a:lvl6pPr>
-            <a:lvl7pPr marL="2971800" indent="-228600" eaLnBrk="0" fontAlgn="base" hangingPunct="0">
-              <a:spcBef>
-                <a:spcPct val="0"/>
-              </a:spcBef>
-              <a:spcAft>
-                <a:spcPct val="0"/>
-              </a:spcAft>
-              <a:defRPr>
-                <a:solidFill>
-                  <a:schemeClr val="tx1"/>
-                </a:solidFill>
-                <a:latin typeface="Calibri" panose="020F0502020204030204" pitchFamily="34" charset="0"/>
-              </a:defRPr>
-            </a:lvl7pPr>
-            <a:lvl8pPr marL="3429000" indent="-228600" eaLnBrk="0" fontAlgn="base" hangingPunct="0">
-              <a:spcBef>
-                <a:spcPct val="0"/>
-              </a:spcBef>
-              <a:spcAft>
-                <a:spcPct val="0"/>
-              </a:spcAft>
-              <a:defRPr>
-                <a:solidFill>
-                  <a:schemeClr val="tx1"/>
-                </a:solidFill>
-                <a:latin typeface="Calibri" panose="020F0502020204030204" pitchFamily="34" charset="0"/>
-              </a:defRPr>
-            </a:lvl8pPr>
-            <a:lvl9pPr marL="3886200" indent="-228600" eaLnBrk="0" fontAlgn="base" hangingPunct="0">
-              <a:spcBef>
-                <a:spcPct val="0"/>
-              </a:spcBef>
-              <a:spcAft>
-                <a:spcPct val="0"/>
-              </a:spcAft>
-              <a:defRPr>
-                <a:solidFill>
-                  <a:schemeClr val="tx1"/>
-                </a:solidFill>
-                <a:latin typeface="Calibri" panose="020F0502020204030204" pitchFamily="34" charset="0"/>
-              </a:defRPr>
-            </a:lvl9pPr>
-          </a:lstStyle>
-          <a:p>
-            <a:pPr algn="ctr" eaLnBrk="1" hangingPunct="1"/>
-            <a:r>
-              <a:rPr lang="en-US" altLang="en-US" sz="1100" dirty="0">
-                <a:latin typeface="Arial" panose="020B0604020202020204" pitchFamily="34" charset="0"/>
-                <a:ea typeface="Amazon Ember" panose="020B0603020204020204" pitchFamily="34" charset="0"/>
-                <a:cs typeface="Arial" panose="020B0604020202020204" pitchFamily="34" charset="0"/>
-              </a:rPr>
-              <a:t>ISE Primary Node</a:t>
-            </a:r>
-          </a:p>
-        </p:txBody>
-      </p:sp>
-      <p:sp>
-        <p:nvSpPr>
-          <p:cNvPr id="30" name="TextBox 16">
-            <a:extLst>
-              <a:ext uri="{FF2B5EF4-FFF2-40B4-BE49-F238E27FC236}">
-                <a16:creationId xmlns:a16="http://schemas.microsoft.com/office/drawing/2014/main" id="{6BE4DC90-1EC9-480E-84CB-72180C7B5619}"/>
-              </a:ext>
-            </a:extLst>
-          </p:cNvPr>
-          <p:cNvSpPr txBox="1">
-            <a:spLocks noChangeArrowheads="1"/>
-          </p:cNvSpPr>
-          <p:nvPr/>
-        </p:nvSpPr>
-        <p:spPr bwMode="auto">
-          <a:xfrm>
-            <a:off x="5094002" y="6149816"/>
-            <a:ext cx="1115568" cy="430887"/>
-          </a:xfrm>
-          <a:prstGeom prst="rect">
-            <a:avLst/>
-          </a:prstGeom>
-          <a:noFill/>
-          <a:ln>
-            <a:noFill/>
-          </a:ln>
-          <a:extLst>
-            <a:ext uri="{909E8E84-426E-40DD-AFC4-6F175D3DCCD1}">
-              <a14:hiddenFill xmlns:a14="http://schemas.microsoft.com/office/drawing/2010/main">
-                <a:solidFill>
-                  <a:srgbClr val="FFFFFF"/>
-                </a:solidFill>
-              </a14:hiddenFill>
-            </a:ext>
-            <a:ext uri="{91240B29-F687-4F45-9708-019B960494DF}">
-              <a14:hiddenLine xmlns:a14="http://schemas.microsoft.com/office/drawing/2010/main" w="9525">
-                <a:solidFill>
-                  <a:srgbClr val="000000"/>
-                </a:solidFill>
-                <a:miter lim="800000"/>
-                <a:headEnd/>
-                <a:tailEnd/>
-              </a14:hiddenLine>
-            </a:ext>
-          </a:extLst>
-        </p:spPr>
-        <p:txBody>
-          <a:bodyPr wrap="square" lIns="0" rIns="0">
-            <a:spAutoFit/>
-          </a:bodyPr>
-          <a:lstStyle>
-            <a:lvl1pPr>
-              <a:defRPr>
-                <a:solidFill>
-                  <a:schemeClr val="tx1"/>
-                </a:solidFill>
-                <a:latin typeface="Calibri" panose="020F0502020204030204" pitchFamily="34" charset="0"/>
-              </a:defRPr>
-            </a:lvl1pPr>
-            <a:lvl2pPr marL="742950" indent="-285750">
-              <a:defRPr>
-                <a:solidFill>
-                  <a:schemeClr val="tx1"/>
-                </a:solidFill>
-                <a:latin typeface="Calibri" panose="020F0502020204030204" pitchFamily="34" charset="0"/>
-              </a:defRPr>
-            </a:lvl2pPr>
-            <a:lvl3pPr marL="1143000" indent="-228600">
-              <a:defRPr>
-                <a:solidFill>
-                  <a:schemeClr val="tx1"/>
-                </a:solidFill>
-                <a:latin typeface="Calibri" panose="020F0502020204030204" pitchFamily="34" charset="0"/>
-              </a:defRPr>
-            </a:lvl3pPr>
-            <a:lvl4pPr marL="1600200" indent="-228600">
-              <a:defRPr>
-                <a:solidFill>
-                  <a:schemeClr val="tx1"/>
-                </a:solidFill>
-                <a:latin typeface="Calibri" panose="020F0502020204030204" pitchFamily="34" charset="0"/>
-              </a:defRPr>
-            </a:lvl4pPr>
-            <a:lvl5pPr marL="2057400" indent="-228600">
-              <a:defRPr>
-                <a:solidFill>
-                  <a:schemeClr val="tx1"/>
-                </a:solidFill>
-                <a:latin typeface="Calibri" panose="020F0502020204030204" pitchFamily="34" charset="0"/>
-              </a:defRPr>
-            </a:lvl5pPr>
-            <a:lvl6pPr marL="2514600" indent="-228600" eaLnBrk="0" fontAlgn="base" hangingPunct="0">
-              <a:spcBef>
-                <a:spcPct val="0"/>
-              </a:spcBef>
-              <a:spcAft>
-                <a:spcPct val="0"/>
-              </a:spcAft>
-              <a:defRPr>
-                <a:solidFill>
-                  <a:schemeClr val="tx1"/>
-                </a:solidFill>
-                <a:latin typeface="Calibri" panose="020F0502020204030204" pitchFamily="34" charset="0"/>
-              </a:defRPr>
-            </a:lvl6pPr>
-            <a:lvl7pPr marL="2971800" indent="-228600" eaLnBrk="0" fontAlgn="base" hangingPunct="0">
-              <a:spcBef>
-                <a:spcPct val="0"/>
-              </a:spcBef>
-              <a:spcAft>
-                <a:spcPct val="0"/>
-              </a:spcAft>
-              <a:defRPr>
-                <a:solidFill>
-                  <a:schemeClr val="tx1"/>
-                </a:solidFill>
-                <a:latin typeface="Calibri" panose="020F0502020204030204" pitchFamily="34" charset="0"/>
-              </a:defRPr>
-            </a:lvl7pPr>
-            <a:lvl8pPr marL="3429000" indent="-228600" eaLnBrk="0" fontAlgn="base" hangingPunct="0">
-              <a:spcBef>
-                <a:spcPct val="0"/>
-              </a:spcBef>
-              <a:spcAft>
-                <a:spcPct val="0"/>
-              </a:spcAft>
-              <a:defRPr>
-                <a:solidFill>
-                  <a:schemeClr val="tx1"/>
-                </a:solidFill>
-                <a:latin typeface="Calibri" panose="020F0502020204030204" pitchFamily="34" charset="0"/>
-              </a:defRPr>
-            </a:lvl8pPr>
-            <a:lvl9pPr marL="3886200" indent="-228600" eaLnBrk="0" fontAlgn="base" hangingPunct="0">
-              <a:spcBef>
-                <a:spcPct val="0"/>
-              </a:spcBef>
-              <a:spcAft>
-                <a:spcPct val="0"/>
-              </a:spcAft>
-              <a:defRPr>
-                <a:solidFill>
-                  <a:schemeClr val="tx1"/>
-                </a:solidFill>
-                <a:latin typeface="Calibri" panose="020F0502020204030204" pitchFamily="34" charset="0"/>
-              </a:defRPr>
-            </a:lvl9pPr>
-          </a:lstStyle>
-          <a:p>
-            <a:pPr algn="ctr" eaLnBrk="1" hangingPunct="1"/>
-            <a:r>
-              <a:rPr lang="en-US" altLang="en-US" sz="1100" dirty="0">
-                <a:latin typeface="Arial" panose="020B0604020202020204" pitchFamily="34" charset="0"/>
-                <a:ea typeface="Amazon Ember" panose="020B0603020204020204" pitchFamily="34" charset="0"/>
-                <a:cs typeface="Arial" panose="020B0604020202020204" pitchFamily="34" charset="0"/>
-              </a:rPr>
-              <a:t>ISE Secondary</a:t>
-            </a:r>
-          </a:p>
-          <a:p>
-            <a:pPr algn="ctr" eaLnBrk="1" hangingPunct="1"/>
-            <a:r>
-              <a:rPr lang="en-US" altLang="en-US" sz="1100" dirty="0">
-                <a:latin typeface="Arial" panose="020B0604020202020204" pitchFamily="34" charset="0"/>
-                <a:ea typeface="Amazon Ember" panose="020B0603020204020204" pitchFamily="34" charset="0"/>
-                <a:cs typeface="Arial" panose="020B0604020202020204" pitchFamily="34" charset="0"/>
-              </a:rPr>
-              <a:t>Node</a:t>
-            </a:r>
-          </a:p>
-        </p:txBody>
-      </p:sp>
-      <p:sp>
-        <p:nvSpPr>
-          <p:cNvPr id="31" name="TextBox 22">
-            <a:extLst>
-              <a:ext uri="{FF2B5EF4-FFF2-40B4-BE49-F238E27FC236}">
-                <a16:creationId xmlns:a16="http://schemas.microsoft.com/office/drawing/2014/main" id="{82698555-EC2A-46D0-90D7-9D940D2C8B4B}"/>
-              </a:ext>
-            </a:extLst>
-          </p:cNvPr>
-          <p:cNvSpPr txBox="1">
-            <a:spLocks noChangeArrowheads="1"/>
-          </p:cNvSpPr>
-          <p:nvPr/>
-        </p:nvSpPr>
-        <p:spPr bwMode="auto">
-          <a:xfrm>
-            <a:off x="3584855" y="4893576"/>
-            <a:ext cx="1339850" cy="430887"/>
-          </a:xfrm>
-          <a:prstGeom prst="rect">
-            <a:avLst/>
-          </a:prstGeom>
-          <a:noFill/>
-          <a:ln>
-            <a:noFill/>
-          </a:ln>
-          <a:extLst>
-            <a:ext uri="{909E8E84-426E-40DD-AFC4-6F175D3DCCD1}">
-              <a14:hiddenFill xmlns:a14="http://schemas.microsoft.com/office/drawing/2010/main">
-                <a:solidFill>
-                  <a:srgbClr val="FFFFFF"/>
-                </a:solidFill>
-              </a14:hiddenFill>
-            </a:ext>
-            <a:ext uri="{91240B29-F687-4F45-9708-019B960494DF}">
-              <a14:hiddenLine xmlns:a14="http://schemas.microsoft.com/office/drawing/2010/main" w="9525">
-                <a:solidFill>
-                  <a:srgbClr val="000000"/>
-                </a:solidFill>
-                <a:miter lim="800000"/>
-                <a:headEnd/>
-                <a:tailEnd/>
-              </a14:hiddenLine>
-            </a:ext>
-          </a:extLst>
-        </p:spPr>
-        <p:txBody>
-          <a:bodyPr wrap="square">
-            <a:spAutoFit/>
-          </a:bodyPr>
-          <a:lstStyle>
-            <a:lvl1pPr>
-              <a:defRPr>
-                <a:solidFill>
-                  <a:schemeClr val="tx1"/>
-                </a:solidFill>
-                <a:latin typeface="Calibri" panose="020F0502020204030204" pitchFamily="34" charset="0"/>
-              </a:defRPr>
-            </a:lvl1pPr>
-            <a:lvl2pPr marL="742950" indent="-285750">
-              <a:defRPr>
-                <a:solidFill>
-                  <a:schemeClr val="tx1"/>
-                </a:solidFill>
-                <a:latin typeface="Calibri" panose="020F0502020204030204" pitchFamily="34" charset="0"/>
-              </a:defRPr>
-            </a:lvl2pPr>
-            <a:lvl3pPr marL="1143000" indent="-228600">
-              <a:defRPr>
-                <a:solidFill>
-                  <a:schemeClr val="tx1"/>
-                </a:solidFill>
-                <a:latin typeface="Calibri" panose="020F0502020204030204" pitchFamily="34" charset="0"/>
-              </a:defRPr>
-            </a:lvl3pPr>
-            <a:lvl4pPr marL="1600200" indent="-228600">
-              <a:defRPr>
-                <a:solidFill>
-                  <a:schemeClr val="tx1"/>
-                </a:solidFill>
-                <a:latin typeface="Calibri" panose="020F0502020204030204" pitchFamily="34" charset="0"/>
-              </a:defRPr>
-            </a:lvl4pPr>
-            <a:lvl5pPr marL="2057400" indent="-228600">
-              <a:defRPr>
-                <a:solidFill>
-                  <a:schemeClr val="tx1"/>
-                </a:solidFill>
-                <a:latin typeface="Calibri" panose="020F0502020204030204" pitchFamily="34" charset="0"/>
-              </a:defRPr>
-            </a:lvl5pPr>
-            <a:lvl6pPr marL="2514600" indent="-228600" eaLnBrk="0" fontAlgn="base" hangingPunct="0">
-              <a:spcBef>
-                <a:spcPct val="0"/>
-              </a:spcBef>
-              <a:spcAft>
-                <a:spcPct val="0"/>
-              </a:spcAft>
-              <a:defRPr>
-                <a:solidFill>
-                  <a:schemeClr val="tx1"/>
-                </a:solidFill>
-                <a:latin typeface="Calibri" panose="020F0502020204030204" pitchFamily="34" charset="0"/>
-              </a:defRPr>
-            </a:lvl6pPr>
-            <a:lvl7pPr marL="2971800" indent="-228600" eaLnBrk="0" fontAlgn="base" hangingPunct="0">
-              <a:spcBef>
-                <a:spcPct val="0"/>
-              </a:spcBef>
-              <a:spcAft>
-                <a:spcPct val="0"/>
-              </a:spcAft>
-              <a:defRPr>
-                <a:solidFill>
-                  <a:schemeClr val="tx1"/>
-                </a:solidFill>
-                <a:latin typeface="Calibri" panose="020F0502020204030204" pitchFamily="34" charset="0"/>
-              </a:defRPr>
-            </a:lvl7pPr>
-            <a:lvl8pPr marL="3429000" indent="-228600" eaLnBrk="0" fontAlgn="base" hangingPunct="0">
-              <a:spcBef>
-                <a:spcPct val="0"/>
-              </a:spcBef>
-              <a:spcAft>
-                <a:spcPct val="0"/>
-              </a:spcAft>
-              <a:defRPr>
-                <a:solidFill>
-                  <a:schemeClr val="tx1"/>
-                </a:solidFill>
-                <a:latin typeface="Calibri" panose="020F0502020204030204" pitchFamily="34" charset="0"/>
-              </a:defRPr>
-            </a:lvl8pPr>
-            <a:lvl9pPr marL="3886200" indent="-228600" eaLnBrk="0" fontAlgn="base" hangingPunct="0">
-              <a:spcBef>
-                <a:spcPct val="0"/>
-              </a:spcBef>
-              <a:spcAft>
-                <a:spcPct val="0"/>
-              </a:spcAft>
-              <a:defRPr>
-                <a:solidFill>
-                  <a:schemeClr val="tx1"/>
-                </a:solidFill>
-                <a:latin typeface="Calibri" panose="020F0502020204030204" pitchFamily="34" charset="0"/>
-              </a:defRPr>
-            </a:lvl9pPr>
-          </a:lstStyle>
-          <a:p>
-            <a:pPr algn="ctr" eaLnBrk="1" hangingPunct="1"/>
-            <a:r>
-              <a:rPr lang="en-US" altLang="en-US" sz="1100" dirty="0">
-                <a:latin typeface="Arial" panose="020B0604020202020204" pitchFamily="34" charset="0"/>
-                <a:ea typeface="Amazon Ember" panose="020B0603020204020204" pitchFamily="34" charset="0"/>
-                <a:cs typeface="Arial" panose="020B0604020202020204" pitchFamily="34" charset="0"/>
-              </a:rPr>
-              <a:t>Network Load </a:t>
-            </a:r>
-            <a:br>
-              <a:rPr lang="en-US" altLang="en-US" sz="1100" dirty="0">
-                <a:latin typeface="Arial" panose="020B0604020202020204" pitchFamily="34" charset="0"/>
-                <a:ea typeface="Amazon Ember" panose="020B0603020204020204" pitchFamily="34" charset="0"/>
-                <a:cs typeface="Arial" panose="020B0604020202020204" pitchFamily="34" charset="0"/>
-              </a:rPr>
-            </a:br>
-            <a:r>
-              <a:rPr lang="en-US" altLang="en-US" sz="1100" dirty="0">
-                <a:latin typeface="Arial" panose="020B0604020202020204" pitchFamily="34" charset="0"/>
-                <a:ea typeface="Amazon Ember" panose="020B0603020204020204" pitchFamily="34" charset="0"/>
-                <a:cs typeface="Arial" panose="020B0604020202020204" pitchFamily="34" charset="0"/>
-              </a:rPr>
-              <a:t>Balancer</a:t>
-            </a:r>
-          </a:p>
-        </p:txBody>
-      </p:sp>
-      <p:pic>
-        <p:nvPicPr>
-          <p:cNvPr id="32" name="Graphic 24">
-            <a:extLst>
-              <a:ext uri="{FF2B5EF4-FFF2-40B4-BE49-F238E27FC236}">
-                <a16:creationId xmlns:a16="http://schemas.microsoft.com/office/drawing/2014/main" id="{D272A4C7-86E8-4FA7-9E7C-FF00D659CCB7}"/>
-              </a:ext>
-            </a:extLst>
-          </p:cNvPr>
-          <p:cNvPicPr>
-            <a:picLocks noChangeAspect="1" noChangeArrowheads="1"/>
-          </p:cNvPicPr>
-          <p:nvPr/>
-        </p:nvPicPr>
-        <p:blipFill>
-          <a:blip r:embed="rId14">
-            <a:extLst>
-              <a:ext uri="{28A0092B-C50C-407E-A947-70E740481C1C}">
-                <a14:useLocalDpi xmlns:a14="http://schemas.microsoft.com/office/drawing/2010/main" val="0"/>
-              </a:ext>
-            </a:extLst>
-          </a:blip>
-          <a:srcRect/>
-          <a:stretch>
-            <a:fillRect/>
-          </a:stretch>
-        </p:blipFill>
-        <p:spPr bwMode="auto">
-          <a:xfrm>
-            <a:off x="4024935" y="4517770"/>
-            <a:ext cx="457200" cy="457200"/>
-          </a:xfrm>
-          <a:prstGeom prst="rect">
-            <a:avLst/>
-          </a:prstGeom>
-          <a:noFill/>
-          <a:ln>
-            <a:noFill/>
-          </a:ln>
-          <a:extLst>
-            <a:ext uri="{909E8E84-426E-40DD-AFC4-6F175D3DCCD1}">
-              <a14:hiddenFill xmlns:a14="http://schemas.microsoft.com/office/drawing/2010/main">
-                <a:solidFill>
-                  <a:srgbClr val="FFFFFF"/>
-                </a:solidFill>
-              </a14:hiddenFill>
-            </a:ext>
-            <a:ext uri="{91240B29-F687-4F45-9708-019B960494DF}">
-              <a14:hiddenLine xmlns:a14="http://schemas.microsoft.com/office/drawing/2010/main" w="9525">
-                <a:solidFill>
-                  <a:srgbClr val="000000"/>
-                </a:solidFill>
-                <a:miter lim="800000"/>
-                <a:headEnd/>
-                <a:tailEnd/>
-              </a14:hiddenLine>
-            </a:ext>
-          </a:extLst>
-        </p:spPr>
-      </p:pic>
-      <p:grpSp>
-        <p:nvGrpSpPr>
-          <p:cNvPr id="33" name="Group 32">
-            <a:extLst>
-              <a:ext uri="{FF2B5EF4-FFF2-40B4-BE49-F238E27FC236}">
-                <a16:creationId xmlns:a16="http://schemas.microsoft.com/office/drawing/2014/main" id="{6239AA85-045A-4765-8F2A-4B3CE4E4FA4E}"/>
-              </a:ext>
-            </a:extLst>
-          </p:cNvPr>
-          <p:cNvGrpSpPr/>
-          <p:nvPr/>
-        </p:nvGrpSpPr>
-        <p:grpSpPr>
-          <a:xfrm>
-            <a:off x="6829425" y="2714005"/>
-            <a:ext cx="1645920" cy="1023153"/>
-            <a:chOff x="13918582" y="7823327"/>
-            <a:chExt cx="1645920" cy="1023153"/>
-          </a:xfrm>
-        </p:grpSpPr>
-        <p:sp>
-          <p:nvSpPr>
-            <p:cNvPr id="34" name="TextBox 9">
-              <a:extLst>
-                <a:ext uri="{FF2B5EF4-FFF2-40B4-BE49-F238E27FC236}">
-                  <a16:creationId xmlns:a16="http://schemas.microsoft.com/office/drawing/2014/main" id="{6A7249F1-23ED-408A-80D4-7B03F9C441BC}"/>
-                </a:ext>
-              </a:extLst>
-            </p:cNvPr>
-            <p:cNvSpPr txBox="1">
-              <a:spLocks noChangeArrowheads="1"/>
-            </p:cNvSpPr>
-            <p:nvPr/>
-          </p:nvSpPr>
-          <p:spPr bwMode="auto">
-            <a:xfrm>
-              <a:off x="13918582" y="8384815"/>
-              <a:ext cx="1645920" cy="461665"/>
-            </a:xfrm>
-            <a:prstGeom prst="rect">
-              <a:avLst/>
-            </a:prstGeom>
-            <a:noFill/>
-            <a:ln>
-              <a:noFill/>
-            </a:ln>
-            <a:extLst>
-              <a:ext uri="{909E8E84-426E-40DD-AFC4-6F175D3DCCD1}">
-                <a14:hiddenFill xmlns:a14="http://schemas.microsoft.com/office/drawing/2010/main">
-                  <a:solidFill>
-                    <a:srgbClr val="FFFFFF"/>
-                  </a:solidFill>
-                </a14:hiddenFill>
-              </a:ext>
-              <a:ext uri="{91240B29-F687-4F45-9708-019B960494DF}">
-                <a14:hiddenLine xmlns:a14="http://schemas.microsoft.com/office/drawing/2010/main" w="9525">
-                  <a:solidFill>
-                    <a:srgbClr val="000000"/>
-                  </a:solidFill>
-                  <a:miter lim="800000"/>
-                  <a:headEnd/>
-                  <a:tailEnd/>
-                </a14:hiddenLine>
-              </a:ext>
-            </a:extLst>
-          </p:spPr>
-          <p:txBody>
-            <a:bodyPr wrap="square">
-              <a:spAutoFit/>
-            </a:bodyPr>
-            <a:lstStyle>
-              <a:lvl1pPr>
-                <a:defRPr>
-                  <a:solidFill>
-                    <a:schemeClr val="tx1"/>
-                  </a:solidFill>
-                  <a:latin typeface="Calibri" panose="020F0502020204030204" pitchFamily="34" charset="0"/>
-                </a:defRPr>
-              </a:lvl1pPr>
-              <a:lvl2pPr marL="742950" indent="-285750">
-                <a:defRPr>
-                  <a:solidFill>
-                    <a:schemeClr val="tx1"/>
-                  </a:solidFill>
-                  <a:latin typeface="Calibri" panose="020F0502020204030204" pitchFamily="34" charset="0"/>
-                </a:defRPr>
-              </a:lvl2pPr>
-              <a:lvl3pPr marL="1143000" indent="-228600">
-                <a:defRPr>
-                  <a:solidFill>
-                    <a:schemeClr val="tx1"/>
-                  </a:solidFill>
-                  <a:latin typeface="Calibri" panose="020F0502020204030204" pitchFamily="34" charset="0"/>
-                </a:defRPr>
-              </a:lvl3pPr>
-              <a:lvl4pPr marL="1600200" indent="-228600">
-                <a:defRPr>
-                  <a:solidFill>
-                    <a:schemeClr val="tx1"/>
-                  </a:solidFill>
-                  <a:latin typeface="Calibri" panose="020F0502020204030204" pitchFamily="34" charset="0"/>
-                </a:defRPr>
-              </a:lvl4pPr>
-              <a:lvl5pPr marL="2057400" indent="-228600">
-                <a:defRPr>
-                  <a:solidFill>
-                    <a:schemeClr val="tx1"/>
-                  </a:solidFill>
-                  <a:latin typeface="Calibri" panose="020F0502020204030204" pitchFamily="34" charset="0"/>
-                </a:defRPr>
-              </a:lvl5pPr>
-              <a:lvl6pPr marL="2514600" indent="-228600" eaLnBrk="0" fontAlgn="base" hangingPunct="0">
-                <a:spcBef>
-                  <a:spcPct val="0"/>
-                </a:spcBef>
-                <a:spcAft>
-                  <a:spcPct val="0"/>
-                </a:spcAft>
-                <a:defRPr>
-                  <a:solidFill>
-                    <a:schemeClr val="tx1"/>
-                  </a:solidFill>
-                  <a:latin typeface="Calibri" panose="020F0502020204030204" pitchFamily="34" charset="0"/>
-                </a:defRPr>
-              </a:lvl6pPr>
-              <a:lvl7pPr marL="2971800" indent="-228600" eaLnBrk="0" fontAlgn="base" hangingPunct="0">
-                <a:spcBef>
-                  <a:spcPct val="0"/>
-                </a:spcBef>
-                <a:spcAft>
-                  <a:spcPct val="0"/>
-                </a:spcAft>
-                <a:defRPr>
-                  <a:solidFill>
-                    <a:schemeClr val="tx1"/>
-                  </a:solidFill>
-                  <a:latin typeface="Calibri" panose="020F0502020204030204" pitchFamily="34" charset="0"/>
-                </a:defRPr>
-              </a:lvl7pPr>
-              <a:lvl8pPr marL="3429000" indent="-228600" eaLnBrk="0" fontAlgn="base" hangingPunct="0">
-                <a:spcBef>
-                  <a:spcPct val="0"/>
-                </a:spcBef>
-                <a:spcAft>
-                  <a:spcPct val="0"/>
-                </a:spcAft>
-                <a:defRPr>
-                  <a:solidFill>
-                    <a:schemeClr val="tx1"/>
-                  </a:solidFill>
-                  <a:latin typeface="Calibri" panose="020F0502020204030204" pitchFamily="34" charset="0"/>
-                </a:defRPr>
-              </a:lvl8pPr>
-              <a:lvl9pPr marL="3886200" indent="-228600" eaLnBrk="0" fontAlgn="base" hangingPunct="0">
-                <a:spcBef>
-                  <a:spcPct val="0"/>
-                </a:spcBef>
-                <a:spcAft>
-                  <a:spcPct val="0"/>
-                </a:spcAft>
-                <a:defRPr>
-                  <a:solidFill>
-                    <a:schemeClr val="tx1"/>
-                  </a:solidFill>
-                  <a:latin typeface="Calibri" panose="020F0502020204030204" pitchFamily="34" charset="0"/>
-                </a:defRPr>
-              </a:lvl9pPr>
-            </a:lstStyle>
-            <a:p>
-              <a:pPr algn="ctr" eaLnBrk="1" hangingPunct="1"/>
-              <a:r>
-                <a:rPr lang="en-US" altLang="en-US" sz="1200" dirty="0">
-                  <a:latin typeface="Arial" panose="020B0604020202020204" pitchFamily="34" charset="0"/>
-                  <a:ea typeface="Amazon Ember" panose="020B0603020204020204" pitchFamily="34" charset="0"/>
-                  <a:cs typeface="Arial" panose="020B0604020202020204" pitchFamily="34" charset="0"/>
-                </a:rPr>
-                <a:t>CloudWatch</a:t>
-              </a:r>
-            </a:p>
-            <a:p>
-              <a:pPr algn="ctr" eaLnBrk="1" hangingPunct="1"/>
-              <a:r>
-                <a:rPr lang="en-US" altLang="en-US" sz="1200" dirty="0">
-                  <a:latin typeface="Arial" panose="020B0604020202020204" pitchFamily="34" charset="0"/>
-                  <a:ea typeface="Amazon Ember" panose="020B0603020204020204" pitchFamily="34" charset="0"/>
-                  <a:cs typeface="Arial" panose="020B0604020202020204" pitchFamily="34" charset="0"/>
-                </a:rPr>
-                <a:t>Events</a:t>
-              </a:r>
-            </a:p>
-          </p:txBody>
-        </p:sp>
-        <p:pic>
-          <p:nvPicPr>
-            <p:cNvPr id="35" name="Graphic 17">
-              <a:extLst>
-                <a:ext uri="{FF2B5EF4-FFF2-40B4-BE49-F238E27FC236}">
-                  <a16:creationId xmlns:a16="http://schemas.microsoft.com/office/drawing/2014/main" id="{F79DC409-B639-4A4E-B8D9-C92338BDBF5E}"/>
-                </a:ext>
-              </a:extLst>
-            </p:cNvPr>
-            <p:cNvPicPr>
-              <a:picLocks noChangeAspect="1" noChangeArrowheads="1"/>
-            </p:cNvPicPr>
-            <p:nvPr/>
-          </p:nvPicPr>
-          <p:blipFill>
-            <a:blip r:embed="rId15">
-              <a:extLst>
-                <a:ext uri="{28A0092B-C50C-407E-A947-70E740481C1C}">
-                  <a14:useLocalDpi xmlns:a14="http://schemas.microsoft.com/office/drawing/2010/main" val="0"/>
-                </a:ext>
-              </a:extLst>
-            </a:blip>
-            <a:srcRect/>
-            <a:stretch>
-              <a:fillRect/>
-            </a:stretch>
-          </p:blipFill>
-          <p:spPr bwMode="auto">
-            <a:xfrm>
-              <a:off x="14432484" y="7823327"/>
-              <a:ext cx="603644" cy="603644"/>
-            </a:xfrm>
-            <a:prstGeom prst="rect">
-              <a:avLst/>
-            </a:prstGeom>
-            <a:noFill/>
-            <a:ln>
-              <a:noFill/>
-            </a:ln>
-            <a:extLst>
-              <a:ext uri="{909E8E84-426E-40DD-AFC4-6F175D3DCCD1}">
-                <a14:hiddenFill xmlns:a14="http://schemas.microsoft.com/office/drawing/2010/main">
-                  <a:solidFill>
-                    <a:srgbClr val="FFFFFF"/>
-                  </a:solidFill>
-                </a14:hiddenFill>
-              </a:ext>
-              <a:ext uri="{91240B29-F687-4F45-9708-019B960494DF}">
-                <a14:hiddenLine xmlns:a14="http://schemas.microsoft.com/office/drawing/2010/main" w="9525">
-                  <a:solidFill>
-                    <a:srgbClr val="000000"/>
-                  </a:solidFill>
-                  <a:miter lim="800000"/>
-                  <a:headEnd/>
-                  <a:tailEnd/>
-                </a14:hiddenLine>
-              </a:ext>
-            </a:extLst>
-          </p:spPr>
-        </p:pic>
-      </p:grpSp>
-      <p:grpSp>
-        <p:nvGrpSpPr>
-          <p:cNvPr id="36" name="Group 35">
-            <a:extLst>
-              <a:ext uri="{FF2B5EF4-FFF2-40B4-BE49-F238E27FC236}">
-                <a16:creationId xmlns:a16="http://schemas.microsoft.com/office/drawing/2014/main" id="{6DDC4E44-84BB-4B94-A34A-048AB188CDE6}"/>
-              </a:ext>
-            </a:extLst>
-          </p:cNvPr>
-          <p:cNvGrpSpPr/>
-          <p:nvPr/>
-        </p:nvGrpSpPr>
-        <p:grpSpPr>
-          <a:xfrm>
-            <a:off x="3555001" y="2343431"/>
-            <a:ext cx="1403350" cy="718810"/>
-            <a:chOff x="7328508" y="1855841"/>
-            <a:chExt cx="1403350" cy="718810"/>
-          </a:xfrm>
-        </p:grpSpPr>
-        <p:sp>
-          <p:nvSpPr>
-            <p:cNvPr id="37" name="TextBox 12">
-              <a:extLst>
-                <a:ext uri="{FF2B5EF4-FFF2-40B4-BE49-F238E27FC236}">
-                  <a16:creationId xmlns:a16="http://schemas.microsoft.com/office/drawing/2014/main" id="{CC605B3B-8172-4BDD-8ACF-0BB1812C5111}"/>
-                </a:ext>
-              </a:extLst>
-            </p:cNvPr>
-            <p:cNvSpPr txBox="1">
-              <a:spLocks noChangeArrowheads="1"/>
-            </p:cNvSpPr>
-            <p:nvPr/>
-          </p:nvSpPr>
-          <p:spPr bwMode="auto">
-            <a:xfrm>
-              <a:off x="7328508" y="2313041"/>
-              <a:ext cx="1403350" cy="261610"/>
-            </a:xfrm>
-            <a:prstGeom prst="rect">
-              <a:avLst/>
-            </a:prstGeom>
-            <a:noFill/>
-            <a:ln>
-              <a:noFill/>
-            </a:ln>
-            <a:extLst>
-              <a:ext uri="{909E8E84-426E-40DD-AFC4-6F175D3DCCD1}">
-                <a14:hiddenFill xmlns:a14="http://schemas.microsoft.com/office/drawing/2010/main">
-                  <a:solidFill>
-                    <a:srgbClr val="FFFFFF"/>
-                  </a:solidFill>
-                </a14:hiddenFill>
-              </a:ext>
-              <a:ext uri="{91240B29-F687-4F45-9708-019B960494DF}">
-                <a14:hiddenLine xmlns:a14="http://schemas.microsoft.com/office/drawing/2010/main" w="9525">
-                  <a:solidFill>
-                    <a:srgbClr val="000000"/>
-                  </a:solidFill>
-                  <a:miter lim="800000"/>
-                  <a:headEnd/>
-                  <a:tailEnd/>
-                </a14:hiddenLine>
-              </a:ext>
-            </a:extLst>
-          </p:spPr>
-          <p:txBody>
-            <a:bodyPr>
-              <a:spAutoFit/>
-            </a:bodyPr>
-            <a:lstStyle>
-              <a:lvl1pPr>
-                <a:defRPr>
-                  <a:solidFill>
-                    <a:schemeClr val="tx1"/>
-                  </a:solidFill>
-                  <a:latin typeface="Calibri" panose="020F0502020204030204" pitchFamily="34" charset="0"/>
-                </a:defRPr>
-              </a:lvl1pPr>
-              <a:lvl2pPr marL="742950" indent="-285750">
-                <a:defRPr>
-                  <a:solidFill>
-                    <a:schemeClr val="tx1"/>
-                  </a:solidFill>
-                  <a:latin typeface="Calibri" panose="020F0502020204030204" pitchFamily="34" charset="0"/>
-                </a:defRPr>
-              </a:lvl2pPr>
-              <a:lvl3pPr marL="1143000" indent="-228600">
-                <a:defRPr>
-                  <a:solidFill>
-                    <a:schemeClr val="tx1"/>
-                  </a:solidFill>
-                  <a:latin typeface="Calibri" panose="020F0502020204030204" pitchFamily="34" charset="0"/>
-                </a:defRPr>
-              </a:lvl3pPr>
-              <a:lvl4pPr marL="1600200" indent="-228600">
-                <a:defRPr>
-                  <a:solidFill>
-                    <a:schemeClr val="tx1"/>
-                  </a:solidFill>
-                  <a:latin typeface="Calibri" panose="020F0502020204030204" pitchFamily="34" charset="0"/>
-                </a:defRPr>
-              </a:lvl4pPr>
-              <a:lvl5pPr marL="2057400" indent="-228600">
-                <a:defRPr>
-                  <a:solidFill>
-                    <a:schemeClr val="tx1"/>
-                  </a:solidFill>
-                  <a:latin typeface="Calibri" panose="020F0502020204030204" pitchFamily="34" charset="0"/>
-                </a:defRPr>
-              </a:lvl5pPr>
-              <a:lvl6pPr marL="2514600" indent="-228600" eaLnBrk="0" fontAlgn="base" hangingPunct="0">
-                <a:spcBef>
-                  <a:spcPct val="0"/>
-                </a:spcBef>
-                <a:spcAft>
-                  <a:spcPct val="0"/>
-                </a:spcAft>
-                <a:defRPr>
-                  <a:solidFill>
-                    <a:schemeClr val="tx1"/>
-                  </a:solidFill>
-                  <a:latin typeface="Calibri" panose="020F0502020204030204" pitchFamily="34" charset="0"/>
-                </a:defRPr>
-              </a:lvl6pPr>
-              <a:lvl7pPr marL="2971800" indent="-228600" eaLnBrk="0" fontAlgn="base" hangingPunct="0">
-                <a:spcBef>
-                  <a:spcPct val="0"/>
-                </a:spcBef>
-                <a:spcAft>
-                  <a:spcPct val="0"/>
-                </a:spcAft>
-                <a:defRPr>
-                  <a:solidFill>
-                    <a:schemeClr val="tx1"/>
-                  </a:solidFill>
-                  <a:latin typeface="Calibri" panose="020F0502020204030204" pitchFamily="34" charset="0"/>
-                </a:defRPr>
-              </a:lvl7pPr>
-              <a:lvl8pPr marL="3429000" indent="-228600" eaLnBrk="0" fontAlgn="base" hangingPunct="0">
-                <a:spcBef>
-                  <a:spcPct val="0"/>
-                </a:spcBef>
-                <a:spcAft>
-                  <a:spcPct val="0"/>
-                </a:spcAft>
-                <a:defRPr>
-                  <a:solidFill>
-                    <a:schemeClr val="tx1"/>
-                  </a:solidFill>
-                  <a:latin typeface="Calibri" panose="020F0502020204030204" pitchFamily="34" charset="0"/>
-                </a:defRPr>
-              </a:lvl8pPr>
-              <a:lvl9pPr marL="3886200" indent="-228600" eaLnBrk="0" fontAlgn="base" hangingPunct="0">
-                <a:spcBef>
-                  <a:spcPct val="0"/>
-                </a:spcBef>
-                <a:spcAft>
-                  <a:spcPct val="0"/>
-                </a:spcAft>
-                <a:defRPr>
-                  <a:solidFill>
-                    <a:schemeClr val="tx1"/>
-                  </a:solidFill>
-                  <a:latin typeface="Calibri" panose="020F0502020204030204" pitchFamily="34" charset="0"/>
-                </a:defRPr>
-              </a:lvl9pPr>
-            </a:lstStyle>
-            <a:p>
-              <a:pPr algn="ctr" eaLnBrk="1" hangingPunct="1"/>
-              <a:r>
-                <a:rPr lang="en-US" altLang="en-US" sz="1100" dirty="0">
-                  <a:latin typeface="Arial" panose="020B0604020202020204" pitchFamily="34" charset="0"/>
-                  <a:ea typeface="Amazon Ember" panose="020B0603020204020204" pitchFamily="34" charset="0"/>
-                  <a:cs typeface="Arial" panose="020B0604020202020204" pitchFamily="34" charset="0"/>
-                </a:rPr>
-                <a:t>Internet gateway</a:t>
-              </a:r>
-            </a:p>
-          </p:txBody>
-        </p:sp>
-        <p:pic>
-          <p:nvPicPr>
-            <p:cNvPr id="38" name="Graphic 10">
-              <a:extLst>
-                <a:ext uri="{FF2B5EF4-FFF2-40B4-BE49-F238E27FC236}">
-                  <a16:creationId xmlns:a16="http://schemas.microsoft.com/office/drawing/2014/main" id="{61A9EAF4-52AD-4EF7-AC86-3E140568A449}"/>
-                </a:ext>
-              </a:extLst>
-            </p:cNvPr>
-            <p:cNvPicPr>
-              <a:picLocks noChangeAspect="1" noChangeArrowheads="1"/>
-            </p:cNvPicPr>
-            <p:nvPr/>
-          </p:nvPicPr>
-          <p:blipFill>
-            <a:blip r:embed="rId16">
-              <a:extLst>
-                <a:ext uri="{28A0092B-C50C-407E-A947-70E740481C1C}">
-                  <a14:useLocalDpi xmlns:a14="http://schemas.microsoft.com/office/drawing/2010/main" val="0"/>
-                </a:ext>
-              </a:extLst>
-            </a:blip>
-            <a:srcRect/>
-            <a:stretch>
-              <a:fillRect/>
-            </a:stretch>
-          </p:blipFill>
-          <p:spPr bwMode="auto">
-            <a:xfrm>
-              <a:off x="7799044" y="1855841"/>
-              <a:ext cx="457200" cy="457200"/>
-            </a:xfrm>
-            <a:prstGeom prst="rect">
-              <a:avLst/>
-            </a:prstGeom>
-            <a:noFill/>
-            <a:ln>
-              <a:noFill/>
-            </a:ln>
-            <a:extLst>
-              <a:ext uri="{909E8E84-426E-40DD-AFC4-6F175D3DCCD1}">
-                <a14:hiddenFill xmlns:a14="http://schemas.microsoft.com/office/drawing/2010/main">
-                  <a:solidFill>
-                    <a:srgbClr val="FFFFFF"/>
-                  </a:solidFill>
-                </a14:hiddenFill>
-              </a:ext>
-              <a:ext uri="{91240B29-F687-4F45-9708-019B960494DF}">
-                <a14:hiddenLine xmlns:a14="http://schemas.microsoft.com/office/drawing/2010/main" w="9525">
-                  <a:solidFill>
-                    <a:srgbClr val="000000"/>
-                  </a:solidFill>
-                  <a:miter lim="800000"/>
-                  <a:headEnd/>
-                  <a:tailEnd/>
-                </a14:hiddenLine>
-              </a:ext>
-            </a:extLst>
-          </p:spPr>
-        </p:pic>
-      </p:grpSp>
-      <p:grpSp>
-        <p:nvGrpSpPr>
-          <p:cNvPr id="39" name="Group 38">
-            <a:extLst>
-              <a:ext uri="{FF2B5EF4-FFF2-40B4-BE49-F238E27FC236}">
-                <a16:creationId xmlns:a16="http://schemas.microsoft.com/office/drawing/2014/main" id="{7E7C3DF2-EFF6-4F79-896B-EB82F2664938}"/>
-              </a:ext>
-            </a:extLst>
-          </p:cNvPr>
-          <p:cNvGrpSpPr/>
-          <p:nvPr/>
-        </p:nvGrpSpPr>
-        <p:grpSpPr>
-          <a:xfrm>
-            <a:off x="11161977" y="4799179"/>
-            <a:ext cx="2292350" cy="1035274"/>
-            <a:chOff x="5799214" y="5995980"/>
-            <a:chExt cx="2292350" cy="1035274"/>
-          </a:xfrm>
-        </p:grpSpPr>
-        <p:pic>
-          <p:nvPicPr>
-            <p:cNvPr id="40" name="Graphic 15">
-              <a:extLst>
-                <a:ext uri="{FF2B5EF4-FFF2-40B4-BE49-F238E27FC236}">
-                  <a16:creationId xmlns:a16="http://schemas.microsoft.com/office/drawing/2014/main" id="{07ABBBD1-F478-4BF2-A722-E895F6B093F5}"/>
-                </a:ext>
-              </a:extLst>
-            </p:cNvPr>
-            <p:cNvPicPr>
-              <a:picLocks noChangeAspect="1" noChangeArrowheads="1"/>
-            </p:cNvPicPr>
-            <p:nvPr/>
-          </p:nvPicPr>
-          <p:blipFill>
-            <a:blip r:embed="rId17">
-              <a:extLst>
-                <a:ext uri="{28A0092B-C50C-407E-A947-70E740481C1C}">
-                  <a14:useLocalDpi xmlns:a14="http://schemas.microsoft.com/office/drawing/2010/main" val="0"/>
-                </a:ext>
-              </a:extLst>
-            </a:blip>
-            <a:srcRect/>
-            <a:stretch>
-              <a:fillRect/>
-            </a:stretch>
-          </p:blipFill>
-          <p:spPr bwMode="auto">
-            <a:xfrm>
-              <a:off x="6685139" y="6440022"/>
-              <a:ext cx="591232" cy="591232"/>
-            </a:xfrm>
-            <a:prstGeom prst="rect">
-              <a:avLst/>
-            </a:prstGeom>
-            <a:noFill/>
-            <a:ln>
-              <a:noFill/>
-            </a:ln>
-            <a:extLst>
-              <a:ext uri="{909E8E84-426E-40DD-AFC4-6F175D3DCCD1}">
-                <a14:hiddenFill xmlns:a14="http://schemas.microsoft.com/office/drawing/2010/main">
-                  <a:solidFill>
-                    <a:srgbClr val="FFFFFF"/>
-                  </a:solidFill>
-                </a14:hiddenFill>
-              </a:ext>
-              <a:ext uri="{91240B29-F687-4F45-9708-019B960494DF}">
-                <a14:hiddenLine xmlns:a14="http://schemas.microsoft.com/office/drawing/2010/main" w="9525">
-                  <a:solidFill>
-                    <a:srgbClr val="000000"/>
-                  </a:solidFill>
-                  <a:miter lim="800000"/>
-                  <a:headEnd/>
-                  <a:tailEnd/>
-                </a14:hiddenLine>
-              </a:ext>
-            </a:extLst>
-          </p:spPr>
-        </p:pic>
-        <p:sp>
-          <p:nvSpPr>
-            <p:cNvPr id="41" name="TextBox 11">
-              <a:extLst>
-                <a:ext uri="{FF2B5EF4-FFF2-40B4-BE49-F238E27FC236}">
-                  <a16:creationId xmlns:a16="http://schemas.microsoft.com/office/drawing/2014/main" id="{FE8DC0DD-81F7-4C7D-90F3-8B3434C31432}"/>
-                </a:ext>
-              </a:extLst>
-            </p:cNvPr>
-            <p:cNvSpPr txBox="1">
-              <a:spLocks noChangeArrowheads="1"/>
-            </p:cNvSpPr>
-            <p:nvPr/>
-          </p:nvSpPr>
-          <p:spPr bwMode="auto">
-            <a:xfrm>
-              <a:off x="5799214" y="5995980"/>
-              <a:ext cx="2292350" cy="461665"/>
-            </a:xfrm>
-            <a:prstGeom prst="rect">
-              <a:avLst/>
-            </a:prstGeom>
-            <a:noFill/>
-            <a:ln>
-              <a:noFill/>
-            </a:ln>
-            <a:extLst>
-              <a:ext uri="{909E8E84-426E-40DD-AFC4-6F175D3DCCD1}">
-                <a14:hiddenFill xmlns:a14="http://schemas.microsoft.com/office/drawing/2010/main">
-                  <a:solidFill>
-                    <a:srgbClr val="FFFFFF"/>
-                  </a:solidFill>
-                </a14:hiddenFill>
-              </a:ext>
-              <a:ext uri="{91240B29-F687-4F45-9708-019B960494DF}">
-                <a14:hiddenLine xmlns:a14="http://schemas.microsoft.com/office/drawing/2010/main" w="9525">
-                  <a:solidFill>
-                    <a:srgbClr val="000000"/>
-                  </a:solidFill>
-                  <a:miter lim="800000"/>
-                  <a:headEnd/>
-                  <a:tailEnd/>
-                </a14:hiddenLine>
-              </a:ext>
-            </a:extLst>
-          </p:spPr>
-          <p:txBody>
-            <a:bodyPr>
-              <a:spAutoFit/>
-            </a:bodyPr>
-            <a:lstStyle>
-              <a:lvl1pPr>
-                <a:defRPr>
-                  <a:solidFill>
-                    <a:schemeClr val="tx1"/>
-                  </a:solidFill>
-                  <a:latin typeface="Calibri" panose="020F0502020204030204" pitchFamily="34" charset="0"/>
-                </a:defRPr>
-              </a:lvl1pPr>
-              <a:lvl2pPr marL="742950" indent="-285750">
-                <a:defRPr>
-                  <a:solidFill>
-                    <a:schemeClr val="tx1"/>
-                  </a:solidFill>
-                  <a:latin typeface="Calibri" panose="020F0502020204030204" pitchFamily="34" charset="0"/>
-                </a:defRPr>
-              </a:lvl2pPr>
-              <a:lvl3pPr marL="1143000" indent="-228600">
-                <a:defRPr>
-                  <a:solidFill>
-                    <a:schemeClr val="tx1"/>
-                  </a:solidFill>
-                  <a:latin typeface="Calibri" panose="020F0502020204030204" pitchFamily="34" charset="0"/>
-                </a:defRPr>
-              </a:lvl3pPr>
-              <a:lvl4pPr marL="1600200" indent="-228600">
-                <a:defRPr>
-                  <a:solidFill>
-                    <a:schemeClr val="tx1"/>
-                  </a:solidFill>
-                  <a:latin typeface="Calibri" panose="020F0502020204030204" pitchFamily="34" charset="0"/>
-                </a:defRPr>
-              </a:lvl4pPr>
-              <a:lvl5pPr marL="2057400" indent="-228600">
-                <a:defRPr>
-                  <a:solidFill>
-                    <a:schemeClr val="tx1"/>
-                  </a:solidFill>
-                  <a:latin typeface="Calibri" panose="020F0502020204030204" pitchFamily="34" charset="0"/>
-                </a:defRPr>
-              </a:lvl5pPr>
-              <a:lvl6pPr marL="2514600" indent="-228600" eaLnBrk="0" fontAlgn="base" hangingPunct="0">
-                <a:spcBef>
-                  <a:spcPct val="0"/>
-                </a:spcBef>
-                <a:spcAft>
-                  <a:spcPct val="0"/>
-                </a:spcAft>
-                <a:defRPr>
-                  <a:solidFill>
-                    <a:schemeClr val="tx1"/>
-                  </a:solidFill>
-                  <a:latin typeface="Calibri" panose="020F0502020204030204" pitchFamily="34" charset="0"/>
-                </a:defRPr>
-              </a:lvl6pPr>
-              <a:lvl7pPr marL="2971800" indent="-228600" eaLnBrk="0" fontAlgn="base" hangingPunct="0">
-                <a:spcBef>
-                  <a:spcPct val="0"/>
-                </a:spcBef>
-                <a:spcAft>
-                  <a:spcPct val="0"/>
-                </a:spcAft>
-                <a:defRPr>
-                  <a:solidFill>
-                    <a:schemeClr val="tx1"/>
-                  </a:solidFill>
-                  <a:latin typeface="Calibri" panose="020F0502020204030204" pitchFamily="34" charset="0"/>
-                </a:defRPr>
-              </a:lvl7pPr>
-              <a:lvl8pPr marL="3429000" indent="-228600" eaLnBrk="0" fontAlgn="base" hangingPunct="0">
-                <a:spcBef>
-                  <a:spcPct val="0"/>
-                </a:spcBef>
-                <a:spcAft>
-                  <a:spcPct val="0"/>
-                </a:spcAft>
-                <a:defRPr>
-                  <a:solidFill>
-                    <a:schemeClr val="tx1"/>
-                  </a:solidFill>
-                  <a:latin typeface="Calibri" panose="020F0502020204030204" pitchFamily="34" charset="0"/>
-                </a:defRPr>
-              </a:lvl8pPr>
-              <a:lvl9pPr marL="3886200" indent="-228600" eaLnBrk="0" fontAlgn="base" hangingPunct="0">
-                <a:spcBef>
-                  <a:spcPct val="0"/>
-                </a:spcBef>
-                <a:spcAft>
-                  <a:spcPct val="0"/>
-                </a:spcAft>
-                <a:defRPr>
-                  <a:solidFill>
-                    <a:schemeClr val="tx1"/>
-                  </a:solidFill>
-                  <a:latin typeface="Calibri" panose="020F0502020204030204" pitchFamily="34" charset="0"/>
-                </a:defRPr>
-              </a:lvl9pPr>
-            </a:lstStyle>
-            <a:p>
-              <a:pPr algn="ctr" eaLnBrk="1" hangingPunct="1"/>
-              <a:r>
-                <a:rPr lang="en-US" altLang="en-US" sz="1200" dirty="0">
-                  <a:latin typeface="Arial" panose="020B0604020202020204" pitchFamily="34" charset="0"/>
-                  <a:ea typeface="Amazon Ember" panose="020B0603020204020204" pitchFamily="34" charset="0"/>
-                  <a:cs typeface="Arial" panose="020B0604020202020204" pitchFamily="34" charset="0"/>
-                </a:rPr>
-                <a:t>Systems Manager</a:t>
-              </a:r>
-            </a:p>
-            <a:p>
-              <a:pPr algn="ctr" eaLnBrk="1" hangingPunct="1"/>
-              <a:r>
-                <a:rPr lang="en-US" altLang="en-US" sz="1200" dirty="0">
-                  <a:latin typeface="Arial" panose="020B0604020202020204" pitchFamily="34" charset="0"/>
-                  <a:ea typeface="Amazon Ember" panose="020B0603020204020204" pitchFamily="34" charset="0"/>
-                  <a:cs typeface="Arial" panose="020B0604020202020204" pitchFamily="34" charset="0"/>
-                </a:rPr>
-                <a:t>Parameter Store</a:t>
-              </a:r>
-            </a:p>
-          </p:txBody>
-        </p:sp>
-      </p:grpSp>
-      <p:pic>
-        <p:nvPicPr>
-          <p:cNvPr id="42" name="Graphic 17">
-            <a:extLst>
-              <a:ext uri="{FF2B5EF4-FFF2-40B4-BE49-F238E27FC236}">
-                <a16:creationId xmlns:a16="http://schemas.microsoft.com/office/drawing/2014/main" id="{57AFB4A0-C204-40D7-A514-3FD2A3691ECF}"/>
-              </a:ext>
-            </a:extLst>
-          </p:cNvPr>
-          <p:cNvPicPr>
-            <a:picLocks noChangeAspect="1" noChangeArrowheads="1"/>
-          </p:cNvPicPr>
-          <p:nvPr/>
-        </p:nvPicPr>
-        <p:blipFill>
-          <a:blip r:embed="rId18">
-            <a:extLst>
-              <a:ext uri="{28A0092B-C50C-407E-A947-70E740481C1C}">
-                <a14:useLocalDpi xmlns:a14="http://schemas.microsoft.com/office/drawing/2010/main" val="0"/>
-              </a:ext>
-            </a:extLst>
-          </a:blip>
-          <a:srcRect/>
-          <a:stretch>
-            <a:fillRect/>
-          </a:stretch>
-        </p:blipFill>
-        <p:spPr bwMode="auto">
-          <a:xfrm>
-            <a:off x="8455332" y="3866856"/>
-            <a:ext cx="381000" cy="381000"/>
-          </a:xfrm>
-          <a:prstGeom prst="rect">
-            <a:avLst/>
-          </a:prstGeom>
-          <a:noFill/>
-          <a:ln>
-            <a:noFill/>
-          </a:ln>
-          <a:extLst>
-            <a:ext uri="{909E8E84-426E-40DD-AFC4-6F175D3DCCD1}">
-              <a14:hiddenFill xmlns:a14="http://schemas.microsoft.com/office/drawing/2010/main">
-                <a:solidFill>
-                  <a:srgbClr val="FFFFFF"/>
-                </a:solidFill>
-              </a14:hiddenFill>
-            </a:ext>
-            <a:ext uri="{91240B29-F687-4F45-9708-019B960494DF}">
-              <a14:hiddenLine xmlns:a14="http://schemas.microsoft.com/office/drawing/2010/main" w="9525">
-                <a:solidFill>
-                  <a:srgbClr val="000000"/>
-                </a:solidFill>
-                <a:miter lim="800000"/>
-                <a:headEnd/>
-                <a:tailEnd/>
-              </a14:hiddenLine>
-            </a:ext>
-          </a:extLst>
-        </p:spPr>
-      </p:pic>
-      <p:grpSp>
-        <p:nvGrpSpPr>
-          <p:cNvPr id="43" name="Group 42">
-            <a:extLst>
-              <a:ext uri="{FF2B5EF4-FFF2-40B4-BE49-F238E27FC236}">
-                <a16:creationId xmlns:a16="http://schemas.microsoft.com/office/drawing/2014/main" id="{217CA4E3-0CD9-4821-86FB-E1B0027CF14C}"/>
-              </a:ext>
-            </a:extLst>
-          </p:cNvPr>
-          <p:cNvGrpSpPr/>
-          <p:nvPr/>
-        </p:nvGrpSpPr>
-        <p:grpSpPr>
-          <a:xfrm>
-            <a:off x="11196003" y="6172733"/>
-            <a:ext cx="2268537" cy="869451"/>
-            <a:chOff x="2223484" y="1075236"/>
-            <a:chExt cx="2268537" cy="869451"/>
-          </a:xfrm>
-        </p:grpSpPr>
-        <p:pic>
-          <p:nvPicPr>
-            <p:cNvPr id="44" name="Graphic 24">
-              <a:extLst>
-                <a:ext uri="{FF2B5EF4-FFF2-40B4-BE49-F238E27FC236}">
-                  <a16:creationId xmlns:a16="http://schemas.microsoft.com/office/drawing/2014/main" id="{CC8EF573-06F0-4A67-8DAB-76C1F2A937EF}"/>
-                </a:ext>
-              </a:extLst>
-            </p:cNvPr>
-            <p:cNvPicPr>
-              <a:picLocks noChangeAspect="1" noChangeArrowheads="1"/>
-            </p:cNvPicPr>
-            <p:nvPr/>
-          </p:nvPicPr>
-          <p:blipFill>
-            <a:blip r:embed="rId19">
-              <a:extLst>
-                <a:ext uri="{28A0092B-C50C-407E-A947-70E740481C1C}">
-                  <a14:useLocalDpi xmlns:a14="http://schemas.microsoft.com/office/drawing/2010/main" val="0"/>
-                </a:ext>
-              </a:extLst>
-            </a:blip>
-            <a:srcRect/>
-            <a:stretch>
-              <a:fillRect/>
-            </a:stretch>
-          </p:blipFill>
-          <p:spPr bwMode="auto">
-            <a:xfrm>
-              <a:off x="3057338" y="1341142"/>
-              <a:ext cx="603545" cy="603545"/>
-            </a:xfrm>
-            <a:prstGeom prst="rect">
-              <a:avLst/>
-            </a:prstGeom>
-            <a:noFill/>
-            <a:ln>
-              <a:noFill/>
-            </a:ln>
-            <a:extLst>
-              <a:ext uri="{909E8E84-426E-40DD-AFC4-6F175D3DCCD1}">
-                <a14:hiddenFill xmlns:a14="http://schemas.microsoft.com/office/drawing/2010/main">
-                  <a:solidFill>
-                    <a:srgbClr val="FFFFFF"/>
-                  </a:solidFill>
-                </a14:hiddenFill>
-              </a:ext>
-              <a:ext uri="{91240B29-F687-4F45-9708-019B960494DF}">
-                <a14:hiddenLine xmlns:a14="http://schemas.microsoft.com/office/drawing/2010/main" w="9525">
-                  <a:solidFill>
-                    <a:srgbClr val="000000"/>
-                  </a:solidFill>
-                  <a:miter lim="800000"/>
-                  <a:headEnd/>
-                  <a:tailEnd/>
-                </a14:hiddenLine>
-              </a:ext>
-            </a:extLst>
-          </p:spPr>
-        </p:pic>
-        <p:sp>
-          <p:nvSpPr>
-            <p:cNvPr id="45" name="TextBox 9">
-              <a:extLst>
-                <a:ext uri="{FF2B5EF4-FFF2-40B4-BE49-F238E27FC236}">
-                  <a16:creationId xmlns:a16="http://schemas.microsoft.com/office/drawing/2014/main" id="{E67E6BCF-7E73-4E07-8711-366D08F78354}"/>
-                </a:ext>
-              </a:extLst>
-            </p:cNvPr>
-            <p:cNvSpPr txBox="1">
-              <a:spLocks noChangeArrowheads="1"/>
-            </p:cNvSpPr>
-            <p:nvPr/>
-          </p:nvSpPr>
-          <p:spPr bwMode="auto">
-            <a:xfrm>
-              <a:off x="2223484" y="1075236"/>
-              <a:ext cx="2268537" cy="276999"/>
-            </a:xfrm>
-            <a:prstGeom prst="rect">
-              <a:avLst/>
-            </a:prstGeom>
-            <a:noFill/>
-            <a:ln>
-              <a:noFill/>
-            </a:ln>
-            <a:extLst>
-              <a:ext uri="{909E8E84-426E-40DD-AFC4-6F175D3DCCD1}">
-                <a14:hiddenFill xmlns:a14="http://schemas.microsoft.com/office/drawing/2010/main">
-                  <a:solidFill>
-                    <a:srgbClr val="FFFFFF"/>
-                  </a:solidFill>
-                </a14:hiddenFill>
-              </a:ext>
-              <a:ext uri="{91240B29-F687-4F45-9708-019B960494DF}">
-                <a14:hiddenLine xmlns:a14="http://schemas.microsoft.com/office/drawing/2010/main" w="9525">
-                  <a:solidFill>
-                    <a:srgbClr val="000000"/>
-                  </a:solidFill>
-                  <a:miter lim="800000"/>
-                  <a:headEnd/>
-                  <a:tailEnd/>
-                </a14:hiddenLine>
-              </a:ext>
-            </a:extLst>
-          </p:spPr>
-          <p:txBody>
-            <a:bodyPr>
-              <a:spAutoFit/>
-            </a:bodyPr>
-            <a:lstStyle>
-              <a:lvl1pPr>
-                <a:defRPr>
-                  <a:solidFill>
-                    <a:schemeClr val="tx1"/>
-                  </a:solidFill>
-                  <a:latin typeface="Calibri" panose="020F0502020204030204" pitchFamily="34" charset="0"/>
-                </a:defRPr>
-              </a:lvl1pPr>
-              <a:lvl2pPr marL="742950" indent="-285750">
-                <a:defRPr>
-                  <a:solidFill>
-                    <a:schemeClr val="tx1"/>
-                  </a:solidFill>
-                  <a:latin typeface="Calibri" panose="020F0502020204030204" pitchFamily="34" charset="0"/>
-                </a:defRPr>
-              </a:lvl2pPr>
-              <a:lvl3pPr marL="1143000" indent="-228600">
-                <a:defRPr>
-                  <a:solidFill>
-                    <a:schemeClr val="tx1"/>
-                  </a:solidFill>
-                  <a:latin typeface="Calibri" panose="020F0502020204030204" pitchFamily="34" charset="0"/>
-                </a:defRPr>
-              </a:lvl3pPr>
-              <a:lvl4pPr marL="1600200" indent="-228600">
-                <a:defRPr>
-                  <a:solidFill>
-                    <a:schemeClr val="tx1"/>
-                  </a:solidFill>
-                  <a:latin typeface="Calibri" panose="020F0502020204030204" pitchFamily="34" charset="0"/>
-                </a:defRPr>
-              </a:lvl4pPr>
-              <a:lvl5pPr marL="2057400" indent="-228600">
-                <a:defRPr>
-                  <a:solidFill>
-                    <a:schemeClr val="tx1"/>
-                  </a:solidFill>
-                  <a:latin typeface="Calibri" panose="020F0502020204030204" pitchFamily="34" charset="0"/>
-                </a:defRPr>
-              </a:lvl5pPr>
-              <a:lvl6pPr marL="2514600" indent="-228600" eaLnBrk="0" fontAlgn="base" hangingPunct="0">
-                <a:spcBef>
-                  <a:spcPct val="0"/>
-                </a:spcBef>
-                <a:spcAft>
-                  <a:spcPct val="0"/>
-                </a:spcAft>
-                <a:defRPr>
-                  <a:solidFill>
-                    <a:schemeClr val="tx1"/>
-                  </a:solidFill>
-                  <a:latin typeface="Calibri" panose="020F0502020204030204" pitchFamily="34" charset="0"/>
-                </a:defRPr>
-              </a:lvl6pPr>
-              <a:lvl7pPr marL="2971800" indent="-228600" eaLnBrk="0" fontAlgn="base" hangingPunct="0">
-                <a:spcBef>
-                  <a:spcPct val="0"/>
-                </a:spcBef>
-                <a:spcAft>
-                  <a:spcPct val="0"/>
-                </a:spcAft>
-                <a:defRPr>
-                  <a:solidFill>
-                    <a:schemeClr val="tx1"/>
-                  </a:solidFill>
-                  <a:latin typeface="Calibri" panose="020F0502020204030204" pitchFamily="34" charset="0"/>
-                </a:defRPr>
-              </a:lvl7pPr>
-              <a:lvl8pPr marL="3429000" indent="-228600" eaLnBrk="0" fontAlgn="base" hangingPunct="0">
-                <a:spcBef>
-                  <a:spcPct val="0"/>
-                </a:spcBef>
-                <a:spcAft>
-                  <a:spcPct val="0"/>
-                </a:spcAft>
-                <a:defRPr>
-                  <a:solidFill>
-                    <a:schemeClr val="tx1"/>
-                  </a:solidFill>
-                  <a:latin typeface="Calibri" panose="020F0502020204030204" pitchFamily="34" charset="0"/>
-                </a:defRPr>
-              </a:lvl8pPr>
-              <a:lvl9pPr marL="3886200" indent="-228600" eaLnBrk="0" fontAlgn="base" hangingPunct="0">
-                <a:spcBef>
-                  <a:spcPct val="0"/>
-                </a:spcBef>
-                <a:spcAft>
-                  <a:spcPct val="0"/>
-                </a:spcAft>
-                <a:defRPr>
-                  <a:solidFill>
-                    <a:schemeClr val="tx1"/>
-                  </a:solidFill>
-                  <a:latin typeface="Calibri" panose="020F0502020204030204" pitchFamily="34" charset="0"/>
-                </a:defRPr>
-              </a:lvl9pPr>
-            </a:lstStyle>
-            <a:p>
-              <a:pPr algn="ctr" eaLnBrk="1" hangingPunct="1"/>
-              <a:r>
-                <a:rPr lang="en-US" altLang="en-US" sz="1200" dirty="0">
-                  <a:latin typeface="Arial" panose="020B0604020202020204" pitchFamily="34" charset="0"/>
-                  <a:ea typeface="Amazon Ember" panose="020B0603020204020204" pitchFamily="34" charset="0"/>
-                  <a:cs typeface="Arial" panose="020B0604020202020204" pitchFamily="34" charset="0"/>
-                </a:rPr>
-                <a:t>Amazon SNS</a:t>
-              </a:r>
-            </a:p>
-          </p:txBody>
-        </p:sp>
-      </p:grpSp>
-      <p:pic>
-        <p:nvPicPr>
-          <p:cNvPr id="46" name="Graphic 60">
-            <a:extLst>
-              <a:ext uri="{FF2B5EF4-FFF2-40B4-BE49-F238E27FC236}">
-                <a16:creationId xmlns:a16="http://schemas.microsoft.com/office/drawing/2014/main" id="{51326D80-4C6A-4E77-875C-0DD4688C334E}"/>
-              </a:ext>
-            </a:extLst>
-          </p:cNvPr>
-          <p:cNvPicPr>
-            <a:picLocks noChangeAspect="1" noChangeArrowheads="1"/>
-          </p:cNvPicPr>
-          <p:nvPr/>
-        </p:nvPicPr>
-        <p:blipFill>
-          <a:blip r:embed="rId13">
-            <a:extLst>
-              <a:ext uri="{28A0092B-C50C-407E-A947-70E740481C1C}">
-                <a14:useLocalDpi xmlns:a14="http://schemas.microsoft.com/office/drawing/2010/main" val="0"/>
-              </a:ext>
-            </a:extLst>
-          </a:blip>
-          <a:srcRect/>
-          <a:stretch>
-            <a:fillRect/>
-          </a:stretch>
-        </p:blipFill>
-        <p:spPr bwMode="auto">
-          <a:xfrm>
-            <a:off x="5426787" y="5715943"/>
-            <a:ext cx="457200" cy="457200"/>
-          </a:xfrm>
-          <a:prstGeom prst="rect">
-            <a:avLst/>
-          </a:prstGeom>
-          <a:noFill/>
-          <a:ln>
-            <a:noFill/>
-          </a:ln>
-          <a:extLst>
-            <a:ext uri="{909E8E84-426E-40DD-AFC4-6F175D3DCCD1}">
-              <a14:hiddenFill xmlns:a14="http://schemas.microsoft.com/office/drawing/2010/main">
-                <a:solidFill>
-                  <a:srgbClr val="FFFFFF"/>
-                </a:solidFill>
-              </a14:hiddenFill>
-            </a:ext>
-            <a:ext uri="{91240B29-F687-4F45-9708-019B960494DF}">
-              <a14:hiddenLine xmlns:a14="http://schemas.microsoft.com/office/drawing/2010/main" w="9525">
-                <a:solidFill>
-                  <a:srgbClr val="000000"/>
-                </a:solidFill>
-                <a:miter lim="800000"/>
-                <a:headEnd/>
-                <a:tailEnd/>
-              </a14:hiddenLine>
-            </a:ext>
-          </a:extLst>
-        </p:spPr>
-      </p:pic>
-      <p:pic>
-        <p:nvPicPr>
-          <p:cNvPr id="47" name="Graphic 13">
-            <a:extLst>
-              <a:ext uri="{FF2B5EF4-FFF2-40B4-BE49-F238E27FC236}">
-                <a16:creationId xmlns:a16="http://schemas.microsoft.com/office/drawing/2014/main" id="{F5AD1851-4457-4089-A214-70EE0AFF59C9}"/>
-              </a:ext>
-            </a:extLst>
-          </p:cNvPr>
-          <p:cNvPicPr>
-            <a:picLocks noChangeAspect="1" noChangeArrowheads="1"/>
-          </p:cNvPicPr>
-          <p:nvPr/>
-        </p:nvPicPr>
-        <p:blipFill>
-          <a:blip r:embed="rId20">
-            <a:extLst>
-              <a:ext uri="{28A0092B-C50C-407E-A947-70E740481C1C}">
-                <a14:useLocalDpi xmlns:a14="http://schemas.microsoft.com/office/drawing/2010/main" val="0"/>
-              </a:ext>
-            </a:extLst>
-          </a:blip>
-          <a:srcRect/>
-          <a:stretch>
-            <a:fillRect/>
-          </a:stretch>
-        </p:blipFill>
-        <p:spPr bwMode="auto">
-          <a:xfrm>
-            <a:off x="8984609" y="4552930"/>
-            <a:ext cx="457200" cy="457200"/>
-          </a:xfrm>
-          <a:prstGeom prst="rect">
-            <a:avLst/>
-          </a:prstGeom>
-          <a:noFill/>
-          <a:ln>
-            <a:noFill/>
-          </a:ln>
-          <a:extLst>
-            <a:ext uri="{909E8E84-426E-40DD-AFC4-6F175D3DCCD1}">
-              <a14:hiddenFill xmlns:a14="http://schemas.microsoft.com/office/drawing/2010/main">
-                <a:solidFill>
-                  <a:srgbClr val="FFFFFF"/>
-                </a:solidFill>
-              </a14:hiddenFill>
-            </a:ext>
-            <a:ext uri="{91240B29-F687-4F45-9708-019B960494DF}">
-              <a14:hiddenLine xmlns:a14="http://schemas.microsoft.com/office/drawing/2010/main" w="9525">
-                <a:solidFill>
-                  <a:srgbClr val="000000"/>
-                </a:solidFill>
-                <a:miter lim="800000"/>
-                <a:headEnd/>
-                <a:tailEnd/>
-              </a14:hiddenLine>
-            </a:ext>
-          </a:extLst>
-        </p:spPr>
-      </p:pic>
-      <p:sp>
-        <p:nvSpPr>
-          <p:cNvPr id="48" name="Rectangle 47">
-            <a:extLst>
-              <a:ext uri="{FF2B5EF4-FFF2-40B4-BE49-F238E27FC236}">
-                <a16:creationId xmlns:a16="http://schemas.microsoft.com/office/drawing/2014/main" id="{F67965C7-6A79-4EDC-9AAE-773A36DE32BC}"/>
-              </a:ext>
-            </a:extLst>
-          </p:cNvPr>
-          <p:cNvSpPr/>
-          <p:nvPr/>
-        </p:nvSpPr>
-        <p:spPr>
-          <a:xfrm>
-            <a:off x="8455332" y="3861435"/>
-            <a:ext cx="2993688" cy="3296263"/>
-          </a:xfrm>
-          <a:prstGeom prst="rect">
-            <a:avLst/>
-          </a:prstGeom>
-          <a:noFill/>
-          <a:ln w="12700">
-            <a:solidFill>
-              <a:srgbClr val="CD2264"/>
-            </a:solidFill>
-          </a:ln>
-        </p:spPr>
-        <p:style>
-          <a:lnRef idx="2">
-            <a:schemeClr val="accent1">
-              <a:shade val="50000"/>
-            </a:schemeClr>
-          </a:lnRef>
-          <a:fillRef idx="1">
-            <a:schemeClr val="accent1"/>
-          </a:fillRef>
-          <a:effectRef idx="0">
-            <a:schemeClr val="accent1"/>
-          </a:effectRef>
-          <a:fontRef idx="minor">
-            <a:schemeClr val="lt1"/>
-          </a:fontRef>
-        </p:style>
-        <p:txBody>
-          <a:bodyPr lIns="502920" tIns="91440"/>
-          <a:lstStyle/>
-          <a:p>
-            <a:pPr eaLnBrk="1" fontAlgn="auto" hangingPunct="1">
-              <a:spcBef>
-                <a:spcPts val="0"/>
-              </a:spcBef>
-              <a:spcAft>
-                <a:spcPts val="0"/>
-              </a:spcAft>
-              <a:defRPr/>
-            </a:pPr>
-            <a:r>
-              <a:rPr lang="en-US" sz="1200" dirty="0">
-                <a:solidFill>
-                  <a:srgbClr val="CD2264"/>
-                </a:solidFill>
-                <a:latin typeface="Arial" panose="020B0604020202020204" pitchFamily="34" charset="0"/>
-                <a:cs typeface="Arial" panose="020B0604020202020204" pitchFamily="34" charset="0"/>
-              </a:rPr>
-              <a:t>Failover State Machine</a:t>
-            </a:r>
-          </a:p>
-        </p:txBody>
-      </p:sp>
-      <p:sp>
-        <p:nvSpPr>
-          <p:cNvPr id="49" name="TextBox 17">
-            <a:extLst>
-              <a:ext uri="{FF2B5EF4-FFF2-40B4-BE49-F238E27FC236}">
-                <a16:creationId xmlns:a16="http://schemas.microsoft.com/office/drawing/2014/main" id="{173BFDAC-9F1C-4F5C-8390-9F1261EC7676}"/>
-              </a:ext>
-            </a:extLst>
-          </p:cNvPr>
-          <p:cNvSpPr txBox="1">
-            <a:spLocks noChangeArrowheads="1"/>
-          </p:cNvSpPr>
-          <p:nvPr/>
-        </p:nvSpPr>
-        <p:spPr bwMode="auto">
-          <a:xfrm>
-            <a:off x="9430066" y="4639499"/>
-            <a:ext cx="2018954" cy="261610"/>
-          </a:xfrm>
-          <a:prstGeom prst="rect">
-            <a:avLst/>
-          </a:prstGeom>
-          <a:noFill/>
-          <a:ln>
-            <a:noFill/>
-          </a:ln>
-          <a:extLst>
-            <a:ext uri="{909E8E84-426E-40DD-AFC4-6F175D3DCCD1}">
-              <a14:hiddenFill xmlns:a14="http://schemas.microsoft.com/office/drawing/2010/main">
-                <a:solidFill>
-                  <a:srgbClr val="FFFFFF"/>
-                </a:solidFill>
-              </a14:hiddenFill>
-            </a:ext>
-            <a:ext uri="{91240B29-F687-4F45-9708-019B960494DF}">
-              <a14:hiddenLine xmlns:a14="http://schemas.microsoft.com/office/drawing/2010/main" w="9525">
-                <a:solidFill>
-                  <a:srgbClr val="000000"/>
-                </a:solidFill>
-                <a:miter lim="800000"/>
-                <a:headEnd/>
-                <a:tailEnd/>
-              </a14:hiddenLine>
-            </a:ext>
-          </a:extLst>
-        </p:spPr>
-        <p:txBody>
-          <a:bodyPr wrap="square">
-            <a:spAutoFit/>
-          </a:bodyPr>
-          <a:lstStyle>
-            <a:lvl1pPr>
-              <a:defRPr>
-                <a:solidFill>
-                  <a:schemeClr val="tx1"/>
-                </a:solidFill>
-                <a:latin typeface="Calibri" panose="020F0502020204030204" pitchFamily="34" charset="0"/>
-              </a:defRPr>
-            </a:lvl1pPr>
-            <a:lvl2pPr marL="742950" indent="-285750">
-              <a:defRPr>
-                <a:solidFill>
-                  <a:schemeClr val="tx1"/>
-                </a:solidFill>
-                <a:latin typeface="Calibri" panose="020F0502020204030204" pitchFamily="34" charset="0"/>
-              </a:defRPr>
-            </a:lvl2pPr>
-            <a:lvl3pPr marL="1143000" indent="-228600">
-              <a:defRPr>
-                <a:solidFill>
-                  <a:schemeClr val="tx1"/>
-                </a:solidFill>
-                <a:latin typeface="Calibri" panose="020F0502020204030204" pitchFamily="34" charset="0"/>
-              </a:defRPr>
-            </a:lvl3pPr>
-            <a:lvl4pPr marL="1600200" indent="-228600">
-              <a:defRPr>
-                <a:solidFill>
-                  <a:schemeClr val="tx1"/>
-                </a:solidFill>
-                <a:latin typeface="Calibri" panose="020F0502020204030204" pitchFamily="34" charset="0"/>
-              </a:defRPr>
-            </a:lvl4pPr>
-            <a:lvl5pPr marL="2057400" indent="-228600">
-              <a:defRPr>
-                <a:solidFill>
-                  <a:schemeClr val="tx1"/>
-                </a:solidFill>
-                <a:latin typeface="Calibri" panose="020F0502020204030204" pitchFamily="34" charset="0"/>
-              </a:defRPr>
-            </a:lvl5pPr>
-            <a:lvl6pPr marL="2514600" indent="-228600" eaLnBrk="0" fontAlgn="base" hangingPunct="0">
-              <a:spcBef>
-                <a:spcPct val="0"/>
-              </a:spcBef>
-              <a:spcAft>
-                <a:spcPct val="0"/>
-              </a:spcAft>
-              <a:defRPr>
-                <a:solidFill>
-                  <a:schemeClr val="tx1"/>
-                </a:solidFill>
-                <a:latin typeface="Calibri" panose="020F0502020204030204" pitchFamily="34" charset="0"/>
-              </a:defRPr>
-            </a:lvl6pPr>
-            <a:lvl7pPr marL="2971800" indent="-228600" eaLnBrk="0" fontAlgn="base" hangingPunct="0">
-              <a:spcBef>
-                <a:spcPct val="0"/>
-              </a:spcBef>
-              <a:spcAft>
-                <a:spcPct val="0"/>
-              </a:spcAft>
-              <a:defRPr>
-                <a:solidFill>
-                  <a:schemeClr val="tx1"/>
-                </a:solidFill>
-                <a:latin typeface="Calibri" panose="020F0502020204030204" pitchFamily="34" charset="0"/>
-              </a:defRPr>
-            </a:lvl7pPr>
-            <a:lvl8pPr marL="3429000" indent="-228600" eaLnBrk="0" fontAlgn="base" hangingPunct="0">
-              <a:spcBef>
-                <a:spcPct val="0"/>
-              </a:spcBef>
-              <a:spcAft>
-                <a:spcPct val="0"/>
-              </a:spcAft>
-              <a:defRPr>
-                <a:solidFill>
-                  <a:schemeClr val="tx1"/>
-                </a:solidFill>
-                <a:latin typeface="Calibri" panose="020F0502020204030204" pitchFamily="34" charset="0"/>
-              </a:defRPr>
-            </a:lvl8pPr>
-            <a:lvl9pPr marL="3886200" indent="-228600" eaLnBrk="0" fontAlgn="base" hangingPunct="0">
-              <a:spcBef>
-                <a:spcPct val="0"/>
-              </a:spcBef>
-              <a:spcAft>
-                <a:spcPct val="0"/>
-              </a:spcAft>
-              <a:defRPr>
-                <a:solidFill>
-                  <a:schemeClr val="tx1"/>
-                </a:solidFill>
-                <a:latin typeface="Calibri" panose="020F0502020204030204" pitchFamily="34" charset="0"/>
-              </a:defRPr>
-            </a:lvl9pPr>
-          </a:lstStyle>
-          <a:p>
-            <a:pPr eaLnBrk="1" hangingPunct="1"/>
-            <a:r>
-              <a:rPr lang="en-US" altLang="en-US" sz="1100" dirty="0">
-                <a:latin typeface="Arial" panose="020B0604020202020204" pitchFamily="34" charset="0"/>
-                <a:ea typeface="Amazon Ember" panose="020B0603020204020204" pitchFamily="34" charset="0"/>
-                <a:cs typeface="Arial" panose="020B0604020202020204" pitchFamily="34" charset="0"/>
-              </a:rPr>
-              <a:t>Check PPAN Status</a:t>
-            </a:r>
-          </a:p>
-        </p:txBody>
-      </p:sp>
-      <p:pic>
-        <p:nvPicPr>
-          <p:cNvPr id="50" name="Graphic 13">
-            <a:extLst>
-              <a:ext uri="{FF2B5EF4-FFF2-40B4-BE49-F238E27FC236}">
-                <a16:creationId xmlns:a16="http://schemas.microsoft.com/office/drawing/2014/main" id="{FABDD04F-530C-41F0-938B-40DD323E68F5}"/>
-              </a:ext>
-            </a:extLst>
-          </p:cNvPr>
-          <p:cNvPicPr>
-            <a:picLocks noChangeAspect="1" noChangeArrowheads="1"/>
-          </p:cNvPicPr>
-          <p:nvPr/>
-        </p:nvPicPr>
-        <p:blipFill>
-          <a:blip r:embed="rId20">
-            <a:extLst>
-              <a:ext uri="{28A0092B-C50C-407E-A947-70E740481C1C}">
-                <a14:useLocalDpi xmlns:a14="http://schemas.microsoft.com/office/drawing/2010/main" val="0"/>
-              </a:ext>
-            </a:extLst>
-          </a:blip>
-          <a:srcRect/>
-          <a:stretch>
-            <a:fillRect/>
-          </a:stretch>
-        </p:blipFill>
-        <p:spPr bwMode="auto">
-          <a:xfrm>
-            <a:off x="8984609" y="5237382"/>
-            <a:ext cx="457200" cy="457200"/>
-          </a:xfrm>
-          <a:prstGeom prst="rect">
-            <a:avLst/>
-          </a:prstGeom>
-          <a:noFill/>
-          <a:ln>
-            <a:noFill/>
-          </a:ln>
-          <a:extLst>
-            <a:ext uri="{909E8E84-426E-40DD-AFC4-6F175D3DCCD1}">
-              <a14:hiddenFill xmlns:a14="http://schemas.microsoft.com/office/drawing/2010/main">
-                <a:solidFill>
-                  <a:srgbClr val="FFFFFF"/>
-                </a:solidFill>
-              </a14:hiddenFill>
-            </a:ext>
-            <a:ext uri="{91240B29-F687-4F45-9708-019B960494DF}">
-              <a14:hiddenLine xmlns:a14="http://schemas.microsoft.com/office/drawing/2010/main" w="9525">
-                <a:solidFill>
-                  <a:srgbClr val="000000"/>
-                </a:solidFill>
-                <a:miter lim="800000"/>
-                <a:headEnd/>
-                <a:tailEnd/>
-              </a14:hiddenLine>
-            </a:ext>
-          </a:extLst>
-        </p:spPr>
-      </p:pic>
-      <p:sp>
-        <p:nvSpPr>
-          <p:cNvPr id="51" name="TextBox 17">
-            <a:extLst>
-              <a:ext uri="{FF2B5EF4-FFF2-40B4-BE49-F238E27FC236}">
-                <a16:creationId xmlns:a16="http://schemas.microsoft.com/office/drawing/2014/main" id="{09C4909E-229A-44EF-ADEB-08000F6BB0F5}"/>
-              </a:ext>
-            </a:extLst>
-          </p:cNvPr>
-          <p:cNvSpPr txBox="1">
-            <a:spLocks noChangeArrowheads="1"/>
-          </p:cNvSpPr>
-          <p:nvPr/>
-        </p:nvSpPr>
-        <p:spPr bwMode="auto">
-          <a:xfrm>
-            <a:off x="9430066" y="5323951"/>
-            <a:ext cx="1604964" cy="430887"/>
-          </a:xfrm>
-          <a:prstGeom prst="rect">
-            <a:avLst/>
-          </a:prstGeom>
-          <a:noFill/>
-          <a:ln>
-            <a:noFill/>
-          </a:ln>
-          <a:extLst>
-            <a:ext uri="{909E8E84-426E-40DD-AFC4-6F175D3DCCD1}">
-              <a14:hiddenFill xmlns:a14="http://schemas.microsoft.com/office/drawing/2010/main">
-                <a:solidFill>
-                  <a:srgbClr val="FFFFFF"/>
-                </a:solidFill>
-              </a14:hiddenFill>
-            </a:ext>
-            <a:ext uri="{91240B29-F687-4F45-9708-019B960494DF}">
-              <a14:hiddenLine xmlns:a14="http://schemas.microsoft.com/office/drawing/2010/main" w="9525">
-                <a:solidFill>
-                  <a:srgbClr val="000000"/>
-                </a:solidFill>
-                <a:miter lim="800000"/>
-                <a:headEnd/>
-                <a:tailEnd/>
-              </a14:hiddenLine>
-            </a:ext>
-          </a:extLst>
-        </p:spPr>
-        <p:txBody>
-          <a:bodyPr wrap="square">
-            <a:spAutoFit/>
-          </a:bodyPr>
-          <a:lstStyle>
-            <a:lvl1pPr>
-              <a:defRPr>
-                <a:solidFill>
-                  <a:schemeClr val="tx1"/>
-                </a:solidFill>
-                <a:latin typeface="Calibri" panose="020F0502020204030204" pitchFamily="34" charset="0"/>
-              </a:defRPr>
-            </a:lvl1pPr>
-            <a:lvl2pPr marL="742950" indent="-285750">
-              <a:defRPr>
-                <a:solidFill>
-                  <a:schemeClr val="tx1"/>
-                </a:solidFill>
-                <a:latin typeface="Calibri" panose="020F0502020204030204" pitchFamily="34" charset="0"/>
-              </a:defRPr>
-            </a:lvl2pPr>
-            <a:lvl3pPr marL="1143000" indent="-228600">
-              <a:defRPr>
-                <a:solidFill>
-                  <a:schemeClr val="tx1"/>
-                </a:solidFill>
-                <a:latin typeface="Calibri" panose="020F0502020204030204" pitchFamily="34" charset="0"/>
-              </a:defRPr>
-            </a:lvl3pPr>
-            <a:lvl4pPr marL="1600200" indent="-228600">
-              <a:defRPr>
-                <a:solidFill>
-                  <a:schemeClr val="tx1"/>
-                </a:solidFill>
-                <a:latin typeface="Calibri" panose="020F0502020204030204" pitchFamily="34" charset="0"/>
-              </a:defRPr>
-            </a:lvl4pPr>
-            <a:lvl5pPr marL="2057400" indent="-228600">
-              <a:defRPr>
-                <a:solidFill>
-                  <a:schemeClr val="tx1"/>
-                </a:solidFill>
-                <a:latin typeface="Calibri" panose="020F0502020204030204" pitchFamily="34" charset="0"/>
-              </a:defRPr>
-            </a:lvl5pPr>
-            <a:lvl6pPr marL="2514600" indent="-228600" eaLnBrk="0" fontAlgn="base" hangingPunct="0">
-              <a:spcBef>
-                <a:spcPct val="0"/>
-              </a:spcBef>
-              <a:spcAft>
-                <a:spcPct val="0"/>
-              </a:spcAft>
-              <a:defRPr>
-                <a:solidFill>
-                  <a:schemeClr val="tx1"/>
-                </a:solidFill>
-                <a:latin typeface="Calibri" panose="020F0502020204030204" pitchFamily="34" charset="0"/>
-              </a:defRPr>
-            </a:lvl6pPr>
-            <a:lvl7pPr marL="2971800" indent="-228600" eaLnBrk="0" fontAlgn="base" hangingPunct="0">
-              <a:spcBef>
-                <a:spcPct val="0"/>
-              </a:spcBef>
-              <a:spcAft>
-                <a:spcPct val="0"/>
-              </a:spcAft>
-              <a:defRPr>
-                <a:solidFill>
-                  <a:schemeClr val="tx1"/>
-                </a:solidFill>
-                <a:latin typeface="Calibri" panose="020F0502020204030204" pitchFamily="34" charset="0"/>
-              </a:defRPr>
-            </a:lvl7pPr>
-            <a:lvl8pPr marL="3429000" indent="-228600" eaLnBrk="0" fontAlgn="base" hangingPunct="0">
-              <a:spcBef>
-                <a:spcPct val="0"/>
-              </a:spcBef>
-              <a:spcAft>
-                <a:spcPct val="0"/>
-              </a:spcAft>
-              <a:defRPr>
-                <a:solidFill>
-                  <a:schemeClr val="tx1"/>
-                </a:solidFill>
-                <a:latin typeface="Calibri" panose="020F0502020204030204" pitchFamily="34" charset="0"/>
-              </a:defRPr>
-            </a:lvl8pPr>
-            <a:lvl9pPr marL="3886200" indent="-228600" eaLnBrk="0" fontAlgn="base" hangingPunct="0">
-              <a:spcBef>
-                <a:spcPct val="0"/>
-              </a:spcBef>
-              <a:spcAft>
-                <a:spcPct val="0"/>
-              </a:spcAft>
-              <a:defRPr>
-                <a:solidFill>
-                  <a:schemeClr val="tx1"/>
-                </a:solidFill>
-                <a:latin typeface="Calibri" panose="020F0502020204030204" pitchFamily="34" charset="0"/>
-              </a:defRPr>
-            </a:lvl9pPr>
-          </a:lstStyle>
-          <a:p>
-            <a:pPr eaLnBrk="1" hangingPunct="1"/>
-            <a:r>
-              <a:rPr lang="en-US" altLang="en-US" sz="1100" dirty="0">
-                <a:latin typeface="Arial" panose="020B0604020202020204" pitchFamily="34" charset="0"/>
-                <a:ea typeface="Amazon Ember" panose="020B0603020204020204" pitchFamily="34" charset="0"/>
-                <a:cs typeface="Arial" panose="020B0604020202020204" pitchFamily="34" charset="0"/>
-              </a:rPr>
-              <a:t>Check SPAN Gateway Status</a:t>
-            </a:r>
-          </a:p>
-        </p:txBody>
-      </p:sp>
-      <p:pic>
-        <p:nvPicPr>
-          <p:cNvPr id="52" name="Graphic 13">
-            <a:extLst>
-              <a:ext uri="{FF2B5EF4-FFF2-40B4-BE49-F238E27FC236}">
-                <a16:creationId xmlns:a16="http://schemas.microsoft.com/office/drawing/2014/main" id="{B0EBDC7F-589C-4DC9-8FA8-F1D71784516A}"/>
-              </a:ext>
-            </a:extLst>
-          </p:cNvPr>
-          <p:cNvPicPr>
-            <a:picLocks noChangeAspect="1" noChangeArrowheads="1"/>
-          </p:cNvPicPr>
-          <p:nvPr/>
-        </p:nvPicPr>
-        <p:blipFill>
-          <a:blip r:embed="rId20">
-            <a:extLst>
-              <a:ext uri="{28A0092B-C50C-407E-A947-70E740481C1C}">
-                <a14:useLocalDpi xmlns:a14="http://schemas.microsoft.com/office/drawing/2010/main" val="0"/>
-              </a:ext>
-            </a:extLst>
-          </a:blip>
-          <a:srcRect/>
-          <a:stretch>
-            <a:fillRect/>
-          </a:stretch>
-        </p:blipFill>
-        <p:spPr bwMode="auto">
-          <a:xfrm>
-            <a:off x="8997309" y="5859682"/>
-            <a:ext cx="457200" cy="457200"/>
-          </a:xfrm>
-          <a:prstGeom prst="rect">
-            <a:avLst/>
-          </a:prstGeom>
-          <a:noFill/>
-          <a:ln>
-            <a:noFill/>
-          </a:ln>
-          <a:extLst>
-            <a:ext uri="{909E8E84-426E-40DD-AFC4-6F175D3DCCD1}">
-              <a14:hiddenFill xmlns:a14="http://schemas.microsoft.com/office/drawing/2010/main">
-                <a:solidFill>
-                  <a:srgbClr val="FFFFFF"/>
-                </a:solidFill>
-              </a14:hiddenFill>
-            </a:ext>
-            <a:ext uri="{91240B29-F687-4F45-9708-019B960494DF}">
-              <a14:hiddenLine xmlns:a14="http://schemas.microsoft.com/office/drawing/2010/main" w="9525">
-                <a:solidFill>
-                  <a:srgbClr val="000000"/>
-                </a:solidFill>
-                <a:miter lim="800000"/>
-                <a:headEnd/>
-                <a:tailEnd/>
-              </a14:hiddenLine>
-            </a:ext>
-          </a:extLst>
-        </p:spPr>
-      </p:pic>
-      <p:sp>
-        <p:nvSpPr>
-          <p:cNvPr id="53" name="TextBox 17">
-            <a:extLst>
-              <a:ext uri="{FF2B5EF4-FFF2-40B4-BE49-F238E27FC236}">
-                <a16:creationId xmlns:a16="http://schemas.microsoft.com/office/drawing/2014/main" id="{313EF820-F973-4E08-A582-13160CAB4034}"/>
-              </a:ext>
-            </a:extLst>
-          </p:cNvPr>
-          <p:cNvSpPr txBox="1">
-            <a:spLocks noChangeArrowheads="1"/>
-          </p:cNvSpPr>
-          <p:nvPr/>
-        </p:nvSpPr>
-        <p:spPr bwMode="auto">
-          <a:xfrm>
-            <a:off x="9442766" y="5946251"/>
-            <a:ext cx="2018954" cy="261610"/>
-          </a:xfrm>
-          <a:prstGeom prst="rect">
-            <a:avLst/>
-          </a:prstGeom>
-          <a:noFill/>
-          <a:ln>
-            <a:noFill/>
-          </a:ln>
-          <a:extLst>
-            <a:ext uri="{909E8E84-426E-40DD-AFC4-6F175D3DCCD1}">
-              <a14:hiddenFill xmlns:a14="http://schemas.microsoft.com/office/drawing/2010/main">
-                <a:solidFill>
-                  <a:srgbClr val="FFFFFF"/>
-                </a:solidFill>
-              </a14:hiddenFill>
-            </a:ext>
-            <a:ext uri="{91240B29-F687-4F45-9708-019B960494DF}">
-              <a14:hiddenLine xmlns:a14="http://schemas.microsoft.com/office/drawing/2010/main" w="9525">
-                <a:solidFill>
-                  <a:srgbClr val="000000"/>
-                </a:solidFill>
-                <a:miter lim="800000"/>
-                <a:headEnd/>
-                <a:tailEnd/>
-              </a14:hiddenLine>
-            </a:ext>
-          </a:extLst>
-        </p:spPr>
-        <p:txBody>
-          <a:bodyPr wrap="square">
-            <a:spAutoFit/>
-          </a:bodyPr>
-          <a:lstStyle>
-            <a:lvl1pPr>
-              <a:defRPr>
-                <a:solidFill>
-                  <a:schemeClr val="tx1"/>
-                </a:solidFill>
-                <a:latin typeface="Calibri" panose="020F0502020204030204" pitchFamily="34" charset="0"/>
-              </a:defRPr>
-            </a:lvl1pPr>
-            <a:lvl2pPr marL="742950" indent="-285750">
-              <a:defRPr>
-                <a:solidFill>
-                  <a:schemeClr val="tx1"/>
-                </a:solidFill>
-                <a:latin typeface="Calibri" panose="020F0502020204030204" pitchFamily="34" charset="0"/>
-              </a:defRPr>
-            </a:lvl2pPr>
-            <a:lvl3pPr marL="1143000" indent="-228600">
-              <a:defRPr>
-                <a:solidFill>
-                  <a:schemeClr val="tx1"/>
-                </a:solidFill>
-                <a:latin typeface="Calibri" panose="020F0502020204030204" pitchFamily="34" charset="0"/>
-              </a:defRPr>
-            </a:lvl3pPr>
-            <a:lvl4pPr marL="1600200" indent="-228600">
-              <a:defRPr>
-                <a:solidFill>
-                  <a:schemeClr val="tx1"/>
-                </a:solidFill>
-                <a:latin typeface="Calibri" panose="020F0502020204030204" pitchFamily="34" charset="0"/>
-              </a:defRPr>
-            </a:lvl4pPr>
-            <a:lvl5pPr marL="2057400" indent="-228600">
-              <a:defRPr>
-                <a:solidFill>
-                  <a:schemeClr val="tx1"/>
-                </a:solidFill>
-                <a:latin typeface="Calibri" panose="020F0502020204030204" pitchFamily="34" charset="0"/>
-              </a:defRPr>
-            </a:lvl5pPr>
-            <a:lvl6pPr marL="2514600" indent="-228600" eaLnBrk="0" fontAlgn="base" hangingPunct="0">
-              <a:spcBef>
-                <a:spcPct val="0"/>
-              </a:spcBef>
-              <a:spcAft>
-                <a:spcPct val="0"/>
-              </a:spcAft>
-              <a:defRPr>
-                <a:solidFill>
-                  <a:schemeClr val="tx1"/>
-                </a:solidFill>
-                <a:latin typeface="Calibri" panose="020F0502020204030204" pitchFamily="34" charset="0"/>
-              </a:defRPr>
-            </a:lvl6pPr>
-            <a:lvl7pPr marL="2971800" indent="-228600" eaLnBrk="0" fontAlgn="base" hangingPunct="0">
-              <a:spcBef>
-                <a:spcPct val="0"/>
-              </a:spcBef>
-              <a:spcAft>
-                <a:spcPct val="0"/>
-              </a:spcAft>
-              <a:defRPr>
-                <a:solidFill>
-                  <a:schemeClr val="tx1"/>
-                </a:solidFill>
-                <a:latin typeface="Calibri" panose="020F0502020204030204" pitchFamily="34" charset="0"/>
-              </a:defRPr>
-            </a:lvl7pPr>
-            <a:lvl8pPr marL="3429000" indent="-228600" eaLnBrk="0" fontAlgn="base" hangingPunct="0">
-              <a:spcBef>
-                <a:spcPct val="0"/>
-              </a:spcBef>
-              <a:spcAft>
-                <a:spcPct val="0"/>
-              </a:spcAft>
-              <a:defRPr>
-                <a:solidFill>
-                  <a:schemeClr val="tx1"/>
-                </a:solidFill>
-                <a:latin typeface="Calibri" panose="020F0502020204030204" pitchFamily="34" charset="0"/>
-              </a:defRPr>
-            </a:lvl8pPr>
-            <a:lvl9pPr marL="3886200" indent="-228600" eaLnBrk="0" fontAlgn="base" hangingPunct="0">
-              <a:spcBef>
-                <a:spcPct val="0"/>
-              </a:spcBef>
-              <a:spcAft>
-                <a:spcPct val="0"/>
-              </a:spcAft>
-              <a:defRPr>
-                <a:solidFill>
-                  <a:schemeClr val="tx1"/>
-                </a:solidFill>
-                <a:latin typeface="Calibri" panose="020F0502020204030204" pitchFamily="34" charset="0"/>
-              </a:defRPr>
-            </a:lvl9pPr>
-          </a:lstStyle>
-          <a:p>
-            <a:pPr eaLnBrk="1" hangingPunct="1"/>
-            <a:r>
-              <a:rPr lang="en-US" altLang="en-US" sz="1100" dirty="0">
-                <a:latin typeface="Arial" panose="020B0604020202020204" pitchFamily="34" charset="0"/>
-                <a:ea typeface="Amazon Ember" panose="020B0603020204020204" pitchFamily="34" charset="0"/>
-                <a:cs typeface="Arial" panose="020B0604020202020204" pitchFamily="34" charset="0"/>
-              </a:rPr>
-              <a:t>Perform Failover</a:t>
-            </a:r>
-          </a:p>
-        </p:txBody>
-      </p:sp>
-      <p:pic>
-        <p:nvPicPr>
-          <p:cNvPr id="54" name="Graphic 13">
-            <a:extLst>
-              <a:ext uri="{FF2B5EF4-FFF2-40B4-BE49-F238E27FC236}">
-                <a16:creationId xmlns:a16="http://schemas.microsoft.com/office/drawing/2014/main" id="{FFD03BDB-1FD0-487F-84CF-5FBC80BABF74}"/>
-              </a:ext>
-            </a:extLst>
-          </p:cNvPr>
-          <p:cNvPicPr>
-            <a:picLocks noChangeAspect="1" noChangeArrowheads="1"/>
-          </p:cNvPicPr>
-          <p:nvPr/>
-        </p:nvPicPr>
-        <p:blipFill>
-          <a:blip r:embed="rId20">
-            <a:extLst>
-              <a:ext uri="{28A0092B-C50C-407E-A947-70E740481C1C}">
-                <a14:useLocalDpi xmlns:a14="http://schemas.microsoft.com/office/drawing/2010/main" val="0"/>
-              </a:ext>
-            </a:extLst>
-          </a:blip>
-          <a:srcRect/>
-          <a:stretch>
-            <a:fillRect/>
-          </a:stretch>
-        </p:blipFill>
-        <p:spPr bwMode="auto">
-          <a:xfrm>
-            <a:off x="9010009" y="6521430"/>
-            <a:ext cx="457200" cy="457200"/>
-          </a:xfrm>
-          <a:prstGeom prst="rect">
-            <a:avLst/>
-          </a:prstGeom>
-          <a:noFill/>
-          <a:ln>
-            <a:noFill/>
-          </a:ln>
-          <a:extLst>
-            <a:ext uri="{909E8E84-426E-40DD-AFC4-6F175D3DCCD1}">
-              <a14:hiddenFill xmlns:a14="http://schemas.microsoft.com/office/drawing/2010/main">
-                <a:solidFill>
-                  <a:srgbClr val="FFFFFF"/>
-                </a:solidFill>
-              </a14:hiddenFill>
-            </a:ext>
-            <a:ext uri="{91240B29-F687-4F45-9708-019B960494DF}">
-              <a14:hiddenLine xmlns:a14="http://schemas.microsoft.com/office/drawing/2010/main" w="9525">
-                <a:solidFill>
-                  <a:srgbClr val="000000"/>
-                </a:solidFill>
-                <a:miter lim="800000"/>
-                <a:headEnd/>
-                <a:tailEnd/>
-              </a14:hiddenLine>
-            </a:ext>
-          </a:extLst>
-        </p:spPr>
-      </p:pic>
-      <p:sp>
-        <p:nvSpPr>
-          <p:cNvPr id="55" name="TextBox 17">
-            <a:extLst>
-              <a:ext uri="{FF2B5EF4-FFF2-40B4-BE49-F238E27FC236}">
-                <a16:creationId xmlns:a16="http://schemas.microsoft.com/office/drawing/2014/main" id="{E852B8D1-8927-44D7-B387-E41FAB73449C}"/>
-              </a:ext>
-            </a:extLst>
-          </p:cNvPr>
-          <p:cNvSpPr txBox="1">
-            <a:spLocks noChangeArrowheads="1"/>
-          </p:cNvSpPr>
-          <p:nvPr/>
-        </p:nvSpPr>
-        <p:spPr bwMode="auto">
-          <a:xfrm>
-            <a:off x="9455466" y="6607999"/>
-            <a:ext cx="1848804" cy="261610"/>
-          </a:xfrm>
-          <a:prstGeom prst="rect">
-            <a:avLst/>
-          </a:prstGeom>
-          <a:noFill/>
-          <a:ln>
-            <a:noFill/>
-          </a:ln>
-          <a:extLst>
-            <a:ext uri="{909E8E84-426E-40DD-AFC4-6F175D3DCCD1}">
-              <a14:hiddenFill xmlns:a14="http://schemas.microsoft.com/office/drawing/2010/main">
-                <a:solidFill>
-                  <a:srgbClr val="FFFFFF"/>
-                </a:solidFill>
-              </a14:hiddenFill>
-            </a:ext>
-            <a:ext uri="{91240B29-F687-4F45-9708-019B960494DF}">
-              <a14:hiddenLine xmlns:a14="http://schemas.microsoft.com/office/drawing/2010/main" w="9525">
-                <a:solidFill>
-                  <a:srgbClr val="000000"/>
-                </a:solidFill>
-                <a:miter lim="800000"/>
-                <a:headEnd/>
-                <a:tailEnd/>
-              </a14:hiddenLine>
-            </a:ext>
-          </a:extLst>
-        </p:spPr>
-        <p:txBody>
-          <a:bodyPr wrap="square">
-            <a:spAutoFit/>
-          </a:bodyPr>
-          <a:lstStyle>
-            <a:lvl1pPr>
-              <a:defRPr>
-                <a:solidFill>
-                  <a:schemeClr val="tx1"/>
-                </a:solidFill>
-                <a:latin typeface="Calibri" panose="020F0502020204030204" pitchFamily="34" charset="0"/>
-              </a:defRPr>
-            </a:lvl1pPr>
-            <a:lvl2pPr marL="742950" indent="-285750">
-              <a:defRPr>
-                <a:solidFill>
-                  <a:schemeClr val="tx1"/>
-                </a:solidFill>
-                <a:latin typeface="Calibri" panose="020F0502020204030204" pitchFamily="34" charset="0"/>
-              </a:defRPr>
-            </a:lvl2pPr>
-            <a:lvl3pPr marL="1143000" indent="-228600">
-              <a:defRPr>
-                <a:solidFill>
-                  <a:schemeClr val="tx1"/>
-                </a:solidFill>
-                <a:latin typeface="Calibri" panose="020F0502020204030204" pitchFamily="34" charset="0"/>
-              </a:defRPr>
-            </a:lvl3pPr>
-            <a:lvl4pPr marL="1600200" indent="-228600">
-              <a:defRPr>
-                <a:solidFill>
-                  <a:schemeClr val="tx1"/>
-                </a:solidFill>
-                <a:latin typeface="Calibri" panose="020F0502020204030204" pitchFamily="34" charset="0"/>
-              </a:defRPr>
-            </a:lvl4pPr>
-            <a:lvl5pPr marL="2057400" indent="-228600">
-              <a:defRPr>
-                <a:solidFill>
-                  <a:schemeClr val="tx1"/>
-                </a:solidFill>
-                <a:latin typeface="Calibri" panose="020F0502020204030204" pitchFamily="34" charset="0"/>
-              </a:defRPr>
-            </a:lvl5pPr>
-            <a:lvl6pPr marL="2514600" indent="-228600" eaLnBrk="0" fontAlgn="base" hangingPunct="0">
-              <a:spcBef>
-                <a:spcPct val="0"/>
-              </a:spcBef>
-              <a:spcAft>
-                <a:spcPct val="0"/>
-              </a:spcAft>
-              <a:defRPr>
-                <a:solidFill>
-                  <a:schemeClr val="tx1"/>
-                </a:solidFill>
-                <a:latin typeface="Calibri" panose="020F0502020204030204" pitchFamily="34" charset="0"/>
-              </a:defRPr>
-            </a:lvl6pPr>
-            <a:lvl7pPr marL="2971800" indent="-228600" eaLnBrk="0" fontAlgn="base" hangingPunct="0">
-              <a:spcBef>
-                <a:spcPct val="0"/>
-              </a:spcBef>
-              <a:spcAft>
-                <a:spcPct val="0"/>
-              </a:spcAft>
-              <a:defRPr>
-                <a:solidFill>
-                  <a:schemeClr val="tx1"/>
-                </a:solidFill>
-                <a:latin typeface="Calibri" panose="020F0502020204030204" pitchFamily="34" charset="0"/>
-              </a:defRPr>
-            </a:lvl7pPr>
-            <a:lvl8pPr marL="3429000" indent="-228600" eaLnBrk="0" fontAlgn="base" hangingPunct="0">
-              <a:spcBef>
-                <a:spcPct val="0"/>
-              </a:spcBef>
-              <a:spcAft>
-                <a:spcPct val="0"/>
-              </a:spcAft>
-              <a:defRPr>
-                <a:solidFill>
-                  <a:schemeClr val="tx1"/>
-                </a:solidFill>
-                <a:latin typeface="Calibri" panose="020F0502020204030204" pitchFamily="34" charset="0"/>
-              </a:defRPr>
-            </a:lvl8pPr>
-            <a:lvl9pPr marL="3886200" indent="-228600" eaLnBrk="0" fontAlgn="base" hangingPunct="0">
-              <a:spcBef>
-                <a:spcPct val="0"/>
-              </a:spcBef>
-              <a:spcAft>
-                <a:spcPct val="0"/>
-              </a:spcAft>
-              <a:defRPr>
-                <a:solidFill>
-                  <a:schemeClr val="tx1"/>
-                </a:solidFill>
-                <a:latin typeface="Calibri" panose="020F0502020204030204" pitchFamily="34" charset="0"/>
-              </a:defRPr>
-            </a:lvl9pPr>
-          </a:lstStyle>
-          <a:p>
-            <a:pPr eaLnBrk="1" hangingPunct="1"/>
-            <a:r>
-              <a:rPr lang="en-US" altLang="en-US" sz="1100" dirty="0">
-                <a:latin typeface="Arial" panose="020B0604020202020204" pitchFamily="34" charset="0"/>
-                <a:ea typeface="Amazon Ember" panose="020B0603020204020204" pitchFamily="34" charset="0"/>
-                <a:cs typeface="Arial" panose="020B0604020202020204" pitchFamily="34" charset="0"/>
-              </a:rPr>
-              <a:t>Check Failover Successful</a:t>
-            </a:r>
-          </a:p>
-        </p:txBody>
-      </p:sp>
-      <p:pic>
-        <p:nvPicPr>
-          <p:cNvPr id="56" name="Graphic 13">
-            <a:extLst>
-              <a:ext uri="{FF2B5EF4-FFF2-40B4-BE49-F238E27FC236}">
-                <a16:creationId xmlns:a16="http://schemas.microsoft.com/office/drawing/2014/main" id="{52C8C3F1-03EF-4024-946A-C4EF54924DA5}"/>
-              </a:ext>
-            </a:extLst>
-          </p:cNvPr>
-          <p:cNvPicPr>
-            <a:picLocks noChangeAspect="1" noChangeArrowheads="1"/>
-          </p:cNvPicPr>
-          <p:nvPr/>
-        </p:nvPicPr>
-        <p:blipFill>
-          <a:blip r:embed="rId20">
-            <a:extLst>
-              <a:ext uri="{28A0092B-C50C-407E-A947-70E740481C1C}">
-                <a14:useLocalDpi xmlns:a14="http://schemas.microsoft.com/office/drawing/2010/main" val="0"/>
-              </a:ext>
-            </a:extLst>
-          </a:blip>
-          <a:srcRect/>
-          <a:stretch>
-            <a:fillRect/>
-          </a:stretch>
-        </p:blipFill>
-        <p:spPr bwMode="auto">
-          <a:xfrm>
-            <a:off x="7418521" y="3827053"/>
-            <a:ext cx="457200" cy="457200"/>
-          </a:xfrm>
-          <a:prstGeom prst="rect">
-            <a:avLst/>
-          </a:prstGeom>
-          <a:noFill/>
-          <a:ln>
-            <a:noFill/>
-          </a:ln>
-          <a:extLst>
-            <a:ext uri="{909E8E84-426E-40DD-AFC4-6F175D3DCCD1}">
-              <a14:hiddenFill xmlns:a14="http://schemas.microsoft.com/office/drawing/2010/main">
-                <a:solidFill>
-                  <a:srgbClr val="FFFFFF"/>
-                </a:solidFill>
-              </a14:hiddenFill>
-            </a:ext>
-            <a:ext uri="{91240B29-F687-4F45-9708-019B960494DF}">
-              <a14:hiddenLine xmlns:a14="http://schemas.microsoft.com/office/drawing/2010/main" w="9525">
-                <a:solidFill>
-                  <a:srgbClr val="000000"/>
-                </a:solidFill>
-                <a:miter lim="800000"/>
-                <a:headEnd/>
-                <a:tailEnd/>
-              </a14:hiddenLine>
-            </a:ext>
-          </a:extLst>
-        </p:spPr>
-      </p:pic>
-      <p:sp>
-        <p:nvSpPr>
-          <p:cNvPr id="57" name="TextBox 9">
-            <a:extLst>
-              <a:ext uri="{FF2B5EF4-FFF2-40B4-BE49-F238E27FC236}">
-                <a16:creationId xmlns:a16="http://schemas.microsoft.com/office/drawing/2014/main" id="{8691360A-5083-4C33-B770-11894945F8FB}"/>
-              </a:ext>
-            </a:extLst>
-          </p:cNvPr>
-          <p:cNvSpPr txBox="1">
-            <a:spLocks noChangeArrowheads="1"/>
-          </p:cNvSpPr>
-          <p:nvPr/>
-        </p:nvSpPr>
-        <p:spPr bwMode="auto">
-          <a:xfrm>
-            <a:off x="6839404" y="4224045"/>
-            <a:ext cx="1645920" cy="461665"/>
-          </a:xfrm>
-          <a:prstGeom prst="rect">
-            <a:avLst/>
-          </a:prstGeom>
-          <a:noFill/>
-          <a:ln>
-            <a:noFill/>
-          </a:ln>
-          <a:extLst>
-            <a:ext uri="{909E8E84-426E-40DD-AFC4-6F175D3DCCD1}">
-              <a14:hiddenFill xmlns:a14="http://schemas.microsoft.com/office/drawing/2010/main">
-                <a:solidFill>
-                  <a:srgbClr val="FFFFFF"/>
-                </a:solidFill>
-              </a14:hiddenFill>
-            </a:ext>
-            <a:ext uri="{91240B29-F687-4F45-9708-019B960494DF}">
-              <a14:hiddenLine xmlns:a14="http://schemas.microsoft.com/office/drawing/2010/main" w="9525">
-                <a:solidFill>
-                  <a:srgbClr val="000000"/>
-                </a:solidFill>
-                <a:miter lim="800000"/>
-                <a:headEnd/>
-                <a:tailEnd/>
-              </a14:hiddenLine>
-            </a:ext>
-          </a:extLst>
-        </p:spPr>
-        <p:txBody>
-          <a:bodyPr wrap="square">
-            <a:spAutoFit/>
-          </a:bodyPr>
-          <a:lstStyle>
-            <a:lvl1pPr>
-              <a:defRPr>
-                <a:solidFill>
-                  <a:schemeClr val="tx1"/>
-                </a:solidFill>
-                <a:latin typeface="Calibri" panose="020F0502020204030204" pitchFamily="34" charset="0"/>
-              </a:defRPr>
-            </a:lvl1pPr>
-            <a:lvl2pPr marL="742950" indent="-285750">
-              <a:defRPr>
-                <a:solidFill>
-                  <a:schemeClr val="tx1"/>
-                </a:solidFill>
-                <a:latin typeface="Calibri" panose="020F0502020204030204" pitchFamily="34" charset="0"/>
-              </a:defRPr>
-            </a:lvl2pPr>
-            <a:lvl3pPr marL="1143000" indent="-228600">
-              <a:defRPr>
-                <a:solidFill>
-                  <a:schemeClr val="tx1"/>
-                </a:solidFill>
-                <a:latin typeface="Calibri" panose="020F0502020204030204" pitchFamily="34" charset="0"/>
-              </a:defRPr>
-            </a:lvl3pPr>
-            <a:lvl4pPr marL="1600200" indent="-228600">
-              <a:defRPr>
-                <a:solidFill>
-                  <a:schemeClr val="tx1"/>
-                </a:solidFill>
-                <a:latin typeface="Calibri" panose="020F0502020204030204" pitchFamily="34" charset="0"/>
-              </a:defRPr>
-            </a:lvl4pPr>
-            <a:lvl5pPr marL="2057400" indent="-228600">
-              <a:defRPr>
-                <a:solidFill>
-                  <a:schemeClr val="tx1"/>
-                </a:solidFill>
-                <a:latin typeface="Calibri" panose="020F0502020204030204" pitchFamily="34" charset="0"/>
-              </a:defRPr>
-            </a:lvl5pPr>
-            <a:lvl6pPr marL="2514600" indent="-228600" eaLnBrk="0" fontAlgn="base" hangingPunct="0">
-              <a:spcBef>
-                <a:spcPct val="0"/>
-              </a:spcBef>
-              <a:spcAft>
-                <a:spcPct val="0"/>
-              </a:spcAft>
-              <a:defRPr>
-                <a:solidFill>
-                  <a:schemeClr val="tx1"/>
-                </a:solidFill>
-                <a:latin typeface="Calibri" panose="020F0502020204030204" pitchFamily="34" charset="0"/>
-              </a:defRPr>
-            </a:lvl6pPr>
-            <a:lvl7pPr marL="2971800" indent="-228600" eaLnBrk="0" fontAlgn="base" hangingPunct="0">
-              <a:spcBef>
-                <a:spcPct val="0"/>
-              </a:spcBef>
-              <a:spcAft>
-                <a:spcPct val="0"/>
-              </a:spcAft>
-              <a:defRPr>
-                <a:solidFill>
-                  <a:schemeClr val="tx1"/>
-                </a:solidFill>
-                <a:latin typeface="Calibri" panose="020F0502020204030204" pitchFamily="34" charset="0"/>
-              </a:defRPr>
-            </a:lvl7pPr>
-            <a:lvl8pPr marL="3429000" indent="-228600" eaLnBrk="0" fontAlgn="base" hangingPunct="0">
-              <a:spcBef>
-                <a:spcPct val="0"/>
-              </a:spcBef>
-              <a:spcAft>
-                <a:spcPct val="0"/>
-              </a:spcAft>
-              <a:defRPr>
-                <a:solidFill>
-                  <a:schemeClr val="tx1"/>
-                </a:solidFill>
-                <a:latin typeface="Calibri" panose="020F0502020204030204" pitchFamily="34" charset="0"/>
-              </a:defRPr>
-            </a:lvl8pPr>
-            <a:lvl9pPr marL="3886200" indent="-228600" eaLnBrk="0" fontAlgn="base" hangingPunct="0">
-              <a:spcBef>
-                <a:spcPct val="0"/>
-              </a:spcBef>
-              <a:spcAft>
-                <a:spcPct val="0"/>
-              </a:spcAft>
-              <a:defRPr>
-                <a:solidFill>
-                  <a:schemeClr val="tx1"/>
-                </a:solidFill>
-                <a:latin typeface="Calibri" panose="020F0502020204030204" pitchFamily="34" charset="0"/>
-              </a:defRPr>
-            </a:lvl9pPr>
-          </a:lstStyle>
-          <a:p>
-            <a:pPr algn="ctr" eaLnBrk="1" hangingPunct="1"/>
-            <a:r>
-              <a:rPr lang="en-US" altLang="en-US" sz="1200" dirty="0">
-                <a:latin typeface="Arial" panose="020B0604020202020204" pitchFamily="34" charset="0"/>
-                <a:ea typeface="Amazon Ember" panose="020B0603020204020204" pitchFamily="34" charset="0"/>
-                <a:cs typeface="Arial" panose="020B0604020202020204" pitchFamily="34" charset="0"/>
-              </a:rPr>
-              <a:t>Trigger</a:t>
-            </a:r>
-          </a:p>
-          <a:p>
-            <a:pPr algn="ctr" eaLnBrk="1" hangingPunct="1"/>
-            <a:r>
-              <a:rPr lang="en-US" altLang="en-US" sz="1200" dirty="0">
-                <a:latin typeface="Arial" panose="020B0604020202020204" pitchFamily="34" charset="0"/>
-                <a:ea typeface="Amazon Ember" panose="020B0603020204020204" pitchFamily="34" charset="0"/>
-                <a:cs typeface="Arial" panose="020B0604020202020204" pitchFamily="34" charset="0"/>
-              </a:rPr>
-              <a:t>Failover</a:t>
-            </a:r>
-          </a:p>
-        </p:txBody>
-      </p:sp>
       <p:cxnSp>
         <p:nvCxnSpPr>
-          <p:cNvPr id="58" name="Straight Arrow Connector 57">
+          <p:cNvPr id="58" name="Elbow Connector 10">
             <a:extLst>
               <a:ext uri="{FF2B5EF4-FFF2-40B4-BE49-F238E27FC236}">
-                <a16:creationId xmlns:a16="http://schemas.microsoft.com/office/drawing/2014/main" id="{45961524-6D40-46B9-95AD-915B9DE63F19}"/>
+                <a16:creationId xmlns:a16="http://schemas.microsoft.com/office/drawing/2014/main" id="{61B3F07B-EDEF-4D12-AC9D-31E24E5CF09E}"/>
               </a:ext>
             </a:extLst>
           </p:cNvPr>
           <p:cNvCxnSpPr>
             <a:cxnSpLocks/>
-            <a:stCxn id="35" idx="2"/>
-            <a:endCxn id="56" idx="0"/>
+            <a:stCxn id="66" idx="3"/>
+            <a:endCxn id="75" idx="0"/>
           </p:cNvCxnSpPr>
           <p:nvPr/>
         </p:nvCxnSpPr>
         <p:spPr>
           <a:xfrm>
-            <a:off x="7645149" y="3317649"/>
-            <a:ext cx="1972" cy="509404"/>
-          </a:xfrm>
-          <a:prstGeom prst="straightConnector1">
+            <a:off x="10510580" y="3154728"/>
+            <a:ext cx="433727" cy="2496391"/>
+          </a:xfrm>
+          <a:prstGeom prst="bentConnector2">
             <a:avLst/>
           </a:prstGeom>
           <a:ln w="12700">
@@ -22822,37 +17997,32 @@
       </p:cxnSp>
       <p:cxnSp>
         <p:nvCxnSpPr>
-          <p:cNvPr id="59" name="Elbow Connector 75">
+          <p:cNvPr id="59" name="Straight Arrow Connector 58">
             <a:extLst>
               <a:ext uri="{FF2B5EF4-FFF2-40B4-BE49-F238E27FC236}">
-                <a16:creationId xmlns:a16="http://schemas.microsoft.com/office/drawing/2014/main" id="{B4079AD5-2F3E-45B9-8CD1-ADCF621263F4}"/>
+                <a16:creationId xmlns:a16="http://schemas.microsoft.com/office/drawing/2014/main" id="{ED724596-7714-4B2F-B5A4-E66F9C80C635}"/>
               </a:ext>
             </a:extLst>
           </p:cNvPr>
           <p:cNvCxnSpPr>
             <a:cxnSpLocks/>
-            <a:stCxn id="47" idx="1"/>
-            <a:endCxn id="29" idx="2"/>
           </p:cNvCxnSpPr>
           <p:nvPr/>
         </p:nvCxnSpPr>
         <p:spPr>
-          <a:xfrm rot="10800000" flipV="1">
-            <a:off x="2797667" y="4781530"/>
-            <a:ext cx="6186942" cy="1796792"/>
-          </a:xfrm>
-          <a:prstGeom prst="bentConnector4">
-            <a:avLst>
-              <a:gd name="adj1" fmla="val 22502"/>
-              <a:gd name="adj2" fmla="val 112723"/>
-            </a:avLst>
+          <a:xfrm>
+            <a:off x="10510580" y="4767313"/>
+            <a:ext cx="430849" cy="0"/>
+          </a:xfrm>
+          <a:prstGeom prst="straightConnector1">
+            <a:avLst/>
           </a:prstGeom>
           <a:ln w="12700">
             <a:solidFill>
               <a:srgbClr val="545B64"/>
             </a:solidFill>
             <a:headEnd type="none" w="med" len="sm"/>
-            <a:tailEnd type="arrow" w="med" len="sm"/>
+            <a:tailEnd type="none" w="med" len="sm"/>
           </a:ln>
         </p:spPr>
         <p:style>
@@ -22870,295 +18040,106 @@
           </a:fontRef>
         </p:style>
       </p:cxnSp>
-      <p:cxnSp>
-        <p:nvCxnSpPr>
-          <p:cNvPr id="60" name="Straight Arrow Connector 59">
+      <p:sp>
+        <p:nvSpPr>
+          <p:cNvPr id="60" name="Freeform 35">
             <a:extLst>
               <a:ext uri="{FF2B5EF4-FFF2-40B4-BE49-F238E27FC236}">
-                <a16:creationId xmlns:a16="http://schemas.microsoft.com/office/drawing/2014/main" id="{6328483B-29B0-4CB8-90D0-AC2858C0FB62}"/>
+                <a16:creationId xmlns:a16="http://schemas.microsoft.com/office/drawing/2014/main" id="{1EEE20BE-FAD7-4B95-B104-2724256217D8}"/>
               </a:ext>
             </a:extLst>
           </p:cNvPr>
-          <p:cNvCxnSpPr>
-            <a:cxnSpLocks/>
-          </p:cNvCxnSpPr>
+          <p:cNvSpPr/>
           <p:nvPr/>
-        </p:nvCxnSpPr>
+        </p:nvSpPr>
         <p:spPr>
-          <a:xfrm flipH="1">
-            <a:off x="3004873" y="5184955"/>
-            <a:ext cx="885347" cy="552871"/>
-          </a:xfrm>
-          <a:prstGeom prst="straightConnector1">
+          <a:xfrm rot="5400000" flipH="1" flipV="1">
+            <a:off x="10160283" y="4850620"/>
+            <a:ext cx="232809" cy="1329482"/>
+          </a:xfrm>
+          <a:custGeom>
             <a:avLst/>
-          </a:prstGeom>
+            <a:gdLst>
+              <a:gd name="connsiteX0" fmla="*/ 1371600 w 1371600"/>
+              <a:gd name="connsiteY0" fmla="*/ 711200 h 711200"/>
+              <a:gd name="connsiteX1" fmla="*/ 1371600 w 1371600"/>
+              <a:gd name="connsiteY1" fmla="*/ 0 h 711200"/>
+              <a:gd name="connsiteX2" fmla="*/ 0 w 1371600"/>
+              <a:gd name="connsiteY2" fmla="*/ 0 h 711200"/>
+            </a:gdLst>
+            <a:ahLst/>
+            <a:cxnLst>
+              <a:cxn ang="0">
+                <a:pos x="connsiteX0" y="connsiteY0"/>
+              </a:cxn>
+              <a:cxn ang="0">
+                <a:pos x="connsiteX1" y="connsiteY1"/>
+              </a:cxn>
+              <a:cxn ang="0">
+                <a:pos x="connsiteX2" y="connsiteY2"/>
+              </a:cxn>
+            </a:cxnLst>
+            <a:rect l="l" t="t" r="r" b="b"/>
+            <a:pathLst>
+              <a:path w="1371600" h="711200">
+                <a:moveTo>
+                  <a:pt x="1371600" y="711200"/>
+                </a:moveTo>
+                <a:lnTo>
+                  <a:pt x="1371600" y="0"/>
+                </a:lnTo>
+                <a:lnTo>
+                  <a:pt x="0" y="0"/>
+                </a:lnTo>
+              </a:path>
+            </a:pathLst>
+          </a:custGeom>
+          <a:noFill/>
           <a:ln w="12700">
             <a:solidFill>
-              <a:srgbClr val="545B64"/>
+              <a:schemeClr val="tx2"/>
             </a:solidFill>
             <a:headEnd type="none" w="med" len="sm"/>
             <a:tailEnd type="arrow" w="med" len="sm"/>
           </a:ln>
         </p:spPr>
         <p:style>
-          <a:lnRef idx="1">
-            <a:schemeClr val="accent1"/>
+          <a:lnRef idx="2">
+            <a:schemeClr val="accent1">
+              <a:shade val="50000"/>
+            </a:schemeClr>
           </a:lnRef>
-          <a:fillRef idx="0">
+          <a:fillRef idx="1">
             <a:schemeClr val="accent1"/>
           </a:fillRef>
           <a:effectRef idx="0">
             <a:schemeClr val="accent1"/>
           </a:effectRef>
           <a:fontRef idx="minor">
-            <a:schemeClr val="tx1"/>
+            <a:schemeClr val="lt1"/>
           </a:fontRef>
         </p:style>
-      </p:cxnSp>
-      <p:cxnSp>
-        <p:nvCxnSpPr>
-          <p:cNvPr id="61" name="Straight Arrow Connector 60">
-            <a:extLst>
-              <a:ext uri="{FF2B5EF4-FFF2-40B4-BE49-F238E27FC236}">
-                <a16:creationId xmlns:a16="http://schemas.microsoft.com/office/drawing/2014/main" id="{2C7CF650-1730-4844-B730-B19672A7F768}"/>
-              </a:ext>
-            </a:extLst>
-          </p:cNvPr>
-          <p:cNvCxnSpPr>
-            <a:cxnSpLocks/>
-            <a:stCxn id="56" idx="3"/>
-            <a:endCxn id="42" idx="1"/>
-          </p:cNvCxnSpPr>
-          <p:nvPr/>
-        </p:nvCxnSpPr>
-        <p:spPr>
-          <a:xfrm>
-            <a:off x="7875721" y="4055653"/>
-            <a:ext cx="579611" cy="1703"/>
-          </a:xfrm>
-          <a:prstGeom prst="straightConnector1">
-            <a:avLst/>
-          </a:prstGeom>
-          <a:ln w="12700">
-            <a:solidFill>
-              <a:srgbClr val="545B64"/>
-            </a:solidFill>
-            <a:headEnd type="none" w="med" len="sm"/>
-            <a:tailEnd type="arrow" w="med" len="sm"/>
-          </a:ln>
-        </p:spPr>
-        <p:style>
-          <a:lnRef idx="1">
-            <a:schemeClr val="accent1"/>
-          </a:lnRef>
-          <a:fillRef idx="0">
-            <a:schemeClr val="accent1"/>
-          </a:fillRef>
-          <a:effectRef idx="0">
-            <a:schemeClr val="accent1"/>
-          </a:effectRef>
-          <a:fontRef idx="minor">
-            <a:schemeClr val="tx1"/>
-          </a:fontRef>
-        </p:style>
-      </p:cxnSp>
-      <p:cxnSp>
-        <p:nvCxnSpPr>
-          <p:cNvPr id="62" name="Elbow Connector 83">
-            <a:extLst>
-              <a:ext uri="{FF2B5EF4-FFF2-40B4-BE49-F238E27FC236}">
-                <a16:creationId xmlns:a16="http://schemas.microsoft.com/office/drawing/2014/main" id="{A21129DC-A5C2-445E-847D-2D3950A185CC}"/>
-              </a:ext>
-            </a:extLst>
-          </p:cNvPr>
-          <p:cNvCxnSpPr>
-            <a:cxnSpLocks/>
-            <a:stCxn id="55" idx="3"/>
-            <a:endCxn id="40" idx="1"/>
-          </p:cNvCxnSpPr>
-          <p:nvPr/>
-        </p:nvCxnSpPr>
-        <p:spPr>
-          <a:xfrm flipV="1">
-            <a:off x="11304270" y="5538837"/>
-            <a:ext cx="743632" cy="1199967"/>
-          </a:xfrm>
-          <a:prstGeom prst="bentConnector3">
-            <a:avLst>
-              <a:gd name="adj1" fmla="val 50000"/>
-            </a:avLst>
-          </a:prstGeom>
-          <a:ln w="12700">
-            <a:solidFill>
-              <a:srgbClr val="545B64"/>
-            </a:solidFill>
-            <a:headEnd type="none" w="med" len="sm"/>
-            <a:tailEnd type="arrow" w="med" len="sm"/>
-          </a:ln>
-        </p:spPr>
-        <p:style>
-          <a:lnRef idx="1">
-            <a:schemeClr val="accent1"/>
-          </a:lnRef>
-          <a:fillRef idx="0">
-            <a:schemeClr val="accent1"/>
-          </a:fillRef>
-          <a:effectRef idx="0">
-            <a:schemeClr val="accent1"/>
-          </a:effectRef>
-          <a:fontRef idx="minor">
-            <a:schemeClr val="tx1"/>
-          </a:fontRef>
-        </p:style>
-      </p:cxnSp>
-      <p:cxnSp>
-        <p:nvCxnSpPr>
-          <p:cNvPr id="63" name="Elbow Connector 84">
-            <a:extLst>
-              <a:ext uri="{FF2B5EF4-FFF2-40B4-BE49-F238E27FC236}">
-                <a16:creationId xmlns:a16="http://schemas.microsoft.com/office/drawing/2014/main" id="{C98B6732-8CF7-4495-9C2B-C8942092DB75}"/>
-              </a:ext>
-            </a:extLst>
-          </p:cNvPr>
-          <p:cNvCxnSpPr>
-            <a:cxnSpLocks/>
-            <a:stCxn id="51" idx="3"/>
-            <a:endCxn id="44" idx="1"/>
-          </p:cNvCxnSpPr>
-          <p:nvPr/>
-        </p:nvCxnSpPr>
-        <p:spPr>
-          <a:xfrm>
-            <a:off x="11035030" y="5539395"/>
-            <a:ext cx="994827" cy="1201017"/>
-          </a:xfrm>
-          <a:prstGeom prst="bentConnector3">
-            <a:avLst>
-              <a:gd name="adj1" fmla="val 64043"/>
-            </a:avLst>
-          </a:prstGeom>
-          <a:ln w="12700">
-            <a:solidFill>
-              <a:srgbClr val="545B64"/>
-            </a:solidFill>
-            <a:headEnd type="none" w="med" len="sm"/>
-            <a:tailEnd type="arrow" w="med" len="sm"/>
-          </a:ln>
-        </p:spPr>
-        <p:style>
-          <a:lnRef idx="1">
-            <a:schemeClr val="accent1"/>
-          </a:lnRef>
-          <a:fillRef idx="0">
-            <a:schemeClr val="accent1"/>
-          </a:fillRef>
-          <a:effectRef idx="0">
-            <a:schemeClr val="accent1"/>
-          </a:effectRef>
-          <a:fontRef idx="minor">
-            <a:schemeClr val="tx1"/>
-          </a:fontRef>
-        </p:style>
-      </p:cxnSp>
-      <p:cxnSp>
-        <p:nvCxnSpPr>
-          <p:cNvPr id="64" name="Elbow Connector 113">
-            <a:extLst>
-              <a:ext uri="{FF2B5EF4-FFF2-40B4-BE49-F238E27FC236}">
-                <a16:creationId xmlns:a16="http://schemas.microsoft.com/office/drawing/2014/main" id="{DF2A399C-F8B4-4A02-AF37-B8916B35B051}"/>
-              </a:ext>
-            </a:extLst>
-          </p:cNvPr>
-          <p:cNvCxnSpPr>
-            <a:cxnSpLocks/>
-            <a:stCxn id="50" idx="1"/>
-            <a:endCxn id="30" idx="2"/>
-          </p:cNvCxnSpPr>
-          <p:nvPr/>
-        </p:nvCxnSpPr>
-        <p:spPr>
-          <a:xfrm rot="10800000" flipV="1">
-            <a:off x="5651787" y="5465981"/>
-            <a:ext cx="3332823" cy="1114721"/>
-          </a:xfrm>
-          <a:prstGeom prst="bentConnector4">
-            <a:avLst>
-              <a:gd name="adj1" fmla="val 41632"/>
-              <a:gd name="adj2" fmla="val 120507"/>
-            </a:avLst>
-          </a:prstGeom>
-          <a:ln w="12700">
-            <a:solidFill>
-              <a:srgbClr val="545B64"/>
-            </a:solidFill>
-            <a:headEnd type="none" w="med" len="sm"/>
-            <a:tailEnd type="arrow" w="med" len="sm"/>
-          </a:ln>
-        </p:spPr>
-        <p:style>
-          <a:lnRef idx="1">
-            <a:schemeClr val="accent1"/>
-          </a:lnRef>
-          <a:fillRef idx="0">
-            <a:schemeClr val="accent1"/>
-          </a:fillRef>
-          <a:effectRef idx="0">
-            <a:schemeClr val="accent1"/>
-          </a:effectRef>
-          <a:fontRef idx="minor">
-            <a:schemeClr val="tx1"/>
-          </a:fontRef>
-        </p:style>
-      </p:cxnSp>
-      <p:cxnSp>
-        <p:nvCxnSpPr>
-          <p:cNvPr id="65" name="Straight Arrow Connector 64">
-            <a:extLst>
-              <a:ext uri="{FF2B5EF4-FFF2-40B4-BE49-F238E27FC236}">
-                <a16:creationId xmlns:a16="http://schemas.microsoft.com/office/drawing/2014/main" id="{236796BB-D799-4576-92A7-6FECF7B7B4FA}"/>
-              </a:ext>
-            </a:extLst>
-          </p:cNvPr>
-          <p:cNvCxnSpPr>
-            <a:cxnSpLocks/>
-          </p:cNvCxnSpPr>
-          <p:nvPr/>
-        </p:nvCxnSpPr>
-        <p:spPr>
-          <a:xfrm>
-            <a:off x="4628730" y="5182575"/>
-            <a:ext cx="809947" cy="572263"/>
-          </a:xfrm>
-          <a:prstGeom prst="straightConnector1">
-            <a:avLst/>
-          </a:prstGeom>
-          <a:ln w="12700">
-            <a:solidFill>
-              <a:srgbClr val="545B64"/>
-            </a:solidFill>
-            <a:headEnd type="none" w="med" len="sm"/>
-            <a:tailEnd type="arrow" w="med" len="sm"/>
-          </a:ln>
-        </p:spPr>
-        <p:style>
-          <a:lnRef idx="1">
-            <a:schemeClr val="accent1"/>
-          </a:lnRef>
-          <a:fillRef idx="0">
-            <a:schemeClr val="accent1"/>
-          </a:fillRef>
-          <a:effectRef idx="0">
-            <a:schemeClr val="accent1"/>
-          </a:effectRef>
-          <a:fontRef idx="minor">
-            <a:schemeClr val="tx1"/>
-          </a:fontRef>
-        </p:style>
-      </p:cxnSp>
+        <p:txBody>
+          <a:bodyPr anchor="ctr"/>
+          <a:lstStyle/>
+          <a:p>
+            <a:pPr algn="ctr" eaLnBrk="1" fontAlgn="auto" hangingPunct="1">
+              <a:spcBef>
+                <a:spcPts val="0"/>
+              </a:spcBef>
+              <a:spcAft>
+                <a:spcPts val="0"/>
+              </a:spcAft>
+              <a:defRPr/>
+            </a:pPr>
+            <a:endParaRPr lang="en-US" dirty="0"/>
+          </a:p>
+        </p:txBody>
+      </p:sp>
     </p:spTree>
     <p:extLst>
       <p:ext uri="{BB962C8B-B14F-4D97-AF65-F5344CB8AC3E}">
-        <p14:creationId xmlns:p14="http://schemas.microsoft.com/office/powerpoint/2010/main" val="830985789"/>
+        <p14:creationId xmlns:p14="http://schemas.microsoft.com/office/powerpoint/2010/main" val="1680958257"/>
       </p:ext>
     </p:extLst>
   </p:cSld>

--- a/docs/deployment_guide/images/quickstart-cisco-ise-on-aws-architecture-diagram.pptx
+++ b/docs/deployment_guide/images/quickstart-cisco-ise-on-aws-architecture-diagram.pptx
@@ -17220,7 +17220,7 @@
         </p:blipFill>
         <p:spPr bwMode="auto">
           <a:xfrm>
-            <a:off x="10563307" y="5651119"/>
+            <a:off x="10491116" y="5651119"/>
             <a:ext cx="762000" cy="762000"/>
           </a:xfrm>
           <a:prstGeom prst="rect">
@@ -17267,7 +17267,7 @@
         </p:nvSpPr>
         <p:spPr bwMode="auto">
           <a:xfrm>
-            <a:off x="10313439" y="6398127"/>
+            <a:off x="10241248" y="6398127"/>
             <a:ext cx="1261736" cy="276999"/>
           </a:xfrm>
           <a:prstGeom prst="rect">
@@ -17967,7 +17967,7 @@
         <p:spPr>
           <a:xfrm>
             <a:off x="10510580" y="3154728"/>
-            <a:ext cx="433727" cy="2496391"/>
+            <a:ext cx="361536" cy="2496391"/>
           </a:xfrm>
           <a:prstGeom prst="bentConnector2">
             <a:avLst/>
@@ -18012,7 +18012,7 @@
         <p:spPr>
           <a:xfrm>
             <a:off x="10510580" y="4767313"/>
-            <a:ext cx="430849" cy="0"/>
+            <a:ext cx="361536" cy="0"/>
           </a:xfrm>
           <a:prstGeom prst="straightConnector1">
             <a:avLst/>
@@ -18054,8 +18054,8 @@
         </p:nvSpPr>
         <p:spPr>
           <a:xfrm rot="5400000" flipH="1" flipV="1">
-            <a:off x="10160283" y="4850620"/>
-            <a:ext cx="232809" cy="1329482"/>
+            <a:off x="10125628" y="4885275"/>
+            <a:ext cx="232809" cy="1260171"/>
           </a:xfrm>
           <a:custGeom>
             <a:avLst/>

--- a/docs/deployment_guide/images/quickstart-cisco-ise-on-aws-architecture-diagram.pptx
+++ b/docs/deployment_guide/images/quickstart-cisco-ise-on-aws-architecture-diagram.pptx
@@ -314,7 +314,7 @@
           <a:p>
             <a:fld id="{67B29D9A-71F8-4AE8-9BC0-98DBCD8DFFBB}" type="datetimeFigureOut">
               <a:rPr lang="en-US" smtClean="0"/>
-              <a:t>11/3/2022</a:t>
+              <a:t>11/4/2022</a:t>
             </a:fld>
             <a:endParaRPr lang="en-US"/>
           </a:p>
@@ -484,7 +484,7 @@
           <a:p>
             <a:fld id="{67B29D9A-71F8-4AE8-9BC0-98DBCD8DFFBB}" type="datetimeFigureOut">
               <a:rPr lang="en-US" smtClean="0"/>
-              <a:t>11/3/2022</a:t>
+              <a:t>11/4/2022</a:t>
             </a:fld>
             <a:endParaRPr lang="en-US"/>
           </a:p>
@@ -664,7 +664,7 @@
           <a:p>
             <a:fld id="{67B29D9A-71F8-4AE8-9BC0-98DBCD8DFFBB}" type="datetimeFigureOut">
               <a:rPr lang="en-US" smtClean="0"/>
-              <a:t>11/3/2022</a:t>
+              <a:t>11/4/2022</a:t>
             </a:fld>
             <a:endParaRPr lang="en-US"/>
           </a:p>
@@ -834,7 +834,7 @@
           <a:p>
             <a:fld id="{67B29D9A-71F8-4AE8-9BC0-98DBCD8DFFBB}" type="datetimeFigureOut">
               <a:rPr lang="en-US" smtClean="0"/>
-              <a:t>11/3/2022</a:t>
+              <a:t>11/4/2022</a:t>
             </a:fld>
             <a:endParaRPr lang="en-US"/>
           </a:p>
@@ -1078,7 +1078,7 @@
           <a:p>
             <a:fld id="{67B29D9A-71F8-4AE8-9BC0-98DBCD8DFFBB}" type="datetimeFigureOut">
               <a:rPr lang="en-US" smtClean="0"/>
-              <a:t>11/3/2022</a:t>
+              <a:t>11/4/2022</a:t>
             </a:fld>
             <a:endParaRPr lang="en-US"/>
           </a:p>
@@ -1310,7 +1310,7 @@
           <a:p>
             <a:fld id="{67B29D9A-71F8-4AE8-9BC0-98DBCD8DFFBB}" type="datetimeFigureOut">
               <a:rPr lang="en-US" smtClean="0"/>
-              <a:t>11/3/2022</a:t>
+              <a:t>11/4/2022</a:t>
             </a:fld>
             <a:endParaRPr lang="en-US"/>
           </a:p>
@@ -1677,7 +1677,7 @@
           <a:p>
             <a:fld id="{67B29D9A-71F8-4AE8-9BC0-98DBCD8DFFBB}" type="datetimeFigureOut">
               <a:rPr lang="en-US" smtClean="0"/>
-              <a:t>11/3/2022</a:t>
+              <a:t>11/4/2022</a:t>
             </a:fld>
             <a:endParaRPr lang="en-US"/>
           </a:p>
@@ -1795,7 +1795,7 @@
           <a:p>
             <a:fld id="{67B29D9A-71F8-4AE8-9BC0-98DBCD8DFFBB}" type="datetimeFigureOut">
               <a:rPr lang="en-US" smtClean="0"/>
-              <a:t>11/3/2022</a:t>
+              <a:t>11/4/2022</a:t>
             </a:fld>
             <a:endParaRPr lang="en-US"/>
           </a:p>
@@ -1890,7 +1890,7 @@
           <a:p>
             <a:fld id="{67B29D9A-71F8-4AE8-9BC0-98DBCD8DFFBB}" type="datetimeFigureOut">
               <a:rPr lang="en-US" smtClean="0"/>
-              <a:t>11/3/2022</a:t>
+              <a:t>11/4/2022</a:t>
             </a:fld>
             <a:endParaRPr lang="en-US"/>
           </a:p>
@@ -2167,7 +2167,7 @@
           <a:p>
             <a:fld id="{67B29D9A-71F8-4AE8-9BC0-98DBCD8DFFBB}" type="datetimeFigureOut">
               <a:rPr lang="en-US" smtClean="0"/>
-              <a:t>11/3/2022</a:t>
+              <a:t>11/4/2022</a:t>
             </a:fld>
             <a:endParaRPr lang="en-US"/>
           </a:p>
@@ -2424,7 +2424,7 @@
           <a:p>
             <a:fld id="{67B29D9A-71F8-4AE8-9BC0-98DBCD8DFFBB}" type="datetimeFigureOut">
               <a:rPr lang="en-US" smtClean="0"/>
-              <a:t>11/3/2022</a:t>
+              <a:t>11/4/2022</a:t>
             </a:fld>
             <a:endParaRPr lang="en-US"/>
           </a:p>
@@ -2637,7 +2637,7 @@
           <a:p>
             <a:fld id="{67B29D9A-71F8-4AE8-9BC0-98DBCD8DFFBB}" type="datetimeFigureOut">
               <a:rPr lang="en-US" smtClean="0"/>
-              <a:t>11/3/2022</a:t>
+              <a:t>11/4/2022</a:t>
             </a:fld>
             <a:endParaRPr lang="en-US"/>
           </a:p>
@@ -4994,7 +4994,7 @@
         </p:blipFill>
         <p:spPr bwMode="auto">
           <a:xfrm>
-            <a:off x="8354692" y="2356637"/>
+            <a:off x="8354692" y="2377494"/>
             <a:ext cx="762000" cy="762000"/>
           </a:xfrm>
           <a:prstGeom prst="rect">
@@ -5025,24 +5025,35 @@
           </a:extLst>
         </p:spPr>
       </p:pic>
-      <p:sp>
-        <p:nvSpPr>
-          <p:cNvPr id="55" name="TextBox 9">
+      <p:pic>
+        <p:nvPicPr>
+          <p:cNvPr id="56" name="Graphic 19">
             <a:extLst>
               <a:ext uri="{FF2B5EF4-FFF2-40B4-BE49-F238E27FC236}">
-                <a16:creationId xmlns:a16="http://schemas.microsoft.com/office/drawing/2014/main" id="{923852D6-CC75-4A9F-BAF2-CFD830F08AC2}"/>
+                <a16:creationId xmlns:a16="http://schemas.microsoft.com/office/drawing/2014/main" id="{8676B479-19E6-42A1-8F46-7531556D2B73}"/>
               </a:ext>
             </a:extLst>
           </p:cNvPr>
-          <p:cNvSpPr txBox="1">
-            <a:spLocks noChangeArrowheads="1"/>
-          </p:cNvSpPr>
+          <p:cNvPicPr>
+            <a:picLocks noChangeAspect="1" noChangeArrowheads="1"/>
+          </p:cNvPicPr>
           <p:nvPr/>
-        </p:nvSpPr>
+        </p:nvPicPr>
+        <p:blipFill>
+          <a:blip r:embed="rId14">
+            <a:extLst>
+              <a:ext uri="{96DAC541-7B7A-43D3-8B79-37D633B846F1}">
+                <asvg:svgBlip xmlns:asvg="http://schemas.microsoft.com/office/drawing/2016/SVG/main" r:embed="rId15"/>
+              </a:ext>
+            </a:extLst>
+          </a:blip>
+          <a:srcRect/>
+          <a:stretch/>
+        </p:blipFill>
         <p:spPr bwMode="auto">
           <a:xfrm>
-            <a:off x="8966634" y="3116101"/>
-            <a:ext cx="2268537" cy="276999"/>
+            <a:off x="9710885" y="3566201"/>
+            <a:ext cx="762000" cy="762000"/>
           </a:xfrm>
           <a:prstGeom prst="rect">
             <a:avLst/>
@@ -5071,178 +5082,6 @@
             </a:ext>
           </a:extLst>
         </p:spPr>
-        <p:txBody>
-          <a:bodyPr>
-            <a:spAutoFit/>
-          </a:bodyPr>
-          <a:lstStyle>
-            <a:lvl1pPr>
-              <a:defRPr>
-                <a:solidFill>
-                  <a:schemeClr val="tx1"/>
-                </a:solidFill>
-                <a:latin typeface="Calibri" panose="020F0502020204030204" pitchFamily="34" charset="0"/>
-              </a:defRPr>
-            </a:lvl1pPr>
-            <a:lvl2pPr marL="742950" indent="-285750">
-              <a:defRPr>
-                <a:solidFill>
-                  <a:schemeClr val="tx1"/>
-                </a:solidFill>
-                <a:latin typeface="Calibri" panose="020F0502020204030204" pitchFamily="34" charset="0"/>
-              </a:defRPr>
-            </a:lvl2pPr>
-            <a:lvl3pPr marL="1143000" indent="-228600">
-              <a:defRPr>
-                <a:solidFill>
-                  <a:schemeClr val="tx1"/>
-                </a:solidFill>
-                <a:latin typeface="Calibri" panose="020F0502020204030204" pitchFamily="34" charset="0"/>
-              </a:defRPr>
-            </a:lvl3pPr>
-            <a:lvl4pPr marL="1600200" indent="-228600">
-              <a:defRPr>
-                <a:solidFill>
-                  <a:schemeClr val="tx1"/>
-                </a:solidFill>
-                <a:latin typeface="Calibri" panose="020F0502020204030204" pitchFamily="34" charset="0"/>
-              </a:defRPr>
-            </a:lvl4pPr>
-            <a:lvl5pPr marL="2057400" indent="-228600">
-              <a:defRPr>
-                <a:solidFill>
-                  <a:schemeClr val="tx1"/>
-                </a:solidFill>
-                <a:latin typeface="Calibri" panose="020F0502020204030204" pitchFamily="34" charset="0"/>
-              </a:defRPr>
-            </a:lvl5pPr>
-            <a:lvl6pPr marL="2514600" indent="-228600" eaLnBrk="0" fontAlgn="base" hangingPunct="0">
-              <a:spcBef>
-                <a:spcPct val="0"/>
-              </a:spcBef>
-              <a:spcAft>
-                <a:spcPct val="0"/>
-              </a:spcAft>
-              <a:defRPr>
-                <a:solidFill>
-                  <a:schemeClr val="tx1"/>
-                </a:solidFill>
-                <a:latin typeface="Calibri" panose="020F0502020204030204" pitchFamily="34" charset="0"/>
-              </a:defRPr>
-            </a:lvl6pPr>
-            <a:lvl7pPr marL="2971800" indent="-228600" eaLnBrk="0" fontAlgn="base" hangingPunct="0">
-              <a:spcBef>
-                <a:spcPct val="0"/>
-              </a:spcBef>
-              <a:spcAft>
-                <a:spcPct val="0"/>
-              </a:spcAft>
-              <a:defRPr>
-                <a:solidFill>
-                  <a:schemeClr val="tx1"/>
-                </a:solidFill>
-                <a:latin typeface="Calibri" panose="020F0502020204030204" pitchFamily="34" charset="0"/>
-              </a:defRPr>
-            </a:lvl7pPr>
-            <a:lvl8pPr marL="3429000" indent="-228600" eaLnBrk="0" fontAlgn="base" hangingPunct="0">
-              <a:spcBef>
-                <a:spcPct val="0"/>
-              </a:spcBef>
-              <a:spcAft>
-                <a:spcPct val="0"/>
-              </a:spcAft>
-              <a:defRPr>
-                <a:solidFill>
-                  <a:schemeClr val="tx1"/>
-                </a:solidFill>
-                <a:latin typeface="Calibri" panose="020F0502020204030204" pitchFamily="34" charset="0"/>
-              </a:defRPr>
-            </a:lvl8pPr>
-            <a:lvl9pPr marL="3886200" indent="-228600" eaLnBrk="0" fontAlgn="base" hangingPunct="0">
-              <a:spcBef>
-                <a:spcPct val="0"/>
-              </a:spcBef>
-              <a:spcAft>
-                <a:spcPct val="0"/>
-              </a:spcAft>
-              <a:defRPr>
-                <a:solidFill>
-                  <a:schemeClr val="tx1"/>
-                </a:solidFill>
-                <a:latin typeface="Calibri" panose="020F0502020204030204" pitchFamily="34" charset="0"/>
-              </a:defRPr>
-            </a:lvl9pPr>
-          </a:lstStyle>
-          <a:p>
-            <a:pPr algn="ctr" eaLnBrk="1" hangingPunct="1"/>
-            <a:r>
-              <a:rPr lang="en-US" altLang="en-US" sz="1200" dirty="0">
-                <a:latin typeface="Arial" panose="020B0604020202020204" pitchFamily="34" charset="0"/>
-                <a:ea typeface="Amazon Ember" panose="020B0603020204020204" pitchFamily="34" charset="0"/>
-                <a:cs typeface="Arial" panose="020B0604020202020204" pitchFamily="34" charset="0"/>
-              </a:rPr>
-              <a:t>Parameter Store</a:t>
-            </a:r>
-          </a:p>
-        </p:txBody>
-      </p:sp>
-      <p:pic>
-        <p:nvPicPr>
-          <p:cNvPr id="56" name="Graphic 19">
-            <a:extLst>
-              <a:ext uri="{FF2B5EF4-FFF2-40B4-BE49-F238E27FC236}">
-                <a16:creationId xmlns:a16="http://schemas.microsoft.com/office/drawing/2014/main" id="{8676B479-19E6-42A1-8F46-7531556D2B73}"/>
-              </a:ext>
-            </a:extLst>
-          </p:cNvPr>
-          <p:cNvPicPr>
-            <a:picLocks noChangeAspect="1" noChangeArrowheads="1"/>
-          </p:cNvPicPr>
-          <p:nvPr/>
-        </p:nvPicPr>
-        <p:blipFill>
-          <a:blip r:embed="rId14">
-            <a:extLst>
-              <a:ext uri="{96DAC541-7B7A-43D3-8B79-37D633B846F1}">
-                <asvg:svgBlip xmlns:asvg="http://schemas.microsoft.com/office/drawing/2016/SVG/main" r:embed="rId15"/>
-              </a:ext>
-            </a:extLst>
-          </a:blip>
-          <a:srcRect/>
-          <a:stretch/>
-        </p:blipFill>
-        <p:spPr bwMode="auto">
-          <a:xfrm>
-            <a:off x="9719902" y="3566201"/>
-            <a:ext cx="762000" cy="762000"/>
-          </a:xfrm>
-          <a:prstGeom prst="rect">
-            <a:avLst/>
-          </a:prstGeom>
-          <a:noFill/>
-          <a:ln>
-            <a:noFill/>
-          </a:ln>
-          <a:extLst>
-            <a:ext uri="{909E8E84-426E-40DD-AFC4-6F175D3DCCD1}">
-              <a14:hiddenFill xmlns:a14="http://schemas.microsoft.com/office/drawing/2010/main">
-                <a:solidFill>
-                  <a:srgbClr val="FFFFFF"/>
-                </a:solidFill>
-              </a14:hiddenFill>
-            </a:ext>
-            <a:ext uri="{91240B29-F687-4F45-9708-019B960494DF}">
-              <a14:hiddenLine xmlns:a14="http://schemas.microsoft.com/office/drawing/2010/main" w="9525">
-                <a:solidFill>
-                  <a:srgbClr val="000000"/>
-                </a:solidFill>
-                <a:miter lim="800000"/>
-                <a:headEnd/>
-                <a:tailEnd/>
-              </a14:hiddenLine>
-            </a:ext>
-          </a:extLst>
-        </p:spPr>
       </p:pic>
       <p:sp>
         <p:nvSpPr>
@@ -5260,7 +5099,7 @@
         </p:nvSpPr>
         <p:spPr bwMode="auto">
           <a:xfrm>
-            <a:off x="8954727" y="4325519"/>
+            <a:off x="8945710" y="4325519"/>
             <a:ext cx="2292350" cy="276999"/>
           </a:xfrm>
           <a:prstGeom prst="rect">
@@ -6097,7 +5936,7 @@
         </p:blipFill>
         <p:spPr bwMode="auto">
           <a:xfrm>
-            <a:off x="9719902" y="1243584"/>
+            <a:off x="9710885" y="1243584"/>
             <a:ext cx="762000" cy="762000"/>
           </a:xfrm>
           <a:prstGeom prst="rect">
@@ -6305,7 +6144,7 @@
         </p:nvSpPr>
         <p:spPr bwMode="auto">
           <a:xfrm>
-            <a:off x="7589517" y="3116101"/>
+            <a:off x="7589517" y="3143785"/>
             <a:ext cx="2292350" cy="276999"/>
           </a:xfrm>
           <a:prstGeom prst="rect">
@@ -6452,10 +6291,10 @@
       </p:sp>
       <p:pic>
         <p:nvPicPr>
-          <p:cNvPr id="50" name="Graphic 26">
+          <p:cNvPr id="49" name="Graphic 15">
             <a:extLst>
               <a:ext uri="{FF2B5EF4-FFF2-40B4-BE49-F238E27FC236}">
-                <a16:creationId xmlns:a16="http://schemas.microsoft.com/office/drawing/2014/main" id="{4C8C3749-48AF-4B83-85F3-317AFD96E55C}"/>
+                <a16:creationId xmlns:a16="http://schemas.microsoft.com/office/drawing/2014/main" id="{18D6AC77-2906-49F1-B641-335758A85CFE}"/>
               </a:ext>
             </a:extLst>
           </p:cNvPr>
@@ -6479,8 +6318,8 @@
         </p:blipFill>
         <p:spPr bwMode="auto">
           <a:xfrm>
-            <a:off x="9872302" y="2509037"/>
-            <a:ext cx="457200" cy="457200"/>
+            <a:off x="9710885" y="2377494"/>
+            <a:ext cx="762000" cy="762000"/>
           </a:xfrm>
           <a:prstGeom prst="rect">
             <a:avLst/>
@@ -6510,6 +6349,167 @@
           </a:extLst>
         </p:spPr>
       </p:pic>
+      <p:sp>
+        <p:nvSpPr>
+          <p:cNvPr id="51" name="TextBox 11">
+            <a:extLst>
+              <a:ext uri="{FF2B5EF4-FFF2-40B4-BE49-F238E27FC236}">
+                <a16:creationId xmlns:a16="http://schemas.microsoft.com/office/drawing/2014/main" id="{0982F032-5433-4864-84B7-B7E15414F220}"/>
+              </a:ext>
+            </a:extLst>
+          </p:cNvPr>
+          <p:cNvSpPr txBox="1">
+            <a:spLocks noChangeArrowheads="1"/>
+          </p:cNvSpPr>
+          <p:nvPr/>
+        </p:nvSpPr>
+        <p:spPr bwMode="auto">
+          <a:xfrm>
+            <a:off x="8945710" y="3132667"/>
+            <a:ext cx="2292350" cy="276999"/>
+          </a:xfrm>
+          <a:prstGeom prst="rect">
+            <a:avLst/>
+          </a:prstGeom>
+          <a:noFill/>
+          <a:ln>
+            <a:noFill/>
+          </a:ln>
+          <a:extLst>
+            <a:ext uri="{909E8E84-426E-40DD-AFC4-6F175D3DCCD1}">
+              <a14:hiddenFill xmlns:a14="http://schemas.microsoft.com/office/drawing/2010/main">
+                <a:solidFill>
+                  <a:srgbClr val="FFFFFF"/>
+                </a:solidFill>
+              </a14:hiddenFill>
+            </a:ext>
+            <a:ext uri="{91240B29-F687-4F45-9708-019B960494DF}">
+              <a14:hiddenLine xmlns:a14="http://schemas.microsoft.com/office/drawing/2010/main" w="9525">
+                <a:solidFill>
+                  <a:srgbClr val="000000"/>
+                </a:solidFill>
+                <a:miter lim="800000"/>
+                <a:headEnd/>
+                <a:tailEnd/>
+              </a14:hiddenLine>
+            </a:ext>
+          </a:extLst>
+        </p:spPr>
+        <p:txBody>
+          <a:bodyPr>
+            <a:spAutoFit/>
+          </a:bodyPr>
+          <a:lstStyle>
+            <a:lvl1pPr>
+              <a:defRPr>
+                <a:solidFill>
+                  <a:schemeClr val="tx1"/>
+                </a:solidFill>
+                <a:latin typeface="Calibri" panose="020F0502020204030204" pitchFamily="34" charset="0"/>
+              </a:defRPr>
+            </a:lvl1pPr>
+            <a:lvl2pPr marL="742950" indent="-285750">
+              <a:defRPr>
+                <a:solidFill>
+                  <a:schemeClr val="tx1"/>
+                </a:solidFill>
+                <a:latin typeface="Calibri" panose="020F0502020204030204" pitchFamily="34" charset="0"/>
+              </a:defRPr>
+            </a:lvl2pPr>
+            <a:lvl3pPr marL="1143000" indent="-228600">
+              <a:defRPr>
+                <a:solidFill>
+                  <a:schemeClr val="tx1"/>
+                </a:solidFill>
+                <a:latin typeface="Calibri" panose="020F0502020204030204" pitchFamily="34" charset="0"/>
+              </a:defRPr>
+            </a:lvl3pPr>
+            <a:lvl4pPr marL="1600200" indent="-228600">
+              <a:defRPr>
+                <a:solidFill>
+                  <a:schemeClr val="tx1"/>
+                </a:solidFill>
+                <a:latin typeface="Calibri" panose="020F0502020204030204" pitchFamily="34" charset="0"/>
+              </a:defRPr>
+            </a:lvl4pPr>
+            <a:lvl5pPr marL="2057400" indent="-228600">
+              <a:defRPr>
+                <a:solidFill>
+                  <a:schemeClr val="tx1"/>
+                </a:solidFill>
+                <a:latin typeface="Calibri" panose="020F0502020204030204" pitchFamily="34" charset="0"/>
+              </a:defRPr>
+            </a:lvl5pPr>
+            <a:lvl6pPr marL="2514600" indent="-228600" eaLnBrk="0" fontAlgn="base" hangingPunct="0">
+              <a:spcBef>
+                <a:spcPct val="0"/>
+              </a:spcBef>
+              <a:spcAft>
+                <a:spcPct val="0"/>
+              </a:spcAft>
+              <a:defRPr>
+                <a:solidFill>
+                  <a:schemeClr val="tx1"/>
+                </a:solidFill>
+                <a:latin typeface="Calibri" panose="020F0502020204030204" pitchFamily="34" charset="0"/>
+              </a:defRPr>
+            </a:lvl6pPr>
+            <a:lvl7pPr marL="2971800" indent="-228600" eaLnBrk="0" fontAlgn="base" hangingPunct="0">
+              <a:spcBef>
+                <a:spcPct val="0"/>
+              </a:spcBef>
+              <a:spcAft>
+                <a:spcPct val="0"/>
+              </a:spcAft>
+              <a:defRPr>
+                <a:solidFill>
+                  <a:schemeClr val="tx1"/>
+                </a:solidFill>
+                <a:latin typeface="Calibri" panose="020F0502020204030204" pitchFamily="34" charset="0"/>
+              </a:defRPr>
+            </a:lvl7pPr>
+            <a:lvl8pPr marL="3429000" indent="-228600" eaLnBrk="0" fontAlgn="base" hangingPunct="0">
+              <a:spcBef>
+                <a:spcPct val="0"/>
+              </a:spcBef>
+              <a:spcAft>
+                <a:spcPct val="0"/>
+              </a:spcAft>
+              <a:defRPr>
+                <a:solidFill>
+                  <a:schemeClr val="tx1"/>
+                </a:solidFill>
+                <a:latin typeface="Calibri" panose="020F0502020204030204" pitchFamily="34" charset="0"/>
+              </a:defRPr>
+            </a:lvl8pPr>
+            <a:lvl9pPr marL="3886200" indent="-228600" eaLnBrk="0" fontAlgn="base" hangingPunct="0">
+              <a:spcBef>
+                <a:spcPct val="0"/>
+              </a:spcBef>
+              <a:spcAft>
+                <a:spcPct val="0"/>
+              </a:spcAft>
+              <a:defRPr>
+                <a:solidFill>
+                  <a:schemeClr val="tx1"/>
+                </a:solidFill>
+                <a:latin typeface="Calibri" panose="020F0502020204030204" pitchFamily="34" charset="0"/>
+              </a:defRPr>
+            </a:lvl9pPr>
+          </a:lstStyle>
+          <a:p>
+            <a:pPr algn="ctr" eaLnBrk="1" hangingPunct="1"/>
+            <a:r>
+              <a:rPr lang="en-US" altLang="en-US" sz="1200" dirty="0">
+                <a:latin typeface="Arial" panose="020B0604020202020204" pitchFamily="34" charset="0"/>
+                <a:ea typeface="Amazon Ember" panose="020B0603020204020204" pitchFamily="34" charset="0"/>
+                <a:cs typeface="Arial" panose="020B0604020202020204" pitchFamily="34" charset="0"/>
+              </a:rPr>
+              <a:t>Systems Manager</a:t>
+            </a:r>
+          </a:p>
+        </p:txBody>
+      </p:sp>
     </p:spTree>
     <p:extLst>
       <p:ext uri="{BB962C8B-B14F-4D97-AF65-F5344CB8AC3E}">
@@ -13702,7 +13702,7 @@
         </p:nvSpPr>
         <p:spPr bwMode="auto">
           <a:xfrm>
-            <a:off x="8898036" y="6398127"/>
+            <a:off x="8795662" y="6398127"/>
             <a:ext cx="2268537" cy="365760"/>
           </a:xfrm>
           <a:prstGeom prst="rect">
